--- a/DataCorrection.pptx
+++ b/DataCorrection.pptx
@@ -106,6 +106,11 @@
       </a:defRPr>
     </a:lvl9pPr>
   </p:defaultTextStyle>
+  <p:extLst>
+    <p:ext uri="{EFAFB233-063F-42B5-8137-9DF3F51BA10A}">
+      <p15:sldGuideLst xmlns:p15="http://schemas.microsoft.com/office/powerpoint/2012/main"/>
+    </p:ext>
+  </p:extLst>
 </p:presentation>
 </file>
 
@@ -240,7 +245,7 @@
           <a:p>
             <a:fld id="{03845D55-0257-4175-BC16-2AC88235CC02}" type="datetimeFigureOut">
               <a:rPr lang="es-CO" smtClean="0"/>
-              <a:t>6/02/2020</a:t>
+              <a:t>12/02/2020</a:t>
             </a:fld>
             <a:endParaRPr lang="es-CO"/>
           </a:p>
@@ -410,7 +415,7 @@
           <a:p>
             <a:fld id="{03845D55-0257-4175-BC16-2AC88235CC02}" type="datetimeFigureOut">
               <a:rPr lang="es-CO" smtClean="0"/>
-              <a:t>6/02/2020</a:t>
+              <a:t>12/02/2020</a:t>
             </a:fld>
             <a:endParaRPr lang="es-CO"/>
           </a:p>
@@ -590,7 +595,7 @@
           <a:p>
             <a:fld id="{03845D55-0257-4175-BC16-2AC88235CC02}" type="datetimeFigureOut">
               <a:rPr lang="es-CO" smtClean="0"/>
-              <a:t>6/02/2020</a:t>
+              <a:t>12/02/2020</a:t>
             </a:fld>
             <a:endParaRPr lang="es-CO"/>
           </a:p>
@@ -760,7 +765,7 @@
           <a:p>
             <a:fld id="{03845D55-0257-4175-BC16-2AC88235CC02}" type="datetimeFigureOut">
               <a:rPr lang="es-CO" smtClean="0"/>
-              <a:t>6/02/2020</a:t>
+              <a:t>12/02/2020</a:t>
             </a:fld>
             <a:endParaRPr lang="es-CO"/>
           </a:p>
@@ -1006,7 +1011,7 @@
           <a:p>
             <a:fld id="{03845D55-0257-4175-BC16-2AC88235CC02}" type="datetimeFigureOut">
               <a:rPr lang="es-CO" smtClean="0"/>
-              <a:t>6/02/2020</a:t>
+              <a:t>12/02/2020</a:t>
             </a:fld>
             <a:endParaRPr lang="es-CO"/>
           </a:p>
@@ -1238,7 +1243,7 @@
           <a:p>
             <a:fld id="{03845D55-0257-4175-BC16-2AC88235CC02}" type="datetimeFigureOut">
               <a:rPr lang="es-CO" smtClean="0"/>
-              <a:t>6/02/2020</a:t>
+              <a:t>12/02/2020</a:t>
             </a:fld>
             <a:endParaRPr lang="es-CO"/>
           </a:p>
@@ -1605,7 +1610,7 @@
           <a:p>
             <a:fld id="{03845D55-0257-4175-BC16-2AC88235CC02}" type="datetimeFigureOut">
               <a:rPr lang="es-CO" smtClean="0"/>
-              <a:t>6/02/2020</a:t>
+              <a:t>12/02/2020</a:t>
             </a:fld>
             <a:endParaRPr lang="es-CO"/>
           </a:p>
@@ -1723,7 +1728,7 @@
           <a:p>
             <a:fld id="{03845D55-0257-4175-BC16-2AC88235CC02}" type="datetimeFigureOut">
               <a:rPr lang="es-CO" smtClean="0"/>
-              <a:t>6/02/2020</a:t>
+              <a:t>12/02/2020</a:t>
             </a:fld>
             <a:endParaRPr lang="es-CO"/>
           </a:p>
@@ -1818,7 +1823,7 @@
           <a:p>
             <a:fld id="{03845D55-0257-4175-BC16-2AC88235CC02}" type="datetimeFigureOut">
               <a:rPr lang="es-CO" smtClean="0"/>
-              <a:t>6/02/2020</a:t>
+              <a:t>12/02/2020</a:t>
             </a:fld>
             <a:endParaRPr lang="es-CO"/>
           </a:p>
@@ -2095,7 +2100,7 @@
           <a:p>
             <a:fld id="{03845D55-0257-4175-BC16-2AC88235CC02}" type="datetimeFigureOut">
               <a:rPr lang="es-CO" smtClean="0"/>
-              <a:t>6/02/2020</a:t>
+              <a:t>12/02/2020</a:t>
             </a:fld>
             <a:endParaRPr lang="es-CO"/>
           </a:p>
@@ -2348,7 +2353,7 @@
           <a:p>
             <a:fld id="{03845D55-0257-4175-BC16-2AC88235CC02}" type="datetimeFigureOut">
               <a:rPr lang="es-CO" smtClean="0"/>
-              <a:t>6/02/2020</a:t>
+              <a:t>12/02/2020</a:t>
             </a:fld>
             <a:endParaRPr lang="es-CO"/>
           </a:p>
@@ -2561,7 +2566,7 @@
           <a:p>
             <a:fld id="{03845D55-0257-4175-BC16-2AC88235CC02}" type="datetimeFigureOut">
               <a:rPr lang="es-CO" smtClean="0"/>
-              <a:t>6/02/2020</a:t>
+              <a:t>12/02/2020</a:t>
             </a:fld>
             <a:endParaRPr lang="es-CO"/>
           </a:p>
@@ -2991,7 +2996,7 @@
       </p:sp>
       <p:pic>
         <p:nvPicPr>
-          <p:cNvPr id="8" name="Imagen 7"/>
+          <p:cNvPr id="4" name="Imagen 3"/>
           <p:cNvPicPr>
             <a:picLocks noChangeAspect="1"/>
           </p:cNvPicPr>
@@ -3068,7 +3073,7 @@
       </p:sp>
       <p:pic>
         <p:nvPicPr>
-          <p:cNvPr id="4" name="Imagen 3"/>
+          <p:cNvPr id="5" name="Imagen 4"/>
           <p:cNvPicPr>
             <a:picLocks noChangeAspect="1"/>
           </p:cNvPicPr>
@@ -3145,7 +3150,7 @@
       </p:sp>
       <p:pic>
         <p:nvPicPr>
-          <p:cNvPr id="7" name="Imagen 6"/>
+          <p:cNvPr id="4" name="Imagen 3"/>
           <p:cNvPicPr>
             <a:picLocks noChangeAspect="1"/>
           </p:cNvPicPr>

--- a/DataCorrection.pptx
+++ b/DataCorrection.pptx
@@ -156,7 +156,7 @@
           </a:lstStyle>
           <a:p>
             <a:r>
-              <a:rPr lang="es-ES" smtClean="0"/>
+              <a:rPr lang="es-ES"/>
               <a:t>Haga clic para modificar el estilo de título del patrón</a:t>
             </a:r>
             <a:endParaRPr lang="es-CO"/>
@@ -221,7 +221,7 @@
           </a:lstStyle>
           <a:p>
             <a:r>
-              <a:rPr lang="es-ES" smtClean="0"/>
+              <a:rPr lang="es-ES"/>
               <a:t>Haga clic para modificar el estilo de subtítulo del patrón</a:t>
             </a:r>
             <a:endParaRPr lang="es-CO"/>
@@ -245,7 +245,7 @@
           <a:p>
             <a:fld id="{03845D55-0257-4175-BC16-2AC88235CC02}" type="datetimeFigureOut">
               <a:rPr lang="es-CO" smtClean="0"/>
-              <a:t>12/02/2020</a:t>
+              <a:t>12/02/20</a:t>
             </a:fld>
             <a:endParaRPr lang="es-CO"/>
           </a:p>
@@ -287,7 +287,7 @@
           <a:p>
             <a:fld id="{604B6DFE-F8FB-4E1F-9C3C-407EF7CE5360}" type="slidenum">
               <a:rPr lang="es-CO" smtClean="0"/>
-              <a:t>‹Nº›</a:t>
+              <a:t>‹#›</a:t>
             </a:fld>
             <a:endParaRPr lang="es-CO"/>
           </a:p>
@@ -339,7 +339,7 @@
           <a:lstStyle/>
           <a:p>
             <a:r>
-              <a:rPr lang="es-ES" smtClean="0"/>
+              <a:rPr lang="es-ES"/>
               <a:t>Haga clic para modificar el estilo de título del patrón</a:t>
             </a:r>
             <a:endParaRPr lang="es-CO"/>
@@ -363,35 +363,35 @@
           <a:p>
             <a:pPr lvl="0"/>
             <a:r>
-              <a:rPr lang="es-ES" smtClean="0"/>
+              <a:rPr lang="es-ES"/>
               <a:t>Haga clic para modificar el estilo de texto del patrón</a:t>
             </a:r>
           </a:p>
           <a:p>
             <a:pPr lvl="1"/>
             <a:r>
-              <a:rPr lang="es-ES" smtClean="0"/>
+              <a:rPr lang="es-ES"/>
               <a:t>Segundo nivel</a:t>
             </a:r>
           </a:p>
           <a:p>
             <a:pPr lvl="2"/>
             <a:r>
-              <a:rPr lang="es-ES" smtClean="0"/>
+              <a:rPr lang="es-ES"/>
               <a:t>Tercer nivel</a:t>
             </a:r>
           </a:p>
           <a:p>
             <a:pPr lvl="3"/>
             <a:r>
-              <a:rPr lang="es-ES" smtClean="0"/>
+              <a:rPr lang="es-ES"/>
               <a:t>Cuarto nivel</a:t>
             </a:r>
           </a:p>
           <a:p>
             <a:pPr lvl="4"/>
             <a:r>
-              <a:rPr lang="es-ES" smtClean="0"/>
+              <a:rPr lang="es-ES"/>
               <a:t>Quinto nivel</a:t>
             </a:r>
             <a:endParaRPr lang="es-CO"/>
@@ -415,7 +415,7 @@
           <a:p>
             <a:fld id="{03845D55-0257-4175-BC16-2AC88235CC02}" type="datetimeFigureOut">
               <a:rPr lang="es-CO" smtClean="0"/>
-              <a:t>12/02/2020</a:t>
+              <a:t>12/02/20</a:t>
             </a:fld>
             <a:endParaRPr lang="es-CO"/>
           </a:p>
@@ -457,7 +457,7 @@
           <a:p>
             <a:fld id="{604B6DFE-F8FB-4E1F-9C3C-407EF7CE5360}" type="slidenum">
               <a:rPr lang="es-CO" smtClean="0"/>
-              <a:t>‹Nº›</a:t>
+              <a:t>‹#›</a:t>
             </a:fld>
             <a:endParaRPr lang="es-CO"/>
           </a:p>
@@ -514,7 +514,7 @@
           <a:lstStyle/>
           <a:p>
             <a:r>
-              <a:rPr lang="es-ES" smtClean="0"/>
+              <a:rPr lang="es-ES"/>
               <a:t>Haga clic para modificar el estilo de título del patrón</a:t>
             </a:r>
             <a:endParaRPr lang="es-CO"/>
@@ -543,35 +543,35 @@
           <a:p>
             <a:pPr lvl="0"/>
             <a:r>
-              <a:rPr lang="es-ES" smtClean="0"/>
+              <a:rPr lang="es-ES"/>
               <a:t>Haga clic para modificar el estilo de texto del patrón</a:t>
             </a:r>
           </a:p>
           <a:p>
             <a:pPr lvl="1"/>
             <a:r>
-              <a:rPr lang="es-ES" smtClean="0"/>
+              <a:rPr lang="es-ES"/>
               <a:t>Segundo nivel</a:t>
             </a:r>
           </a:p>
           <a:p>
             <a:pPr lvl="2"/>
             <a:r>
-              <a:rPr lang="es-ES" smtClean="0"/>
+              <a:rPr lang="es-ES"/>
               <a:t>Tercer nivel</a:t>
             </a:r>
           </a:p>
           <a:p>
             <a:pPr lvl="3"/>
             <a:r>
-              <a:rPr lang="es-ES" smtClean="0"/>
+              <a:rPr lang="es-ES"/>
               <a:t>Cuarto nivel</a:t>
             </a:r>
           </a:p>
           <a:p>
             <a:pPr lvl="4"/>
             <a:r>
-              <a:rPr lang="es-ES" smtClean="0"/>
+              <a:rPr lang="es-ES"/>
               <a:t>Quinto nivel</a:t>
             </a:r>
             <a:endParaRPr lang="es-CO"/>
@@ -595,7 +595,7 @@
           <a:p>
             <a:fld id="{03845D55-0257-4175-BC16-2AC88235CC02}" type="datetimeFigureOut">
               <a:rPr lang="es-CO" smtClean="0"/>
-              <a:t>12/02/2020</a:t>
+              <a:t>12/02/20</a:t>
             </a:fld>
             <a:endParaRPr lang="es-CO"/>
           </a:p>
@@ -637,7 +637,7 @@
           <a:p>
             <a:fld id="{604B6DFE-F8FB-4E1F-9C3C-407EF7CE5360}" type="slidenum">
               <a:rPr lang="es-CO" smtClean="0"/>
-              <a:t>‹Nº›</a:t>
+              <a:t>‹#›</a:t>
             </a:fld>
             <a:endParaRPr lang="es-CO"/>
           </a:p>
@@ -689,7 +689,7 @@
           <a:lstStyle/>
           <a:p>
             <a:r>
-              <a:rPr lang="es-ES" smtClean="0"/>
+              <a:rPr lang="es-ES"/>
               <a:t>Haga clic para modificar el estilo de título del patrón</a:t>
             </a:r>
             <a:endParaRPr lang="es-CO"/>
@@ -713,35 +713,35 @@
           <a:p>
             <a:pPr lvl="0"/>
             <a:r>
-              <a:rPr lang="es-ES" smtClean="0"/>
+              <a:rPr lang="es-ES"/>
               <a:t>Haga clic para modificar el estilo de texto del patrón</a:t>
             </a:r>
           </a:p>
           <a:p>
             <a:pPr lvl="1"/>
             <a:r>
-              <a:rPr lang="es-ES" smtClean="0"/>
+              <a:rPr lang="es-ES"/>
               <a:t>Segundo nivel</a:t>
             </a:r>
           </a:p>
           <a:p>
             <a:pPr lvl="2"/>
             <a:r>
-              <a:rPr lang="es-ES" smtClean="0"/>
+              <a:rPr lang="es-ES"/>
               <a:t>Tercer nivel</a:t>
             </a:r>
           </a:p>
           <a:p>
             <a:pPr lvl="3"/>
             <a:r>
-              <a:rPr lang="es-ES" smtClean="0"/>
+              <a:rPr lang="es-ES"/>
               <a:t>Cuarto nivel</a:t>
             </a:r>
           </a:p>
           <a:p>
             <a:pPr lvl="4"/>
             <a:r>
-              <a:rPr lang="es-ES" smtClean="0"/>
+              <a:rPr lang="es-ES"/>
               <a:t>Quinto nivel</a:t>
             </a:r>
             <a:endParaRPr lang="es-CO"/>
@@ -765,7 +765,7 @@
           <a:p>
             <a:fld id="{03845D55-0257-4175-BC16-2AC88235CC02}" type="datetimeFigureOut">
               <a:rPr lang="es-CO" smtClean="0"/>
-              <a:t>12/02/2020</a:t>
+              <a:t>12/02/20</a:t>
             </a:fld>
             <a:endParaRPr lang="es-CO"/>
           </a:p>
@@ -807,7 +807,7 @@
           <a:p>
             <a:fld id="{604B6DFE-F8FB-4E1F-9C3C-407EF7CE5360}" type="slidenum">
               <a:rPr lang="es-CO" smtClean="0"/>
-              <a:t>‹Nº›</a:t>
+              <a:t>‹#›</a:t>
             </a:fld>
             <a:endParaRPr lang="es-CO"/>
           </a:p>
@@ -868,7 +868,7 @@
           </a:lstStyle>
           <a:p>
             <a:r>
-              <a:rPr lang="es-ES" smtClean="0"/>
+              <a:rPr lang="es-ES"/>
               <a:t>Haga clic para modificar el estilo de título del patrón</a:t>
             </a:r>
             <a:endParaRPr lang="es-CO"/>
@@ -988,7 +988,7 @@
           <a:p>
             <a:pPr lvl="0"/>
             <a:r>
-              <a:rPr lang="es-ES" smtClean="0"/>
+              <a:rPr lang="es-ES"/>
               <a:t>Haga clic para modificar el estilo de texto del patrón</a:t>
             </a:r>
           </a:p>
@@ -1011,7 +1011,7 @@
           <a:p>
             <a:fld id="{03845D55-0257-4175-BC16-2AC88235CC02}" type="datetimeFigureOut">
               <a:rPr lang="es-CO" smtClean="0"/>
-              <a:t>12/02/2020</a:t>
+              <a:t>12/02/20</a:t>
             </a:fld>
             <a:endParaRPr lang="es-CO"/>
           </a:p>
@@ -1053,7 +1053,7 @@
           <a:p>
             <a:fld id="{604B6DFE-F8FB-4E1F-9C3C-407EF7CE5360}" type="slidenum">
               <a:rPr lang="es-CO" smtClean="0"/>
-              <a:t>‹Nº›</a:t>
+              <a:t>‹#›</a:t>
             </a:fld>
             <a:endParaRPr lang="es-CO"/>
           </a:p>
@@ -1105,7 +1105,7 @@
           <a:lstStyle/>
           <a:p>
             <a:r>
-              <a:rPr lang="es-ES" smtClean="0"/>
+              <a:rPr lang="es-ES"/>
               <a:t>Haga clic para modificar el estilo de título del patrón</a:t>
             </a:r>
             <a:endParaRPr lang="es-CO"/>
@@ -1134,35 +1134,35 @@
           <a:p>
             <a:pPr lvl="0"/>
             <a:r>
-              <a:rPr lang="es-ES" smtClean="0"/>
+              <a:rPr lang="es-ES"/>
               <a:t>Haga clic para modificar el estilo de texto del patrón</a:t>
             </a:r>
           </a:p>
           <a:p>
             <a:pPr lvl="1"/>
             <a:r>
-              <a:rPr lang="es-ES" smtClean="0"/>
+              <a:rPr lang="es-ES"/>
               <a:t>Segundo nivel</a:t>
             </a:r>
           </a:p>
           <a:p>
             <a:pPr lvl="2"/>
             <a:r>
-              <a:rPr lang="es-ES" smtClean="0"/>
+              <a:rPr lang="es-ES"/>
               <a:t>Tercer nivel</a:t>
             </a:r>
           </a:p>
           <a:p>
             <a:pPr lvl="3"/>
             <a:r>
-              <a:rPr lang="es-ES" smtClean="0"/>
+              <a:rPr lang="es-ES"/>
               <a:t>Cuarto nivel</a:t>
             </a:r>
           </a:p>
           <a:p>
             <a:pPr lvl="4"/>
             <a:r>
-              <a:rPr lang="es-ES" smtClean="0"/>
+              <a:rPr lang="es-ES"/>
               <a:t>Quinto nivel</a:t>
             </a:r>
             <a:endParaRPr lang="es-CO"/>
@@ -1191,35 +1191,35 @@
           <a:p>
             <a:pPr lvl="0"/>
             <a:r>
-              <a:rPr lang="es-ES" smtClean="0"/>
+              <a:rPr lang="es-ES"/>
               <a:t>Haga clic para modificar el estilo de texto del patrón</a:t>
             </a:r>
           </a:p>
           <a:p>
             <a:pPr lvl="1"/>
             <a:r>
-              <a:rPr lang="es-ES" smtClean="0"/>
+              <a:rPr lang="es-ES"/>
               <a:t>Segundo nivel</a:t>
             </a:r>
           </a:p>
           <a:p>
             <a:pPr lvl="2"/>
             <a:r>
-              <a:rPr lang="es-ES" smtClean="0"/>
+              <a:rPr lang="es-ES"/>
               <a:t>Tercer nivel</a:t>
             </a:r>
           </a:p>
           <a:p>
             <a:pPr lvl="3"/>
             <a:r>
-              <a:rPr lang="es-ES" smtClean="0"/>
+              <a:rPr lang="es-ES"/>
               <a:t>Cuarto nivel</a:t>
             </a:r>
           </a:p>
           <a:p>
             <a:pPr lvl="4"/>
             <a:r>
-              <a:rPr lang="es-ES" smtClean="0"/>
+              <a:rPr lang="es-ES"/>
               <a:t>Quinto nivel</a:t>
             </a:r>
             <a:endParaRPr lang="es-CO"/>
@@ -1243,7 +1243,7 @@
           <a:p>
             <a:fld id="{03845D55-0257-4175-BC16-2AC88235CC02}" type="datetimeFigureOut">
               <a:rPr lang="es-CO" smtClean="0"/>
-              <a:t>12/02/2020</a:t>
+              <a:t>12/02/20</a:t>
             </a:fld>
             <a:endParaRPr lang="es-CO"/>
           </a:p>
@@ -1285,7 +1285,7 @@
           <a:p>
             <a:fld id="{604B6DFE-F8FB-4E1F-9C3C-407EF7CE5360}" type="slidenum">
               <a:rPr lang="es-CO" smtClean="0"/>
-              <a:t>‹Nº›</a:t>
+              <a:t>‹#›</a:t>
             </a:fld>
             <a:endParaRPr lang="es-CO"/>
           </a:p>
@@ -1342,7 +1342,7 @@
           <a:lstStyle/>
           <a:p>
             <a:r>
-              <a:rPr lang="es-ES" smtClean="0"/>
+              <a:rPr lang="es-ES"/>
               <a:t>Haga clic para modificar el estilo de título del patrón</a:t>
             </a:r>
             <a:endParaRPr lang="es-CO"/>
@@ -1408,7 +1408,7 @@
           <a:p>
             <a:pPr lvl="0"/>
             <a:r>
-              <a:rPr lang="es-ES" smtClean="0"/>
+              <a:rPr lang="es-ES"/>
               <a:t>Haga clic para modificar el estilo de texto del patrón</a:t>
             </a:r>
           </a:p>
@@ -1436,35 +1436,35 @@
           <a:p>
             <a:pPr lvl="0"/>
             <a:r>
-              <a:rPr lang="es-ES" smtClean="0"/>
+              <a:rPr lang="es-ES"/>
               <a:t>Haga clic para modificar el estilo de texto del patrón</a:t>
             </a:r>
           </a:p>
           <a:p>
             <a:pPr lvl="1"/>
             <a:r>
-              <a:rPr lang="es-ES" smtClean="0"/>
+              <a:rPr lang="es-ES"/>
               <a:t>Segundo nivel</a:t>
             </a:r>
           </a:p>
           <a:p>
             <a:pPr lvl="2"/>
             <a:r>
-              <a:rPr lang="es-ES" smtClean="0"/>
+              <a:rPr lang="es-ES"/>
               <a:t>Tercer nivel</a:t>
             </a:r>
           </a:p>
           <a:p>
             <a:pPr lvl="3"/>
             <a:r>
-              <a:rPr lang="es-ES" smtClean="0"/>
+              <a:rPr lang="es-ES"/>
               <a:t>Cuarto nivel</a:t>
             </a:r>
           </a:p>
           <a:p>
             <a:pPr lvl="4"/>
             <a:r>
-              <a:rPr lang="es-ES" smtClean="0"/>
+              <a:rPr lang="es-ES"/>
               <a:t>Quinto nivel</a:t>
             </a:r>
             <a:endParaRPr lang="es-CO"/>
@@ -1530,7 +1530,7 @@
           <a:p>
             <a:pPr lvl="0"/>
             <a:r>
-              <a:rPr lang="es-ES" smtClean="0"/>
+              <a:rPr lang="es-ES"/>
               <a:t>Haga clic para modificar el estilo de texto del patrón</a:t>
             </a:r>
           </a:p>
@@ -1558,35 +1558,35 @@
           <a:p>
             <a:pPr lvl="0"/>
             <a:r>
-              <a:rPr lang="es-ES" smtClean="0"/>
+              <a:rPr lang="es-ES"/>
               <a:t>Haga clic para modificar el estilo de texto del patrón</a:t>
             </a:r>
           </a:p>
           <a:p>
             <a:pPr lvl="1"/>
             <a:r>
-              <a:rPr lang="es-ES" smtClean="0"/>
+              <a:rPr lang="es-ES"/>
               <a:t>Segundo nivel</a:t>
             </a:r>
           </a:p>
           <a:p>
             <a:pPr lvl="2"/>
             <a:r>
-              <a:rPr lang="es-ES" smtClean="0"/>
+              <a:rPr lang="es-ES"/>
               <a:t>Tercer nivel</a:t>
             </a:r>
           </a:p>
           <a:p>
             <a:pPr lvl="3"/>
             <a:r>
-              <a:rPr lang="es-ES" smtClean="0"/>
+              <a:rPr lang="es-ES"/>
               <a:t>Cuarto nivel</a:t>
             </a:r>
           </a:p>
           <a:p>
             <a:pPr lvl="4"/>
             <a:r>
-              <a:rPr lang="es-ES" smtClean="0"/>
+              <a:rPr lang="es-ES"/>
               <a:t>Quinto nivel</a:t>
             </a:r>
             <a:endParaRPr lang="es-CO"/>
@@ -1610,7 +1610,7 @@
           <a:p>
             <a:fld id="{03845D55-0257-4175-BC16-2AC88235CC02}" type="datetimeFigureOut">
               <a:rPr lang="es-CO" smtClean="0"/>
-              <a:t>12/02/2020</a:t>
+              <a:t>12/02/20</a:t>
             </a:fld>
             <a:endParaRPr lang="es-CO"/>
           </a:p>
@@ -1652,7 +1652,7 @@
           <a:p>
             <a:fld id="{604B6DFE-F8FB-4E1F-9C3C-407EF7CE5360}" type="slidenum">
               <a:rPr lang="es-CO" smtClean="0"/>
-              <a:t>‹Nº›</a:t>
+              <a:t>‹#›</a:t>
             </a:fld>
             <a:endParaRPr lang="es-CO"/>
           </a:p>
@@ -1704,7 +1704,7 @@
           <a:lstStyle/>
           <a:p>
             <a:r>
-              <a:rPr lang="es-ES" smtClean="0"/>
+              <a:rPr lang="es-ES"/>
               <a:t>Haga clic para modificar el estilo de título del patrón</a:t>
             </a:r>
             <a:endParaRPr lang="es-CO"/>
@@ -1728,7 +1728,7 @@
           <a:p>
             <a:fld id="{03845D55-0257-4175-BC16-2AC88235CC02}" type="datetimeFigureOut">
               <a:rPr lang="es-CO" smtClean="0"/>
-              <a:t>12/02/2020</a:t>
+              <a:t>12/02/20</a:t>
             </a:fld>
             <a:endParaRPr lang="es-CO"/>
           </a:p>
@@ -1770,7 +1770,7 @@
           <a:p>
             <a:fld id="{604B6DFE-F8FB-4E1F-9C3C-407EF7CE5360}" type="slidenum">
               <a:rPr lang="es-CO" smtClean="0"/>
-              <a:t>‹Nº›</a:t>
+              <a:t>‹#›</a:t>
             </a:fld>
             <a:endParaRPr lang="es-CO"/>
           </a:p>
@@ -1823,7 +1823,7 @@
           <a:p>
             <a:fld id="{03845D55-0257-4175-BC16-2AC88235CC02}" type="datetimeFigureOut">
               <a:rPr lang="es-CO" smtClean="0"/>
-              <a:t>12/02/2020</a:t>
+              <a:t>12/02/20</a:t>
             </a:fld>
             <a:endParaRPr lang="es-CO"/>
           </a:p>
@@ -1865,7 +1865,7 @@
           <a:p>
             <a:fld id="{604B6DFE-F8FB-4E1F-9C3C-407EF7CE5360}" type="slidenum">
               <a:rPr lang="es-CO" smtClean="0"/>
-              <a:t>‹Nº›</a:t>
+              <a:t>‹#›</a:t>
             </a:fld>
             <a:endParaRPr lang="es-CO"/>
           </a:p>
@@ -1926,7 +1926,7 @@
           </a:lstStyle>
           <a:p>
             <a:r>
-              <a:rPr lang="es-ES" smtClean="0"/>
+              <a:rPr lang="es-ES"/>
               <a:t>Haga clic para modificar el estilo de título del patrón</a:t>
             </a:r>
             <a:endParaRPr lang="es-CO"/>
@@ -1983,35 +1983,35 @@
           <a:p>
             <a:pPr lvl="0"/>
             <a:r>
-              <a:rPr lang="es-ES" smtClean="0"/>
+              <a:rPr lang="es-ES"/>
               <a:t>Haga clic para modificar el estilo de texto del patrón</a:t>
             </a:r>
           </a:p>
           <a:p>
             <a:pPr lvl="1"/>
             <a:r>
-              <a:rPr lang="es-ES" smtClean="0"/>
+              <a:rPr lang="es-ES"/>
               <a:t>Segundo nivel</a:t>
             </a:r>
           </a:p>
           <a:p>
             <a:pPr lvl="2"/>
             <a:r>
-              <a:rPr lang="es-ES" smtClean="0"/>
+              <a:rPr lang="es-ES"/>
               <a:t>Tercer nivel</a:t>
             </a:r>
           </a:p>
           <a:p>
             <a:pPr lvl="3"/>
             <a:r>
-              <a:rPr lang="es-ES" smtClean="0"/>
+              <a:rPr lang="es-ES"/>
               <a:t>Cuarto nivel</a:t>
             </a:r>
           </a:p>
           <a:p>
             <a:pPr lvl="4"/>
             <a:r>
-              <a:rPr lang="es-ES" smtClean="0"/>
+              <a:rPr lang="es-ES"/>
               <a:t>Quinto nivel</a:t>
             </a:r>
             <a:endParaRPr lang="es-CO"/>
@@ -2077,7 +2077,7 @@
           <a:p>
             <a:pPr lvl="0"/>
             <a:r>
-              <a:rPr lang="es-ES" smtClean="0"/>
+              <a:rPr lang="es-ES"/>
               <a:t>Haga clic para modificar el estilo de texto del patrón</a:t>
             </a:r>
           </a:p>
@@ -2100,7 +2100,7 @@
           <a:p>
             <a:fld id="{03845D55-0257-4175-BC16-2AC88235CC02}" type="datetimeFigureOut">
               <a:rPr lang="es-CO" smtClean="0"/>
-              <a:t>12/02/2020</a:t>
+              <a:t>12/02/20</a:t>
             </a:fld>
             <a:endParaRPr lang="es-CO"/>
           </a:p>
@@ -2142,7 +2142,7 @@
           <a:p>
             <a:fld id="{604B6DFE-F8FB-4E1F-9C3C-407EF7CE5360}" type="slidenum">
               <a:rPr lang="es-CO" smtClean="0"/>
-              <a:t>‹Nº›</a:t>
+              <a:t>‹#›</a:t>
             </a:fld>
             <a:endParaRPr lang="es-CO"/>
           </a:p>
@@ -2203,7 +2203,7 @@
           </a:lstStyle>
           <a:p>
             <a:r>
-              <a:rPr lang="es-ES" smtClean="0"/>
+              <a:rPr lang="es-ES"/>
               <a:t>Haga clic para modificar el estilo de título del patrón</a:t>
             </a:r>
             <a:endParaRPr lang="es-CO"/>
@@ -2330,7 +2330,7 @@
           <a:p>
             <a:pPr lvl="0"/>
             <a:r>
-              <a:rPr lang="es-ES" smtClean="0"/>
+              <a:rPr lang="es-ES"/>
               <a:t>Haga clic para modificar el estilo de texto del patrón</a:t>
             </a:r>
           </a:p>
@@ -2353,7 +2353,7 @@
           <a:p>
             <a:fld id="{03845D55-0257-4175-BC16-2AC88235CC02}" type="datetimeFigureOut">
               <a:rPr lang="es-CO" smtClean="0"/>
-              <a:t>12/02/2020</a:t>
+              <a:t>12/02/20</a:t>
             </a:fld>
             <a:endParaRPr lang="es-CO"/>
           </a:p>
@@ -2395,7 +2395,7 @@
           <a:p>
             <a:fld id="{604B6DFE-F8FB-4E1F-9C3C-407EF7CE5360}" type="slidenum">
               <a:rPr lang="es-CO" smtClean="0"/>
-              <a:t>‹Nº›</a:t>
+              <a:t>‹#›</a:t>
             </a:fld>
             <a:endParaRPr lang="es-CO"/>
           </a:p>
@@ -2462,7 +2462,7 @@
           <a:lstStyle/>
           <a:p>
             <a:r>
-              <a:rPr lang="es-ES" smtClean="0"/>
+              <a:rPr lang="es-ES"/>
               <a:t>Haga clic para modificar el estilo de título del patrón</a:t>
             </a:r>
             <a:endParaRPr lang="es-CO"/>
@@ -2496,35 +2496,35 @@
           <a:p>
             <a:pPr lvl="0"/>
             <a:r>
-              <a:rPr lang="es-ES" smtClean="0"/>
+              <a:rPr lang="es-ES"/>
               <a:t>Haga clic para modificar el estilo de texto del patrón</a:t>
             </a:r>
           </a:p>
           <a:p>
             <a:pPr lvl="1"/>
             <a:r>
-              <a:rPr lang="es-ES" smtClean="0"/>
+              <a:rPr lang="es-ES"/>
               <a:t>Segundo nivel</a:t>
             </a:r>
           </a:p>
           <a:p>
             <a:pPr lvl="2"/>
             <a:r>
-              <a:rPr lang="es-ES" smtClean="0"/>
+              <a:rPr lang="es-ES"/>
               <a:t>Tercer nivel</a:t>
             </a:r>
           </a:p>
           <a:p>
             <a:pPr lvl="3"/>
             <a:r>
-              <a:rPr lang="es-ES" smtClean="0"/>
+              <a:rPr lang="es-ES"/>
               <a:t>Cuarto nivel</a:t>
             </a:r>
           </a:p>
           <a:p>
             <a:pPr lvl="4"/>
             <a:r>
-              <a:rPr lang="es-ES" smtClean="0"/>
+              <a:rPr lang="es-ES"/>
               <a:t>Quinto nivel</a:t>
             </a:r>
             <a:endParaRPr lang="es-CO"/>
@@ -2566,7 +2566,7 @@
           <a:p>
             <a:fld id="{03845D55-0257-4175-BC16-2AC88235CC02}" type="datetimeFigureOut">
               <a:rPr lang="es-CO" smtClean="0"/>
-              <a:t>12/02/2020</a:t>
+              <a:t>12/02/20</a:t>
             </a:fld>
             <a:endParaRPr lang="es-CO"/>
           </a:p>
@@ -2644,7 +2644,7 @@
           <a:p>
             <a:fld id="{604B6DFE-F8FB-4E1F-9C3C-407EF7CE5360}" type="slidenum">
               <a:rPr lang="es-CO" smtClean="0"/>
-              <a:t>‹Nº›</a:t>
+              <a:t>‹#›</a:t>
             </a:fld>
             <a:endParaRPr lang="es-CO"/>
           </a:p>
@@ -2987,31 +2987,42 @@
           <a:lstStyle/>
           <a:p>
             <a:r>
-              <a:rPr lang="es-CO" dirty="0" smtClean="0"/>
+              <a:rPr lang="es-CO" dirty="0"/>
               <a:t>Sin correcciones</a:t>
             </a:r>
-            <a:endParaRPr lang="es-CO" dirty="0"/>
           </a:p>
         </p:txBody>
       </p:sp>
       <p:pic>
         <p:nvPicPr>
-          <p:cNvPr id="4" name="Imagen 3"/>
+          <p:cNvPr id="5" name="Picture 4">
+            <a:extLst>
+              <a:ext uri="{FF2B5EF4-FFF2-40B4-BE49-F238E27FC236}">
+                <a16:creationId xmlns:a16="http://schemas.microsoft.com/office/drawing/2014/main" id="{A92A9407-3AF8-9E41-9404-9385AE7B02D7}"/>
+              </a:ext>
+            </a:extLst>
+          </p:cNvPr>
           <p:cNvPicPr>
             <a:picLocks noChangeAspect="1"/>
           </p:cNvPicPr>
           <p:nvPr/>
         </p:nvPicPr>
         <p:blipFill>
-          <a:blip r:embed="rId2"/>
+          <a:blip r:embed="rId2">
+            <a:extLst>
+              <a:ext uri="{28A0092B-C50C-407E-A947-70E740481C1C}">
+                <a14:useLocalDpi xmlns:a14="http://schemas.microsoft.com/office/drawing/2010/main" val="0"/>
+              </a:ext>
+            </a:extLst>
+          </a:blip>
           <a:stretch>
             <a:fillRect/>
           </a:stretch>
         </p:blipFill>
         <p:spPr>
           <a:xfrm>
-            <a:off x="1724571" y="1591333"/>
-            <a:ext cx="8742857" cy="5266667"/>
+            <a:off x="1651000" y="1690688"/>
+            <a:ext cx="8890000" cy="5080000"/>
           </a:xfrm>
           <a:prstGeom prst="rect">
             <a:avLst/>
@@ -3064,31 +3075,42 @@
           <a:lstStyle/>
           <a:p>
             <a:r>
-              <a:rPr lang="es-CO" dirty="0" smtClean="0"/>
+              <a:rPr lang="es-CO" dirty="0"/>
               <a:t>Con corrección de puntajes</a:t>
             </a:r>
-            <a:endParaRPr lang="es-CO" dirty="0"/>
           </a:p>
         </p:txBody>
       </p:sp>
       <p:pic>
         <p:nvPicPr>
-          <p:cNvPr id="5" name="Imagen 4"/>
+          <p:cNvPr id="4" name="Picture 3">
+            <a:extLst>
+              <a:ext uri="{FF2B5EF4-FFF2-40B4-BE49-F238E27FC236}">
+                <a16:creationId xmlns:a16="http://schemas.microsoft.com/office/drawing/2014/main" id="{AC824893-0F70-994A-A431-8A6CAE87C119}"/>
+              </a:ext>
+            </a:extLst>
+          </p:cNvPr>
           <p:cNvPicPr>
             <a:picLocks noChangeAspect="1"/>
           </p:cNvPicPr>
           <p:nvPr/>
         </p:nvPicPr>
         <p:blipFill>
-          <a:blip r:embed="rId2"/>
+          <a:blip r:embed="rId2">
+            <a:extLst>
+              <a:ext uri="{28A0092B-C50C-407E-A947-70E740481C1C}">
+                <a14:useLocalDpi xmlns:a14="http://schemas.microsoft.com/office/drawing/2010/main" val="0"/>
+              </a:ext>
+            </a:extLst>
+          </a:blip>
           <a:stretch>
             <a:fillRect/>
           </a:stretch>
         </p:blipFill>
         <p:spPr>
           <a:xfrm>
-            <a:off x="1724571" y="1591333"/>
-            <a:ext cx="8742857" cy="5266667"/>
+            <a:off x="1651000" y="1690688"/>
+            <a:ext cx="8890000" cy="5080000"/>
           </a:xfrm>
           <a:prstGeom prst="rect">
             <a:avLst/>
@@ -3141,31 +3163,42 @@
           <a:lstStyle/>
           <a:p>
             <a:r>
-              <a:rPr lang="es-CO" dirty="0" smtClean="0"/>
+              <a:rPr lang="es-CO" dirty="0"/>
               <a:t>Con corrección de puntajes y estimación de bloques de unicornio presente</a:t>
             </a:r>
-            <a:endParaRPr lang="es-CO" dirty="0"/>
           </a:p>
         </p:txBody>
       </p:sp>
       <p:pic>
         <p:nvPicPr>
-          <p:cNvPr id="4" name="Imagen 3"/>
+          <p:cNvPr id="9" name="Picture 8">
+            <a:extLst>
+              <a:ext uri="{FF2B5EF4-FFF2-40B4-BE49-F238E27FC236}">
+                <a16:creationId xmlns:a16="http://schemas.microsoft.com/office/drawing/2014/main" id="{BC6CB95F-DB54-A34F-A73A-00C3CBE114BA}"/>
+              </a:ext>
+            </a:extLst>
+          </p:cNvPr>
           <p:cNvPicPr>
             <a:picLocks noChangeAspect="1"/>
           </p:cNvPicPr>
           <p:nvPr/>
         </p:nvPicPr>
         <p:blipFill>
-          <a:blip r:embed="rId2"/>
+          <a:blip r:embed="rId2">
+            <a:extLst>
+              <a:ext uri="{28A0092B-C50C-407E-A947-70E740481C1C}">
+                <a14:useLocalDpi xmlns:a14="http://schemas.microsoft.com/office/drawing/2010/main" val="0"/>
+              </a:ext>
+            </a:extLst>
+          </a:blip>
           <a:stretch>
             <a:fillRect/>
           </a:stretch>
         </p:blipFill>
         <p:spPr>
           <a:xfrm>
-            <a:off x="1724571" y="1591333"/>
-            <a:ext cx="8742857" cy="5266667"/>
+            <a:off x="1651000" y="1690688"/>
+            <a:ext cx="8890000" cy="5080000"/>
           </a:xfrm>
           <a:prstGeom prst="rect">
             <a:avLst/>

--- a/DataCorrection.pptx
+++ b/DataCorrection.pptx
@@ -245,7 +245,7 @@
           <a:p>
             <a:fld id="{03845D55-0257-4175-BC16-2AC88235CC02}" type="datetimeFigureOut">
               <a:rPr lang="es-CO" smtClean="0"/>
-              <a:t>12/02/20</a:t>
+              <a:t>13/02/2020</a:t>
             </a:fld>
             <a:endParaRPr lang="es-CO"/>
           </a:p>
@@ -287,7 +287,7 @@
           <a:p>
             <a:fld id="{604B6DFE-F8FB-4E1F-9C3C-407EF7CE5360}" type="slidenum">
               <a:rPr lang="es-CO" smtClean="0"/>
-              <a:t>‹#›</a:t>
+              <a:t>‹Nº›</a:t>
             </a:fld>
             <a:endParaRPr lang="es-CO"/>
           </a:p>
@@ -415,7 +415,7 @@
           <a:p>
             <a:fld id="{03845D55-0257-4175-BC16-2AC88235CC02}" type="datetimeFigureOut">
               <a:rPr lang="es-CO" smtClean="0"/>
-              <a:t>12/02/20</a:t>
+              <a:t>13/02/2020</a:t>
             </a:fld>
             <a:endParaRPr lang="es-CO"/>
           </a:p>
@@ -457,7 +457,7 @@
           <a:p>
             <a:fld id="{604B6DFE-F8FB-4E1F-9C3C-407EF7CE5360}" type="slidenum">
               <a:rPr lang="es-CO" smtClean="0"/>
-              <a:t>‹#›</a:t>
+              <a:t>‹Nº›</a:t>
             </a:fld>
             <a:endParaRPr lang="es-CO"/>
           </a:p>
@@ -595,7 +595,7 @@
           <a:p>
             <a:fld id="{03845D55-0257-4175-BC16-2AC88235CC02}" type="datetimeFigureOut">
               <a:rPr lang="es-CO" smtClean="0"/>
-              <a:t>12/02/20</a:t>
+              <a:t>13/02/2020</a:t>
             </a:fld>
             <a:endParaRPr lang="es-CO"/>
           </a:p>
@@ -637,7 +637,7 @@
           <a:p>
             <a:fld id="{604B6DFE-F8FB-4E1F-9C3C-407EF7CE5360}" type="slidenum">
               <a:rPr lang="es-CO" smtClean="0"/>
-              <a:t>‹#›</a:t>
+              <a:t>‹Nº›</a:t>
             </a:fld>
             <a:endParaRPr lang="es-CO"/>
           </a:p>
@@ -765,7 +765,7 @@
           <a:p>
             <a:fld id="{03845D55-0257-4175-BC16-2AC88235CC02}" type="datetimeFigureOut">
               <a:rPr lang="es-CO" smtClean="0"/>
-              <a:t>12/02/20</a:t>
+              <a:t>13/02/2020</a:t>
             </a:fld>
             <a:endParaRPr lang="es-CO"/>
           </a:p>
@@ -807,7 +807,7 @@
           <a:p>
             <a:fld id="{604B6DFE-F8FB-4E1F-9C3C-407EF7CE5360}" type="slidenum">
               <a:rPr lang="es-CO" smtClean="0"/>
-              <a:t>‹#›</a:t>
+              <a:t>‹Nº›</a:t>
             </a:fld>
             <a:endParaRPr lang="es-CO"/>
           </a:p>
@@ -1011,7 +1011,7 @@
           <a:p>
             <a:fld id="{03845D55-0257-4175-BC16-2AC88235CC02}" type="datetimeFigureOut">
               <a:rPr lang="es-CO" smtClean="0"/>
-              <a:t>12/02/20</a:t>
+              <a:t>13/02/2020</a:t>
             </a:fld>
             <a:endParaRPr lang="es-CO"/>
           </a:p>
@@ -1053,7 +1053,7 @@
           <a:p>
             <a:fld id="{604B6DFE-F8FB-4E1F-9C3C-407EF7CE5360}" type="slidenum">
               <a:rPr lang="es-CO" smtClean="0"/>
-              <a:t>‹#›</a:t>
+              <a:t>‹Nº›</a:t>
             </a:fld>
             <a:endParaRPr lang="es-CO"/>
           </a:p>
@@ -1243,7 +1243,7 @@
           <a:p>
             <a:fld id="{03845D55-0257-4175-BC16-2AC88235CC02}" type="datetimeFigureOut">
               <a:rPr lang="es-CO" smtClean="0"/>
-              <a:t>12/02/20</a:t>
+              <a:t>13/02/2020</a:t>
             </a:fld>
             <a:endParaRPr lang="es-CO"/>
           </a:p>
@@ -1285,7 +1285,7 @@
           <a:p>
             <a:fld id="{604B6DFE-F8FB-4E1F-9C3C-407EF7CE5360}" type="slidenum">
               <a:rPr lang="es-CO" smtClean="0"/>
-              <a:t>‹#›</a:t>
+              <a:t>‹Nº›</a:t>
             </a:fld>
             <a:endParaRPr lang="es-CO"/>
           </a:p>
@@ -1610,7 +1610,7 @@
           <a:p>
             <a:fld id="{03845D55-0257-4175-BC16-2AC88235CC02}" type="datetimeFigureOut">
               <a:rPr lang="es-CO" smtClean="0"/>
-              <a:t>12/02/20</a:t>
+              <a:t>13/02/2020</a:t>
             </a:fld>
             <a:endParaRPr lang="es-CO"/>
           </a:p>
@@ -1652,7 +1652,7 @@
           <a:p>
             <a:fld id="{604B6DFE-F8FB-4E1F-9C3C-407EF7CE5360}" type="slidenum">
               <a:rPr lang="es-CO" smtClean="0"/>
-              <a:t>‹#›</a:t>
+              <a:t>‹Nº›</a:t>
             </a:fld>
             <a:endParaRPr lang="es-CO"/>
           </a:p>
@@ -1728,7 +1728,7 @@
           <a:p>
             <a:fld id="{03845D55-0257-4175-BC16-2AC88235CC02}" type="datetimeFigureOut">
               <a:rPr lang="es-CO" smtClean="0"/>
-              <a:t>12/02/20</a:t>
+              <a:t>13/02/2020</a:t>
             </a:fld>
             <a:endParaRPr lang="es-CO"/>
           </a:p>
@@ -1770,7 +1770,7 @@
           <a:p>
             <a:fld id="{604B6DFE-F8FB-4E1F-9C3C-407EF7CE5360}" type="slidenum">
               <a:rPr lang="es-CO" smtClean="0"/>
-              <a:t>‹#›</a:t>
+              <a:t>‹Nº›</a:t>
             </a:fld>
             <a:endParaRPr lang="es-CO"/>
           </a:p>
@@ -1823,7 +1823,7 @@
           <a:p>
             <a:fld id="{03845D55-0257-4175-BC16-2AC88235CC02}" type="datetimeFigureOut">
               <a:rPr lang="es-CO" smtClean="0"/>
-              <a:t>12/02/20</a:t>
+              <a:t>13/02/2020</a:t>
             </a:fld>
             <a:endParaRPr lang="es-CO"/>
           </a:p>
@@ -1865,7 +1865,7 @@
           <a:p>
             <a:fld id="{604B6DFE-F8FB-4E1F-9C3C-407EF7CE5360}" type="slidenum">
               <a:rPr lang="es-CO" smtClean="0"/>
-              <a:t>‹#›</a:t>
+              <a:t>‹Nº›</a:t>
             </a:fld>
             <a:endParaRPr lang="es-CO"/>
           </a:p>
@@ -2100,7 +2100,7 @@
           <a:p>
             <a:fld id="{03845D55-0257-4175-BC16-2AC88235CC02}" type="datetimeFigureOut">
               <a:rPr lang="es-CO" smtClean="0"/>
-              <a:t>12/02/20</a:t>
+              <a:t>13/02/2020</a:t>
             </a:fld>
             <a:endParaRPr lang="es-CO"/>
           </a:p>
@@ -2142,7 +2142,7 @@
           <a:p>
             <a:fld id="{604B6DFE-F8FB-4E1F-9C3C-407EF7CE5360}" type="slidenum">
               <a:rPr lang="es-CO" smtClean="0"/>
-              <a:t>‹#›</a:t>
+              <a:t>‹Nº›</a:t>
             </a:fld>
             <a:endParaRPr lang="es-CO"/>
           </a:p>
@@ -2353,7 +2353,7 @@
           <a:p>
             <a:fld id="{03845D55-0257-4175-BC16-2AC88235CC02}" type="datetimeFigureOut">
               <a:rPr lang="es-CO" smtClean="0"/>
-              <a:t>12/02/20</a:t>
+              <a:t>13/02/2020</a:t>
             </a:fld>
             <a:endParaRPr lang="es-CO"/>
           </a:p>
@@ -2395,7 +2395,7 @@
           <a:p>
             <a:fld id="{604B6DFE-F8FB-4E1F-9C3C-407EF7CE5360}" type="slidenum">
               <a:rPr lang="es-CO" smtClean="0"/>
-              <a:t>‹#›</a:t>
+              <a:t>‹Nº›</a:t>
             </a:fld>
             <a:endParaRPr lang="es-CO"/>
           </a:p>
@@ -2566,7 +2566,7 @@
           <a:p>
             <a:fld id="{03845D55-0257-4175-BC16-2AC88235CC02}" type="datetimeFigureOut">
               <a:rPr lang="es-CO" smtClean="0"/>
-              <a:t>12/02/20</a:t>
+              <a:t>13/02/2020</a:t>
             </a:fld>
             <a:endParaRPr lang="es-CO"/>
           </a:p>
@@ -2644,7 +2644,7 @@
           <a:p>
             <a:fld id="{604B6DFE-F8FB-4E1F-9C3C-407EF7CE5360}" type="slidenum">
               <a:rPr lang="es-CO" smtClean="0"/>
-              <a:t>‹#›</a:t>
+              <a:t>‹Nº›</a:t>
             </a:fld>
             <a:endParaRPr lang="es-CO"/>
           </a:p>
@@ -2998,7 +2998,7 @@
           <p:cNvPr id="5" name="Picture 4">
             <a:extLst>
               <a:ext uri="{FF2B5EF4-FFF2-40B4-BE49-F238E27FC236}">
-                <a16:creationId xmlns:a16="http://schemas.microsoft.com/office/drawing/2014/main" id="{A92A9407-3AF8-9E41-9404-9385AE7B02D7}"/>
+                <a16:creationId xmlns:a16="http://schemas.microsoft.com/office/drawing/2014/main" xmlns="" id="{A92A9407-3AF8-9E41-9404-9385AE7B02D7}"/>
               </a:ext>
             </a:extLst>
           </p:cNvPr>
@@ -3083,34 +3083,22 @@
       </p:sp>
       <p:pic>
         <p:nvPicPr>
-          <p:cNvPr id="4" name="Picture 3">
-            <a:extLst>
-              <a:ext uri="{FF2B5EF4-FFF2-40B4-BE49-F238E27FC236}">
-                <a16:creationId xmlns:a16="http://schemas.microsoft.com/office/drawing/2014/main" id="{AC824893-0F70-994A-A431-8A6CAE87C119}"/>
-              </a:ext>
-            </a:extLst>
-          </p:cNvPr>
+          <p:cNvPr id="3" name="Imagen 2"/>
           <p:cNvPicPr>
             <a:picLocks noChangeAspect="1"/>
           </p:cNvPicPr>
           <p:nvPr/>
         </p:nvPicPr>
         <p:blipFill>
-          <a:blip r:embed="rId2">
-            <a:extLst>
-              <a:ext uri="{28A0092B-C50C-407E-A947-70E740481C1C}">
-                <a14:useLocalDpi xmlns:a14="http://schemas.microsoft.com/office/drawing/2010/main" val="0"/>
-              </a:ext>
-            </a:extLst>
-          </a:blip>
+          <a:blip r:embed="rId2"/>
           <a:stretch>
             <a:fillRect/>
           </a:stretch>
         </p:blipFill>
         <p:spPr>
           <a:xfrm>
-            <a:off x="1651000" y="1690688"/>
-            <a:ext cx="8890000" cy="5080000"/>
+            <a:off x="1724571" y="1591333"/>
+            <a:ext cx="8742857" cy="5266667"/>
           </a:xfrm>
           <a:prstGeom prst="rect">
             <a:avLst/>
@@ -3174,7 +3162,7 @@
           <p:cNvPr id="9" name="Picture 8">
             <a:extLst>
               <a:ext uri="{FF2B5EF4-FFF2-40B4-BE49-F238E27FC236}">
-                <a16:creationId xmlns:a16="http://schemas.microsoft.com/office/drawing/2014/main" id="{BC6CB95F-DB54-A34F-A73A-00C3CBE114BA}"/>
+                <a16:creationId xmlns:a16="http://schemas.microsoft.com/office/drawing/2014/main" xmlns="" id="{BC6CB95F-DB54-A34F-A73A-00C3CBE114BA}"/>
               </a:ext>
             </a:extLst>
           </p:cNvPr>

--- a/DataCorrection.pptx
+++ b/DataCorrection.pptx
@@ -6,8 +6,9 @@
   </p:sldMasterIdLst>
   <p:sldIdLst>
     <p:sldId id="258" r:id="rId2"/>
-    <p:sldId id="259" r:id="rId3"/>
-    <p:sldId id="257" r:id="rId4"/>
+    <p:sldId id="260" r:id="rId3"/>
+    <p:sldId id="259" r:id="rId4"/>
+    <p:sldId id="257" r:id="rId5"/>
   </p:sldIdLst>
   <p:sldSz cx="12192000" cy="6858000"/>
   <p:notesSz cx="6858000" cy="9144000"/>
@@ -245,7 +246,7 @@
           <a:p>
             <a:fld id="{03845D55-0257-4175-BC16-2AC88235CC02}" type="datetimeFigureOut">
               <a:rPr lang="es-CO" smtClean="0"/>
-              <a:t>12/02/20</a:t>
+              <a:t>13/02/20</a:t>
             </a:fld>
             <a:endParaRPr lang="es-CO"/>
           </a:p>
@@ -415,7 +416,7 @@
           <a:p>
             <a:fld id="{03845D55-0257-4175-BC16-2AC88235CC02}" type="datetimeFigureOut">
               <a:rPr lang="es-CO" smtClean="0"/>
-              <a:t>12/02/20</a:t>
+              <a:t>13/02/20</a:t>
             </a:fld>
             <a:endParaRPr lang="es-CO"/>
           </a:p>
@@ -595,7 +596,7 @@
           <a:p>
             <a:fld id="{03845D55-0257-4175-BC16-2AC88235CC02}" type="datetimeFigureOut">
               <a:rPr lang="es-CO" smtClean="0"/>
-              <a:t>12/02/20</a:t>
+              <a:t>13/02/20</a:t>
             </a:fld>
             <a:endParaRPr lang="es-CO"/>
           </a:p>
@@ -765,7 +766,7 @@
           <a:p>
             <a:fld id="{03845D55-0257-4175-BC16-2AC88235CC02}" type="datetimeFigureOut">
               <a:rPr lang="es-CO" smtClean="0"/>
-              <a:t>12/02/20</a:t>
+              <a:t>13/02/20</a:t>
             </a:fld>
             <a:endParaRPr lang="es-CO"/>
           </a:p>
@@ -1011,7 +1012,7 @@
           <a:p>
             <a:fld id="{03845D55-0257-4175-BC16-2AC88235CC02}" type="datetimeFigureOut">
               <a:rPr lang="es-CO" smtClean="0"/>
-              <a:t>12/02/20</a:t>
+              <a:t>13/02/20</a:t>
             </a:fld>
             <a:endParaRPr lang="es-CO"/>
           </a:p>
@@ -1243,7 +1244,7 @@
           <a:p>
             <a:fld id="{03845D55-0257-4175-BC16-2AC88235CC02}" type="datetimeFigureOut">
               <a:rPr lang="es-CO" smtClean="0"/>
-              <a:t>12/02/20</a:t>
+              <a:t>13/02/20</a:t>
             </a:fld>
             <a:endParaRPr lang="es-CO"/>
           </a:p>
@@ -1610,7 +1611,7 @@
           <a:p>
             <a:fld id="{03845D55-0257-4175-BC16-2AC88235CC02}" type="datetimeFigureOut">
               <a:rPr lang="es-CO" smtClean="0"/>
-              <a:t>12/02/20</a:t>
+              <a:t>13/02/20</a:t>
             </a:fld>
             <a:endParaRPr lang="es-CO"/>
           </a:p>
@@ -1728,7 +1729,7 @@
           <a:p>
             <a:fld id="{03845D55-0257-4175-BC16-2AC88235CC02}" type="datetimeFigureOut">
               <a:rPr lang="es-CO" smtClean="0"/>
-              <a:t>12/02/20</a:t>
+              <a:t>13/02/20</a:t>
             </a:fld>
             <a:endParaRPr lang="es-CO"/>
           </a:p>
@@ -1823,7 +1824,7 @@
           <a:p>
             <a:fld id="{03845D55-0257-4175-BC16-2AC88235CC02}" type="datetimeFigureOut">
               <a:rPr lang="es-CO" smtClean="0"/>
-              <a:t>12/02/20</a:t>
+              <a:t>13/02/20</a:t>
             </a:fld>
             <a:endParaRPr lang="es-CO"/>
           </a:p>
@@ -2100,7 +2101,7 @@
           <a:p>
             <a:fld id="{03845D55-0257-4175-BC16-2AC88235CC02}" type="datetimeFigureOut">
               <a:rPr lang="es-CO" smtClean="0"/>
-              <a:t>12/02/20</a:t>
+              <a:t>13/02/20</a:t>
             </a:fld>
             <a:endParaRPr lang="es-CO"/>
           </a:p>
@@ -2353,7 +2354,7 @@
           <a:p>
             <a:fld id="{03845D55-0257-4175-BC16-2AC88235CC02}" type="datetimeFigureOut">
               <a:rPr lang="es-CO" smtClean="0"/>
-              <a:t>12/02/20</a:t>
+              <a:t>13/02/20</a:t>
             </a:fld>
             <a:endParaRPr lang="es-CO"/>
           </a:p>
@@ -2566,7 +2567,7 @@
           <a:p>
             <a:fld id="{03845D55-0257-4175-BC16-2AC88235CC02}" type="datetimeFigureOut">
               <a:rPr lang="es-CO" smtClean="0"/>
-              <a:t>12/02/20</a:t>
+              <a:t>13/02/20</a:t>
             </a:fld>
             <a:endParaRPr lang="es-CO"/>
           </a:p>
@@ -2988,17 +2989,17 @@
           <a:p>
             <a:r>
               <a:rPr lang="es-CO" dirty="0"/>
-              <a:t>Sin correcciones</a:t>
+              <a:t>Sin correcciones – Full data</a:t>
             </a:r>
           </a:p>
         </p:txBody>
       </p:sp>
       <p:pic>
         <p:nvPicPr>
-          <p:cNvPr id="5" name="Picture 4">
+          <p:cNvPr id="15" name="Picture 14">
             <a:extLst>
               <a:ext uri="{FF2B5EF4-FFF2-40B4-BE49-F238E27FC236}">
-                <a16:creationId xmlns:a16="http://schemas.microsoft.com/office/drawing/2014/main" id="{A92A9407-3AF8-9E41-9404-9385AE7B02D7}"/>
+                <a16:creationId xmlns:a16="http://schemas.microsoft.com/office/drawing/2014/main" id="{8E207EB9-4D8F-6C4B-9753-21D4BD9419A3}"/>
               </a:ext>
             </a:extLst>
           </p:cNvPr>
@@ -3021,8 +3022,8 @@
         </p:blipFill>
         <p:spPr>
           <a:xfrm>
-            <a:off x="1651000" y="1690688"/>
-            <a:ext cx="8890000" cy="5080000"/>
+            <a:off x="2603500" y="1826155"/>
+            <a:ext cx="6985000" cy="4445000"/>
           </a:xfrm>
           <a:prstGeom prst="rect">
             <a:avLst/>
@@ -3061,7 +3062,13 @@
       </p:grpSpPr>
       <p:sp>
         <p:nvSpPr>
-          <p:cNvPr id="2" name="Título 1"/>
+          <p:cNvPr id="2" name="Title 1">
+            <a:extLst>
+              <a:ext uri="{FF2B5EF4-FFF2-40B4-BE49-F238E27FC236}">
+                <a16:creationId xmlns:a16="http://schemas.microsoft.com/office/drawing/2014/main" id="{D232E6B4-C860-6E4B-A678-30C4A534D1CE}"/>
+              </a:ext>
+            </a:extLst>
+          </p:cNvPr>
           <p:cNvSpPr>
             <a:spLocks noGrp="1"/>
           </p:cNvSpPr>
@@ -3075,25 +3082,35 @@
           <a:lstStyle/>
           <a:p>
             <a:r>
-              <a:rPr lang="es-CO" dirty="0"/>
-              <a:t>Con corrección de puntajes</a:t>
+              <a:rPr lang="en-US" dirty="0"/>
+              <a:t>Sin </a:t>
+            </a:r>
+            <a:r>
+              <a:rPr lang="en-US" dirty="0" err="1"/>
+              <a:t>correcciones</a:t>
+            </a:r>
+            <a:r>
+              <a:rPr lang="en-US" dirty="0"/>
+              <a:t> – Unicorn Absent</a:t>
             </a:r>
           </a:p>
         </p:txBody>
       </p:sp>
       <p:pic>
         <p:nvPicPr>
-          <p:cNvPr id="4" name="Picture 3">
+          <p:cNvPr id="5" name="Content Placeholder 4">
             <a:extLst>
               <a:ext uri="{FF2B5EF4-FFF2-40B4-BE49-F238E27FC236}">
-                <a16:creationId xmlns:a16="http://schemas.microsoft.com/office/drawing/2014/main" id="{AC824893-0F70-994A-A431-8A6CAE87C119}"/>
+                <a16:creationId xmlns:a16="http://schemas.microsoft.com/office/drawing/2014/main" id="{8E004EF4-9D52-3144-8E40-4A6298514714}"/>
               </a:ext>
             </a:extLst>
           </p:cNvPr>
           <p:cNvPicPr>
-            <a:picLocks noChangeAspect="1"/>
+            <a:picLocks noGrp="1" noChangeAspect="1"/>
           </p:cNvPicPr>
-          <p:nvPr/>
+          <p:nvPr>
+            <p:ph idx="1"/>
+          </p:nvPr>
         </p:nvPicPr>
         <p:blipFill>
           <a:blip r:embed="rId2">
@@ -3109,18 +3126,15 @@
         </p:blipFill>
         <p:spPr>
           <a:xfrm>
-            <a:off x="1651000" y="1690688"/>
-            <a:ext cx="8890000" cy="5080000"/>
+            <a:off x="2677092" y="1825625"/>
+            <a:ext cx="6837816" cy="4351338"/>
           </a:xfrm>
-          <a:prstGeom prst="rect">
-            <a:avLst/>
-          </a:prstGeom>
         </p:spPr>
       </p:pic>
     </p:spTree>
     <p:extLst>
       <p:ext uri="{BB962C8B-B14F-4D97-AF65-F5344CB8AC3E}">
-        <p14:creationId xmlns:p14="http://schemas.microsoft.com/office/powerpoint/2010/main" val="2016186426"/>
+        <p14:creationId xmlns:p14="http://schemas.microsoft.com/office/powerpoint/2010/main" val="2696435021"/>
       </p:ext>
     </p:extLst>
   </p:cSld>
@@ -3164,17 +3178,17 @@
           <a:p>
             <a:r>
               <a:rPr lang="es-CO" dirty="0"/>
-              <a:t>Con corrección de puntajes y estimación de bloques de unicornio presente</a:t>
+              <a:t>Con corrección de puntajes</a:t>
             </a:r>
           </a:p>
         </p:txBody>
       </p:sp>
       <p:pic>
         <p:nvPicPr>
-          <p:cNvPr id="9" name="Picture 8">
+          <p:cNvPr id="5" name="Picture 4">
             <a:extLst>
               <a:ext uri="{FF2B5EF4-FFF2-40B4-BE49-F238E27FC236}">
-                <a16:creationId xmlns:a16="http://schemas.microsoft.com/office/drawing/2014/main" id="{BC6CB95F-DB54-A34F-A73A-00C3CBE114BA}"/>
+                <a16:creationId xmlns:a16="http://schemas.microsoft.com/office/drawing/2014/main" id="{2B9EF27C-CBF5-BB41-831A-6D1068717EF4}"/>
               </a:ext>
             </a:extLst>
           </p:cNvPr>
@@ -3197,14 +3211,66 @@
         </p:blipFill>
         <p:spPr>
           <a:xfrm>
-            <a:off x="1651000" y="1690688"/>
-            <a:ext cx="8890000" cy="5080000"/>
+            <a:off x="2603500" y="1893888"/>
+            <a:ext cx="6985000" cy="3873500"/>
           </a:xfrm>
           <a:prstGeom prst="rect">
             <a:avLst/>
           </a:prstGeom>
         </p:spPr>
       </p:pic>
+    </p:spTree>
+    <p:extLst>
+      <p:ext uri="{BB962C8B-B14F-4D97-AF65-F5344CB8AC3E}">
+        <p14:creationId xmlns:p14="http://schemas.microsoft.com/office/powerpoint/2010/main" val="2016186426"/>
+      </p:ext>
+    </p:extLst>
+  </p:cSld>
+  <p:clrMapOvr>
+    <a:masterClrMapping/>
+  </p:clrMapOvr>
+</p:sld>
+</file>
+
+<file path=ppt/slides/slide4.xml><?xml version="1.0" encoding="utf-8"?>
+<p:sld xmlns:a="http://schemas.openxmlformats.org/drawingml/2006/main" xmlns:r="http://schemas.openxmlformats.org/officeDocument/2006/relationships" xmlns:p="http://schemas.openxmlformats.org/presentationml/2006/main">
+  <p:cSld>
+    <p:spTree>
+      <p:nvGrpSpPr>
+        <p:cNvPr id="1" name=""/>
+        <p:cNvGrpSpPr/>
+        <p:nvPr/>
+      </p:nvGrpSpPr>
+      <p:grpSpPr>
+        <a:xfrm>
+          <a:off x="0" y="0"/>
+          <a:ext cx="0" cy="0"/>
+          <a:chOff x="0" y="0"/>
+          <a:chExt cx="0" cy="0"/>
+        </a:xfrm>
+      </p:grpSpPr>
+      <p:sp>
+        <p:nvSpPr>
+          <p:cNvPr id="2" name="Título 1"/>
+          <p:cNvSpPr>
+            <a:spLocks noGrp="1"/>
+          </p:cNvSpPr>
+          <p:nvPr>
+            <p:ph type="title"/>
+          </p:nvPr>
+        </p:nvSpPr>
+        <p:spPr/>
+        <p:txBody>
+          <a:bodyPr/>
+          <a:lstStyle/>
+          <a:p>
+            <a:r>
+              <a:rPr lang="es-CO" dirty="0"/>
+              <a:t>Con corrección de puntajes y estimación de bloques de unicornio presente</a:t>
+            </a:r>
+          </a:p>
+        </p:txBody>
+      </p:sp>
     </p:spTree>
     <p:extLst>
       <p:ext uri="{BB962C8B-B14F-4D97-AF65-F5344CB8AC3E}">

--- a/DataCorrection.pptx
+++ b/DataCorrection.pptx
@@ -246,7 +246,7 @@
           <a:p>
             <a:fld id="{03845D55-0257-4175-BC16-2AC88235CC02}" type="datetimeFigureOut">
               <a:rPr lang="es-CO" smtClean="0"/>
-              <a:t>13/02/20</a:t>
+              <a:t>13/02/2020</a:t>
             </a:fld>
             <a:endParaRPr lang="es-CO"/>
           </a:p>
@@ -288,7 +288,7 @@
           <a:p>
             <a:fld id="{604B6DFE-F8FB-4E1F-9C3C-407EF7CE5360}" type="slidenum">
               <a:rPr lang="es-CO" smtClean="0"/>
-              <a:t>‹#›</a:t>
+              <a:t>‹Nº›</a:t>
             </a:fld>
             <a:endParaRPr lang="es-CO"/>
           </a:p>
@@ -416,7 +416,7 @@
           <a:p>
             <a:fld id="{03845D55-0257-4175-BC16-2AC88235CC02}" type="datetimeFigureOut">
               <a:rPr lang="es-CO" smtClean="0"/>
-              <a:t>13/02/20</a:t>
+              <a:t>13/02/2020</a:t>
             </a:fld>
             <a:endParaRPr lang="es-CO"/>
           </a:p>
@@ -458,7 +458,7 @@
           <a:p>
             <a:fld id="{604B6DFE-F8FB-4E1F-9C3C-407EF7CE5360}" type="slidenum">
               <a:rPr lang="es-CO" smtClean="0"/>
-              <a:t>‹#›</a:t>
+              <a:t>‹Nº›</a:t>
             </a:fld>
             <a:endParaRPr lang="es-CO"/>
           </a:p>
@@ -596,7 +596,7 @@
           <a:p>
             <a:fld id="{03845D55-0257-4175-BC16-2AC88235CC02}" type="datetimeFigureOut">
               <a:rPr lang="es-CO" smtClean="0"/>
-              <a:t>13/02/20</a:t>
+              <a:t>13/02/2020</a:t>
             </a:fld>
             <a:endParaRPr lang="es-CO"/>
           </a:p>
@@ -638,7 +638,7 @@
           <a:p>
             <a:fld id="{604B6DFE-F8FB-4E1F-9C3C-407EF7CE5360}" type="slidenum">
               <a:rPr lang="es-CO" smtClean="0"/>
-              <a:t>‹#›</a:t>
+              <a:t>‹Nº›</a:t>
             </a:fld>
             <a:endParaRPr lang="es-CO"/>
           </a:p>
@@ -766,7 +766,7 @@
           <a:p>
             <a:fld id="{03845D55-0257-4175-BC16-2AC88235CC02}" type="datetimeFigureOut">
               <a:rPr lang="es-CO" smtClean="0"/>
-              <a:t>13/02/20</a:t>
+              <a:t>13/02/2020</a:t>
             </a:fld>
             <a:endParaRPr lang="es-CO"/>
           </a:p>
@@ -808,7 +808,7 @@
           <a:p>
             <a:fld id="{604B6DFE-F8FB-4E1F-9C3C-407EF7CE5360}" type="slidenum">
               <a:rPr lang="es-CO" smtClean="0"/>
-              <a:t>‹#›</a:t>
+              <a:t>‹Nº›</a:t>
             </a:fld>
             <a:endParaRPr lang="es-CO"/>
           </a:p>
@@ -1012,7 +1012,7 @@
           <a:p>
             <a:fld id="{03845D55-0257-4175-BC16-2AC88235CC02}" type="datetimeFigureOut">
               <a:rPr lang="es-CO" smtClean="0"/>
-              <a:t>13/02/20</a:t>
+              <a:t>13/02/2020</a:t>
             </a:fld>
             <a:endParaRPr lang="es-CO"/>
           </a:p>
@@ -1054,7 +1054,7 @@
           <a:p>
             <a:fld id="{604B6DFE-F8FB-4E1F-9C3C-407EF7CE5360}" type="slidenum">
               <a:rPr lang="es-CO" smtClean="0"/>
-              <a:t>‹#›</a:t>
+              <a:t>‹Nº›</a:t>
             </a:fld>
             <a:endParaRPr lang="es-CO"/>
           </a:p>
@@ -1244,7 +1244,7 @@
           <a:p>
             <a:fld id="{03845D55-0257-4175-BC16-2AC88235CC02}" type="datetimeFigureOut">
               <a:rPr lang="es-CO" smtClean="0"/>
-              <a:t>13/02/20</a:t>
+              <a:t>13/02/2020</a:t>
             </a:fld>
             <a:endParaRPr lang="es-CO"/>
           </a:p>
@@ -1286,7 +1286,7 @@
           <a:p>
             <a:fld id="{604B6DFE-F8FB-4E1F-9C3C-407EF7CE5360}" type="slidenum">
               <a:rPr lang="es-CO" smtClean="0"/>
-              <a:t>‹#›</a:t>
+              <a:t>‹Nº›</a:t>
             </a:fld>
             <a:endParaRPr lang="es-CO"/>
           </a:p>
@@ -1611,7 +1611,7 @@
           <a:p>
             <a:fld id="{03845D55-0257-4175-BC16-2AC88235CC02}" type="datetimeFigureOut">
               <a:rPr lang="es-CO" smtClean="0"/>
-              <a:t>13/02/20</a:t>
+              <a:t>13/02/2020</a:t>
             </a:fld>
             <a:endParaRPr lang="es-CO"/>
           </a:p>
@@ -1653,7 +1653,7 @@
           <a:p>
             <a:fld id="{604B6DFE-F8FB-4E1F-9C3C-407EF7CE5360}" type="slidenum">
               <a:rPr lang="es-CO" smtClean="0"/>
-              <a:t>‹#›</a:t>
+              <a:t>‹Nº›</a:t>
             </a:fld>
             <a:endParaRPr lang="es-CO"/>
           </a:p>
@@ -1729,7 +1729,7 @@
           <a:p>
             <a:fld id="{03845D55-0257-4175-BC16-2AC88235CC02}" type="datetimeFigureOut">
               <a:rPr lang="es-CO" smtClean="0"/>
-              <a:t>13/02/20</a:t>
+              <a:t>13/02/2020</a:t>
             </a:fld>
             <a:endParaRPr lang="es-CO"/>
           </a:p>
@@ -1771,7 +1771,7 @@
           <a:p>
             <a:fld id="{604B6DFE-F8FB-4E1F-9C3C-407EF7CE5360}" type="slidenum">
               <a:rPr lang="es-CO" smtClean="0"/>
-              <a:t>‹#›</a:t>
+              <a:t>‹Nº›</a:t>
             </a:fld>
             <a:endParaRPr lang="es-CO"/>
           </a:p>
@@ -1824,7 +1824,7 @@
           <a:p>
             <a:fld id="{03845D55-0257-4175-BC16-2AC88235CC02}" type="datetimeFigureOut">
               <a:rPr lang="es-CO" smtClean="0"/>
-              <a:t>13/02/20</a:t>
+              <a:t>13/02/2020</a:t>
             </a:fld>
             <a:endParaRPr lang="es-CO"/>
           </a:p>
@@ -1866,7 +1866,7 @@
           <a:p>
             <a:fld id="{604B6DFE-F8FB-4E1F-9C3C-407EF7CE5360}" type="slidenum">
               <a:rPr lang="es-CO" smtClean="0"/>
-              <a:t>‹#›</a:t>
+              <a:t>‹Nº›</a:t>
             </a:fld>
             <a:endParaRPr lang="es-CO"/>
           </a:p>
@@ -2101,7 +2101,7 @@
           <a:p>
             <a:fld id="{03845D55-0257-4175-BC16-2AC88235CC02}" type="datetimeFigureOut">
               <a:rPr lang="es-CO" smtClean="0"/>
-              <a:t>13/02/20</a:t>
+              <a:t>13/02/2020</a:t>
             </a:fld>
             <a:endParaRPr lang="es-CO"/>
           </a:p>
@@ -2143,7 +2143,7 @@
           <a:p>
             <a:fld id="{604B6DFE-F8FB-4E1F-9C3C-407EF7CE5360}" type="slidenum">
               <a:rPr lang="es-CO" smtClean="0"/>
-              <a:t>‹#›</a:t>
+              <a:t>‹Nº›</a:t>
             </a:fld>
             <a:endParaRPr lang="es-CO"/>
           </a:p>
@@ -2354,7 +2354,7 @@
           <a:p>
             <a:fld id="{03845D55-0257-4175-BC16-2AC88235CC02}" type="datetimeFigureOut">
               <a:rPr lang="es-CO" smtClean="0"/>
-              <a:t>13/02/20</a:t>
+              <a:t>13/02/2020</a:t>
             </a:fld>
             <a:endParaRPr lang="es-CO"/>
           </a:p>
@@ -2396,7 +2396,7 @@
           <a:p>
             <a:fld id="{604B6DFE-F8FB-4E1F-9C3C-407EF7CE5360}" type="slidenum">
               <a:rPr lang="es-CO" smtClean="0"/>
-              <a:t>‹#›</a:t>
+              <a:t>‹Nº›</a:t>
             </a:fld>
             <a:endParaRPr lang="es-CO"/>
           </a:p>
@@ -2567,7 +2567,7 @@
           <a:p>
             <a:fld id="{03845D55-0257-4175-BC16-2AC88235CC02}" type="datetimeFigureOut">
               <a:rPr lang="es-CO" smtClean="0"/>
-              <a:t>13/02/20</a:t>
+              <a:t>13/02/2020</a:t>
             </a:fld>
             <a:endParaRPr lang="es-CO"/>
           </a:p>
@@ -2645,7 +2645,7 @@
           <a:p>
             <a:fld id="{604B6DFE-F8FB-4E1F-9C3C-407EF7CE5360}" type="slidenum">
               <a:rPr lang="es-CO" smtClean="0"/>
-              <a:t>‹#›</a:t>
+              <a:t>‹Nº›</a:t>
             </a:fld>
             <a:endParaRPr lang="es-CO"/>
           </a:p>
@@ -2996,34 +2996,22 @@
       </p:sp>
       <p:pic>
         <p:nvPicPr>
-          <p:cNvPr id="15" name="Picture 14">
-            <a:extLst>
-              <a:ext uri="{FF2B5EF4-FFF2-40B4-BE49-F238E27FC236}">
-                <a16:creationId xmlns:a16="http://schemas.microsoft.com/office/drawing/2014/main" id="{8E207EB9-4D8F-6C4B-9753-21D4BD9419A3}"/>
-              </a:ext>
-            </a:extLst>
-          </p:cNvPr>
+          <p:cNvPr id="4" name="Imagen 3"/>
           <p:cNvPicPr>
             <a:picLocks noChangeAspect="1"/>
           </p:cNvPicPr>
           <p:nvPr/>
         </p:nvPicPr>
         <p:blipFill>
-          <a:blip r:embed="rId2">
-            <a:extLst>
-              <a:ext uri="{28A0092B-C50C-407E-A947-70E740481C1C}">
-                <a14:useLocalDpi xmlns:a14="http://schemas.microsoft.com/office/drawing/2010/main" val="0"/>
-              </a:ext>
-            </a:extLst>
-          </a:blip>
+          <a:blip r:embed="rId2"/>
           <a:stretch>
             <a:fillRect/>
           </a:stretch>
         </p:blipFill>
         <p:spPr>
           <a:xfrm>
-            <a:off x="2603500" y="1826155"/>
-            <a:ext cx="6985000" cy="4445000"/>
+            <a:off x="1724571" y="1591333"/>
+            <a:ext cx="8742857" cy="5266667"/>
           </a:xfrm>
           <a:prstGeom prst="rect">
             <a:avLst/>
@@ -3065,7 +3053,7 @@
           <p:cNvPr id="2" name="Title 1">
             <a:extLst>
               <a:ext uri="{FF2B5EF4-FFF2-40B4-BE49-F238E27FC236}">
-                <a16:creationId xmlns:a16="http://schemas.microsoft.com/office/drawing/2014/main" id="{D232E6B4-C860-6E4B-A678-30C4A534D1CE}"/>
+                <a16:creationId xmlns:a16="http://schemas.microsoft.com/office/drawing/2014/main" xmlns="" id="{D232E6B4-C860-6E4B-A678-30C4A534D1CE}"/>
               </a:ext>
             </a:extLst>
           </p:cNvPr>
@@ -3098,37 +3086,26 @@
       </p:sp>
       <p:pic>
         <p:nvPicPr>
-          <p:cNvPr id="5" name="Content Placeholder 4">
-            <a:extLst>
-              <a:ext uri="{FF2B5EF4-FFF2-40B4-BE49-F238E27FC236}">
-                <a16:creationId xmlns:a16="http://schemas.microsoft.com/office/drawing/2014/main" id="{8E004EF4-9D52-3144-8E40-4A6298514714}"/>
-              </a:ext>
-            </a:extLst>
-          </p:cNvPr>
+          <p:cNvPr id="4" name="Imagen 3"/>
           <p:cNvPicPr>
-            <a:picLocks noGrp="1" noChangeAspect="1"/>
+            <a:picLocks noChangeAspect="1"/>
           </p:cNvPicPr>
-          <p:nvPr>
-            <p:ph idx="1"/>
-          </p:nvPr>
+          <p:nvPr/>
         </p:nvPicPr>
         <p:blipFill>
-          <a:blip r:embed="rId2">
-            <a:extLst>
-              <a:ext uri="{28A0092B-C50C-407E-A947-70E740481C1C}">
-                <a14:useLocalDpi xmlns:a14="http://schemas.microsoft.com/office/drawing/2010/main" val="0"/>
-              </a:ext>
-            </a:extLst>
-          </a:blip>
+          <a:blip r:embed="rId2"/>
           <a:stretch>
             <a:fillRect/>
           </a:stretch>
         </p:blipFill>
         <p:spPr>
           <a:xfrm>
-            <a:off x="2677092" y="1825625"/>
-            <a:ext cx="6837816" cy="4351338"/>
+            <a:off x="1724571" y="1591333"/>
+            <a:ext cx="8742857" cy="5266667"/>
           </a:xfrm>
+          <a:prstGeom prst="rect">
+            <a:avLst/>
+          </a:prstGeom>
         </p:spPr>
       </p:pic>
     </p:spTree>
@@ -3185,34 +3162,22 @@
       </p:sp>
       <p:pic>
         <p:nvPicPr>
-          <p:cNvPr id="5" name="Picture 4">
-            <a:extLst>
-              <a:ext uri="{FF2B5EF4-FFF2-40B4-BE49-F238E27FC236}">
-                <a16:creationId xmlns:a16="http://schemas.microsoft.com/office/drawing/2014/main" id="{2B9EF27C-CBF5-BB41-831A-6D1068717EF4}"/>
-              </a:ext>
-            </a:extLst>
-          </p:cNvPr>
+          <p:cNvPr id="4" name="Imagen 3"/>
           <p:cNvPicPr>
             <a:picLocks noChangeAspect="1"/>
           </p:cNvPicPr>
           <p:nvPr/>
         </p:nvPicPr>
         <p:blipFill>
-          <a:blip r:embed="rId2">
-            <a:extLst>
-              <a:ext uri="{28A0092B-C50C-407E-A947-70E740481C1C}">
-                <a14:useLocalDpi xmlns:a14="http://schemas.microsoft.com/office/drawing/2010/main" val="0"/>
-              </a:ext>
-            </a:extLst>
-          </a:blip>
+          <a:blip r:embed="rId2"/>
           <a:stretch>
             <a:fillRect/>
           </a:stretch>
         </p:blipFill>
         <p:spPr>
           <a:xfrm>
-            <a:off x="2603500" y="1893888"/>
-            <a:ext cx="6985000" cy="3873500"/>
+            <a:off x="1724571" y="1591333"/>
+            <a:ext cx="8742857" cy="5266667"/>
           </a:xfrm>
           <a:prstGeom prst="rect">
             <a:avLst/>
@@ -3271,6 +3236,30 @@
           </a:p>
         </p:txBody>
       </p:sp>
+      <p:pic>
+        <p:nvPicPr>
+          <p:cNvPr id="3" name="Imagen 2"/>
+          <p:cNvPicPr>
+            <a:picLocks noChangeAspect="1"/>
+          </p:cNvPicPr>
+          <p:nvPr/>
+        </p:nvPicPr>
+        <p:blipFill>
+          <a:blip r:embed="rId2"/>
+          <a:stretch>
+            <a:fillRect/>
+          </a:stretch>
+        </p:blipFill>
+        <p:spPr>
+          <a:xfrm>
+            <a:off x="1724571" y="1591333"/>
+            <a:ext cx="8742857" cy="5266667"/>
+          </a:xfrm>
+          <a:prstGeom prst="rect">
+            <a:avLst/>
+          </a:prstGeom>
+        </p:spPr>
+      </p:pic>
     </p:spTree>
     <p:extLst>
       <p:ext uri="{BB962C8B-B14F-4D97-AF65-F5344CB8AC3E}">

--- a/DataCorrection.pptx
+++ b/DataCorrection.pptx
@@ -246,7 +246,7 @@
           <a:p>
             <a:fld id="{03845D55-0257-4175-BC16-2AC88235CC02}" type="datetimeFigureOut">
               <a:rPr lang="es-CO" smtClean="0"/>
-              <a:t>13/02/2020</a:t>
+              <a:t>19/02/20</a:t>
             </a:fld>
             <a:endParaRPr lang="es-CO"/>
           </a:p>
@@ -288,7 +288,7 @@
           <a:p>
             <a:fld id="{604B6DFE-F8FB-4E1F-9C3C-407EF7CE5360}" type="slidenum">
               <a:rPr lang="es-CO" smtClean="0"/>
-              <a:t>‹Nº›</a:t>
+              <a:t>‹#›</a:t>
             </a:fld>
             <a:endParaRPr lang="es-CO"/>
           </a:p>
@@ -416,7 +416,7 @@
           <a:p>
             <a:fld id="{03845D55-0257-4175-BC16-2AC88235CC02}" type="datetimeFigureOut">
               <a:rPr lang="es-CO" smtClean="0"/>
-              <a:t>13/02/2020</a:t>
+              <a:t>19/02/20</a:t>
             </a:fld>
             <a:endParaRPr lang="es-CO"/>
           </a:p>
@@ -458,7 +458,7 @@
           <a:p>
             <a:fld id="{604B6DFE-F8FB-4E1F-9C3C-407EF7CE5360}" type="slidenum">
               <a:rPr lang="es-CO" smtClean="0"/>
-              <a:t>‹Nº›</a:t>
+              <a:t>‹#›</a:t>
             </a:fld>
             <a:endParaRPr lang="es-CO"/>
           </a:p>
@@ -596,7 +596,7 @@
           <a:p>
             <a:fld id="{03845D55-0257-4175-BC16-2AC88235CC02}" type="datetimeFigureOut">
               <a:rPr lang="es-CO" smtClean="0"/>
-              <a:t>13/02/2020</a:t>
+              <a:t>19/02/20</a:t>
             </a:fld>
             <a:endParaRPr lang="es-CO"/>
           </a:p>
@@ -638,7 +638,7 @@
           <a:p>
             <a:fld id="{604B6DFE-F8FB-4E1F-9C3C-407EF7CE5360}" type="slidenum">
               <a:rPr lang="es-CO" smtClean="0"/>
-              <a:t>‹Nº›</a:t>
+              <a:t>‹#›</a:t>
             </a:fld>
             <a:endParaRPr lang="es-CO"/>
           </a:p>
@@ -766,7 +766,7 @@
           <a:p>
             <a:fld id="{03845D55-0257-4175-BC16-2AC88235CC02}" type="datetimeFigureOut">
               <a:rPr lang="es-CO" smtClean="0"/>
-              <a:t>13/02/2020</a:t>
+              <a:t>19/02/20</a:t>
             </a:fld>
             <a:endParaRPr lang="es-CO"/>
           </a:p>
@@ -808,7 +808,7 @@
           <a:p>
             <a:fld id="{604B6DFE-F8FB-4E1F-9C3C-407EF7CE5360}" type="slidenum">
               <a:rPr lang="es-CO" smtClean="0"/>
-              <a:t>‹Nº›</a:t>
+              <a:t>‹#›</a:t>
             </a:fld>
             <a:endParaRPr lang="es-CO"/>
           </a:p>
@@ -1012,7 +1012,7 @@
           <a:p>
             <a:fld id="{03845D55-0257-4175-BC16-2AC88235CC02}" type="datetimeFigureOut">
               <a:rPr lang="es-CO" smtClean="0"/>
-              <a:t>13/02/2020</a:t>
+              <a:t>19/02/20</a:t>
             </a:fld>
             <a:endParaRPr lang="es-CO"/>
           </a:p>
@@ -1054,7 +1054,7 @@
           <a:p>
             <a:fld id="{604B6DFE-F8FB-4E1F-9C3C-407EF7CE5360}" type="slidenum">
               <a:rPr lang="es-CO" smtClean="0"/>
-              <a:t>‹Nº›</a:t>
+              <a:t>‹#›</a:t>
             </a:fld>
             <a:endParaRPr lang="es-CO"/>
           </a:p>
@@ -1244,7 +1244,7 @@
           <a:p>
             <a:fld id="{03845D55-0257-4175-BC16-2AC88235CC02}" type="datetimeFigureOut">
               <a:rPr lang="es-CO" smtClean="0"/>
-              <a:t>13/02/2020</a:t>
+              <a:t>19/02/20</a:t>
             </a:fld>
             <a:endParaRPr lang="es-CO"/>
           </a:p>
@@ -1286,7 +1286,7 @@
           <a:p>
             <a:fld id="{604B6DFE-F8FB-4E1F-9C3C-407EF7CE5360}" type="slidenum">
               <a:rPr lang="es-CO" smtClean="0"/>
-              <a:t>‹Nº›</a:t>
+              <a:t>‹#›</a:t>
             </a:fld>
             <a:endParaRPr lang="es-CO"/>
           </a:p>
@@ -1611,7 +1611,7 @@
           <a:p>
             <a:fld id="{03845D55-0257-4175-BC16-2AC88235CC02}" type="datetimeFigureOut">
               <a:rPr lang="es-CO" smtClean="0"/>
-              <a:t>13/02/2020</a:t>
+              <a:t>19/02/20</a:t>
             </a:fld>
             <a:endParaRPr lang="es-CO"/>
           </a:p>
@@ -1653,7 +1653,7 @@
           <a:p>
             <a:fld id="{604B6DFE-F8FB-4E1F-9C3C-407EF7CE5360}" type="slidenum">
               <a:rPr lang="es-CO" smtClean="0"/>
-              <a:t>‹Nº›</a:t>
+              <a:t>‹#›</a:t>
             </a:fld>
             <a:endParaRPr lang="es-CO"/>
           </a:p>
@@ -1729,7 +1729,7 @@
           <a:p>
             <a:fld id="{03845D55-0257-4175-BC16-2AC88235CC02}" type="datetimeFigureOut">
               <a:rPr lang="es-CO" smtClean="0"/>
-              <a:t>13/02/2020</a:t>
+              <a:t>19/02/20</a:t>
             </a:fld>
             <a:endParaRPr lang="es-CO"/>
           </a:p>
@@ -1771,7 +1771,7 @@
           <a:p>
             <a:fld id="{604B6DFE-F8FB-4E1F-9C3C-407EF7CE5360}" type="slidenum">
               <a:rPr lang="es-CO" smtClean="0"/>
-              <a:t>‹Nº›</a:t>
+              <a:t>‹#›</a:t>
             </a:fld>
             <a:endParaRPr lang="es-CO"/>
           </a:p>
@@ -1824,7 +1824,7 @@
           <a:p>
             <a:fld id="{03845D55-0257-4175-BC16-2AC88235CC02}" type="datetimeFigureOut">
               <a:rPr lang="es-CO" smtClean="0"/>
-              <a:t>13/02/2020</a:t>
+              <a:t>19/02/20</a:t>
             </a:fld>
             <a:endParaRPr lang="es-CO"/>
           </a:p>
@@ -1866,7 +1866,7 @@
           <a:p>
             <a:fld id="{604B6DFE-F8FB-4E1F-9C3C-407EF7CE5360}" type="slidenum">
               <a:rPr lang="es-CO" smtClean="0"/>
-              <a:t>‹Nº›</a:t>
+              <a:t>‹#›</a:t>
             </a:fld>
             <a:endParaRPr lang="es-CO"/>
           </a:p>
@@ -2101,7 +2101,7 @@
           <a:p>
             <a:fld id="{03845D55-0257-4175-BC16-2AC88235CC02}" type="datetimeFigureOut">
               <a:rPr lang="es-CO" smtClean="0"/>
-              <a:t>13/02/2020</a:t>
+              <a:t>19/02/20</a:t>
             </a:fld>
             <a:endParaRPr lang="es-CO"/>
           </a:p>
@@ -2143,7 +2143,7 @@
           <a:p>
             <a:fld id="{604B6DFE-F8FB-4E1F-9C3C-407EF7CE5360}" type="slidenum">
               <a:rPr lang="es-CO" smtClean="0"/>
-              <a:t>‹Nº›</a:t>
+              <a:t>‹#›</a:t>
             </a:fld>
             <a:endParaRPr lang="es-CO"/>
           </a:p>
@@ -2354,7 +2354,7 @@
           <a:p>
             <a:fld id="{03845D55-0257-4175-BC16-2AC88235CC02}" type="datetimeFigureOut">
               <a:rPr lang="es-CO" smtClean="0"/>
-              <a:t>13/02/2020</a:t>
+              <a:t>19/02/20</a:t>
             </a:fld>
             <a:endParaRPr lang="es-CO"/>
           </a:p>
@@ -2396,7 +2396,7 @@
           <a:p>
             <a:fld id="{604B6DFE-F8FB-4E1F-9C3C-407EF7CE5360}" type="slidenum">
               <a:rPr lang="es-CO" smtClean="0"/>
-              <a:t>‹Nº›</a:t>
+              <a:t>‹#›</a:t>
             </a:fld>
             <a:endParaRPr lang="es-CO"/>
           </a:p>
@@ -2567,7 +2567,7 @@
           <a:p>
             <a:fld id="{03845D55-0257-4175-BC16-2AC88235CC02}" type="datetimeFigureOut">
               <a:rPr lang="es-CO" smtClean="0"/>
-              <a:t>13/02/2020</a:t>
+              <a:t>19/02/20</a:t>
             </a:fld>
             <a:endParaRPr lang="es-CO"/>
           </a:p>
@@ -2645,7 +2645,7 @@
           <a:p>
             <a:fld id="{604B6DFE-F8FB-4E1F-9C3C-407EF7CE5360}" type="slidenum">
               <a:rPr lang="es-CO" smtClean="0"/>
-              <a:t>‹Nº›</a:t>
+              <a:t>‹#›</a:t>
             </a:fld>
             <a:endParaRPr lang="es-CO"/>
           </a:p>
@@ -2996,7 +2996,13 @@
       </p:sp>
       <p:pic>
         <p:nvPicPr>
-          <p:cNvPr id="4" name="Imagen 3"/>
+          <p:cNvPr id="6" name="Picture 5">
+            <a:extLst>
+              <a:ext uri="{FF2B5EF4-FFF2-40B4-BE49-F238E27FC236}">
+                <a16:creationId xmlns:a16="http://schemas.microsoft.com/office/drawing/2014/main" id="{52D98996-E756-104E-881E-B1E0FF1D77D8}"/>
+              </a:ext>
+            </a:extLst>
+          </p:cNvPr>
           <p:cNvPicPr>
             <a:picLocks noChangeAspect="1"/>
           </p:cNvPicPr>
@@ -3010,8 +3016,8 @@
         </p:blipFill>
         <p:spPr>
           <a:xfrm>
-            <a:off x="1724571" y="1591333"/>
-            <a:ext cx="8742857" cy="5266667"/>
+            <a:off x="1651000" y="1690688"/>
+            <a:ext cx="8890000" cy="3873500"/>
           </a:xfrm>
           <a:prstGeom prst="rect">
             <a:avLst/>
@@ -3053,7 +3059,7 @@
           <p:cNvPr id="2" name="Title 1">
             <a:extLst>
               <a:ext uri="{FF2B5EF4-FFF2-40B4-BE49-F238E27FC236}">
-                <a16:creationId xmlns:a16="http://schemas.microsoft.com/office/drawing/2014/main" xmlns="" id="{D232E6B4-C860-6E4B-A678-30C4A534D1CE}"/>
+                <a16:creationId xmlns:a16="http://schemas.microsoft.com/office/drawing/2014/main" id="{D232E6B4-C860-6E4B-A678-30C4A534D1CE}"/>
               </a:ext>
             </a:extLst>
           </p:cNvPr>
@@ -3086,7 +3092,13 @@
       </p:sp>
       <p:pic>
         <p:nvPicPr>
-          <p:cNvPr id="4" name="Imagen 3"/>
+          <p:cNvPr id="6" name="Picture 5">
+            <a:extLst>
+              <a:ext uri="{FF2B5EF4-FFF2-40B4-BE49-F238E27FC236}">
+                <a16:creationId xmlns:a16="http://schemas.microsoft.com/office/drawing/2014/main" id="{CE728242-09A0-6643-BDC2-CF4E583AB9C7}"/>
+              </a:ext>
+            </a:extLst>
+          </p:cNvPr>
           <p:cNvPicPr>
             <a:picLocks noChangeAspect="1"/>
           </p:cNvPicPr>
@@ -3100,8 +3112,8 @@
         </p:blipFill>
         <p:spPr>
           <a:xfrm>
-            <a:off x="1724571" y="1591333"/>
-            <a:ext cx="8742857" cy="5266667"/>
+            <a:off x="1651000" y="1690688"/>
+            <a:ext cx="8890000" cy="3873500"/>
           </a:xfrm>
           <a:prstGeom prst="rect">
             <a:avLst/>
@@ -3162,7 +3174,13 @@
       </p:sp>
       <p:pic>
         <p:nvPicPr>
-          <p:cNvPr id="4" name="Imagen 3"/>
+          <p:cNvPr id="5" name="Picture 4">
+            <a:extLst>
+              <a:ext uri="{FF2B5EF4-FFF2-40B4-BE49-F238E27FC236}">
+                <a16:creationId xmlns:a16="http://schemas.microsoft.com/office/drawing/2014/main" id="{76D4D1C5-FB3C-EB40-A2E3-2AFBE813431F}"/>
+              </a:ext>
+            </a:extLst>
+          </p:cNvPr>
           <p:cNvPicPr>
             <a:picLocks noChangeAspect="1"/>
           </p:cNvPicPr>
@@ -3176,8 +3194,8 @@
         </p:blipFill>
         <p:spPr>
           <a:xfrm>
-            <a:off x="1724571" y="1591333"/>
-            <a:ext cx="8742857" cy="5266667"/>
+            <a:off x="1651000" y="1690688"/>
+            <a:ext cx="8890000" cy="3873500"/>
           </a:xfrm>
           <a:prstGeom prst="rect">
             <a:avLst/>
@@ -3238,7 +3256,13 @@
       </p:sp>
       <p:pic>
         <p:nvPicPr>
-          <p:cNvPr id="3" name="Imagen 2"/>
+          <p:cNvPr id="5" name="Picture 4">
+            <a:extLst>
+              <a:ext uri="{FF2B5EF4-FFF2-40B4-BE49-F238E27FC236}">
+                <a16:creationId xmlns:a16="http://schemas.microsoft.com/office/drawing/2014/main" id="{A7BCDFA1-AC2A-3D48-BC38-21FEB66CB100}"/>
+              </a:ext>
+            </a:extLst>
+          </p:cNvPr>
           <p:cNvPicPr>
             <a:picLocks noChangeAspect="1"/>
           </p:cNvPicPr>
@@ -3252,8 +3276,8 @@
         </p:blipFill>
         <p:spPr>
           <a:xfrm>
-            <a:off x="1724571" y="1591333"/>
-            <a:ext cx="8742857" cy="5266667"/>
+            <a:off x="1651000" y="1690688"/>
+            <a:ext cx="8890000" cy="3873500"/>
           </a:xfrm>
           <a:prstGeom prst="rect">
             <a:avLst/>

--- a/DataCorrection.pptx
+++ b/DataCorrection.pptx
@@ -5,10 +5,12 @@
     <p:sldMasterId id="2147483648" r:id="rId1"/>
   </p:sldMasterIdLst>
   <p:sldIdLst>
-    <p:sldId id="258" r:id="rId2"/>
-    <p:sldId id="260" r:id="rId3"/>
-    <p:sldId id="259" r:id="rId4"/>
-    <p:sldId id="257" r:id="rId5"/>
+    <p:sldId id="261" r:id="rId2"/>
+    <p:sldId id="258" r:id="rId3"/>
+    <p:sldId id="260" r:id="rId4"/>
+    <p:sldId id="259" r:id="rId5"/>
+    <p:sldId id="257" r:id="rId6"/>
+    <p:sldId id="262" r:id="rId7"/>
   </p:sldIdLst>
   <p:sldSz cx="12192000" cy="6858000"/>
   <p:notesSz cx="6858000" cy="9144000"/>
@@ -246,7 +248,7 @@
           <a:p>
             <a:fld id="{03845D55-0257-4175-BC16-2AC88235CC02}" type="datetimeFigureOut">
               <a:rPr lang="es-CO" smtClean="0"/>
-              <a:t>19/02/20</a:t>
+              <a:t>20/02/20</a:t>
             </a:fld>
             <a:endParaRPr lang="es-CO"/>
           </a:p>
@@ -416,7 +418,7 @@
           <a:p>
             <a:fld id="{03845D55-0257-4175-BC16-2AC88235CC02}" type="datetimeFigureOut">
               <a:rPr lang="es-CO" smtClean="0"/>
-              <a:t>19/02/20</a:t>
+              <a:t>20/02/20</a:t>
             </a:fld>
             <a:endParaRPr lang="es-CO"/>
           </a:p>
@@ -596,7 +598,7 @@
           <a:p>
             <a:fld id="{03845D55-0257-4175-BC16-2AC88235CC02}" type="datetimeFigureOut">
               <a:rPr lang="es-CO" smtClean="0"/>
-              <a:t>19/02/20</a:t>
+              <a:t>20/02/20</a:t>
             </a:fld>
             <a:endParaRPr lang="es-CO"/>
           </a:p>
@@ -766,7 +768,7 @@
           <a:p>
             <a:fld id="{03845D55-0257-4175-BC16-2AC88235CC02}" type="datetimeFigureOut">
               <a:rPr lang="es-CO" smtClean="0"/>
-              <a:t>19/02/20</a:t>
+              <a:t>20/02/20</a:t>
             </a:fld>
             <a:endParaRPr lang="es-CO"/>
           </a:p>
@@ -1012,7 +1014,7 @@
           <a:p>
             <a:fld id="{03845D55-0257-4175-BC16-2AC88235CC02}" type="datetimeFigureOut">
               <a:rPr lang="es-CO" smtClean="0"/>
-              <a:t>19/02/20</a:t>
+              <a:t>20/02/20</a:t>
             </a:fld>
             <a:endParaRPr lang="es-CO"/>
           </a:p>
@@ -1244,7 +1246,7 @@
           <a:p>
             <a:fld id="{03845D55-0257-4175-BC16-2AC88235CC02}" type="datetimeFigureOut">
               <a:rPr lang="es-CO" smtClean="0"/>
-              <a:t>19/02/20</a:t>
+              <a:t>20/02/20</a:t>
             </a:fld>
             <a:endParaRPr lang="es-CO"/>
           </a:p>
@@ -1611,7 +1613,7 @@
           <a:p>
             <a:fld id="{03845D55-0257-4175-BC16-2AC88235CC02}" type="datetimeFigureOut">
               <a:rPr lang="es-CO" smtClean="0"/>
-              <a:t>19/02/20</a:t>
+              <a:t>20/02/20</a:t>
             </a:fld>
             <a:endParaRPr lang="es-CO"/>
           </a:p>
@@ -1729,7 +1731,7 @@
           <a:p>
             <a:fld id="{03845D55-0257-4175-BC16-2AC88235CC02}" type="datetimeFigureOut">
               <a:rPr lang="es-CO" smtClean="0"/>
-              <a:t>19/02/20</a:t>
+              <a:t>20/02/20</a:t>
             </a:fld>
             <a:endParaRPr lang="es-CO"/>
           </a:p>
@@ -1824,7 +1826,7 @@
           <a:p>
             <a:fld id="{03845D55-0257-4175-BC16-2AC88235CC02}" type="datetimeFigureOut">
               <a:rPr lang="es-CO" smtClean="0"/>
-              <a:t>19/02/20</a:t>
+              <a:t>20/02/20</a:t>
             </a:fld>
             <a:endParaRPr lang="es-CO"/>
           </a:p>
@@ -2101,7 +2103,7 @@
           <a:p>
             <a:fld id="{03845D55-0257-4175-BC16-2AC88235CC02}" type="datetimeFigureOut">
               <a:rPr lang="es-CO" smtClean="0"/>
-              <a:t>19/02/20</a:t>
+              <a:t>20/02/20</a:t>
             </a:fld>
             <a:endParaRPr lang="es-CO"/>
           </a:p>
@@ -2354,7 +2356,7 @@
           <a:p>
             <a:fld id="{03845D55-0257-4175-BC16-2AC88235CC02}" type="datetimeFigureOut">
               <a:rPr lang="es-CO" smtClean="0"/>
-              <a:t>19/02/20</a:t>
+              <a:t>20/02/20</a:t>
             </a:fld>
             <a:endParaRPr lang="es-CO"/>
           </a:p>
@@ -2567,7 +2569,7 @@
           <a:p>
             <a:fld id="{03845D55-0257-4175-BC16-2AC88235CC02}" type="datetimeFigureOut">
               <a:rPr lang="es-CO" smtClean="0"/>
-              <a:t>19/02/20</a:t>
+              <a:t>20/02/20</a:t>
             </a:fld>
             <a:endParaRPr lang="es-CO"/>
           </a:p>
@@ -2974,6 +2976,90 @@
       </p:grpSpPr>
       <p:sp>
         <p:nvSpPr>
+          <p:cNvPr id="4" name="Title 1">
+            <a:extLst>
+              <a:ext uri="{FF2B5EF4-FFF2-40B4-BE49-F238E27FC236}">
+                <a16:creationId xmlns:a16="http://schemas.microsoft.com/office/drawing/2014/main" id="{28857740-9F26-C04F-8CC5-534196F2C324}"/>
+              </a:ext>
+            </a:extLst>
+          </p:cNvPr>
+          <p:cNvSpPr txBox="1">
+            <a:spLocks/>
+          </p:cNvSpPr>
+          <p:nvPr/>
+        </p:nvSpPr>
+        <p:spPr>
+          <a:xfrm>
+            <a:off x="1524000" y="1122363"/>
+            <a:ext cx="9144000" cy="2387600"/>
+          </a:xfrm>
+          <a:prstGeom prst="rect">
+            <a:avLst/>
+          </a:prstGeom>
+        </p:spPr>
+        <p:txBody>
+          <a:bodyPr vert="horz" lIns="91440" tIns="45720" rIns="91440" bIns="45720" rtlCol="0" anchor="ctr">
+            <a:normAutofit/>
+          </a:bodyPr>
+          <a:lstStyle>
+            <a:lvl1pPr algn="l" defTabSz="914400" rtl="0" eaLnBrk="1" latinLnBrk="0" hangingPunct="1">
+              <a:lnSpc>
+                <a:spcPct val="90000"/>
+              </a:lnSpc>
+              <a:spcBef>
+                <a:spcPct val="0"/>
+              </a:spcBef>
+              <a:buNone/>
+              <a:defRPr sz="4400" kern="1200">
+                <a:solidFill>
+                  <a:schemeClr val="tx1"/>
+                </a:solidFill>
+                <a:latin typeface="+mj-lt"/>
+                <a:ea typeface="+mj-ea"/>
+                <a:cs typeface="+mj-cs"/>
+              </a:defRPr>
+            </a:lvl1pPr>
+          </a:lstStyle>
+          <a:p>
+            <a:r>
+              <a:rPr lang="en-US" dirty="0"/>
+              <a:t>Data correction</a:t>
+            </a:r>
+          </a:p>
+        </p:txBody>
+      </p:sp>
+    </p:spTree>
+    <p:extLst>
+      <p:ext uri="{BB962C8B-B14F-4D97-AF65-F5344CB8AC3E}">
+        <p14:creationId xmlns:p14="http://schemas.microsoft.com/office/powerpoint/2010/main" val="2684835616"/>
+      </p:ext>
+    </p:extLst>
+  </p:cSld>
+  <p:clrMapOvr>
+    <a:masterClrMapping/>
+  </p:clrMapOvr>
+</p:sld>
+</file>
+
+<file path=ppt/slides/slide2.xml><?xml version="1.0" encoding="utf-8"?>
+<p:sld xmlns:a="http://schemas.openxmlformats.org/drawingml/2006/main" xmlns:r="http://schemas.openxmlformats.org/officeDocument/2006/relationships" xmlns:p="http://schemas.openxmlformats.org/presentationml/2006/main">
+  <p:cSld>
+    <p:spTree>
+      <p:nvGrpSpPr>
+        <p:cNvPr id="1" name=""/>
+        <p:cNvGrpSpPr/>
+        <p:nvPr/>
+      </p:nvGrpSpPr>
+      <p:grpSpPr>
+        <a:xfrm>
+          <a:off x="0" y="0"/>
+          <a:ext cx="0" cy="0"/>
+          <a:chOff x="0" y="0"/>
+          <a:chExt cx="0" cy="0"/>
+        </a:xfrm>
+      </p:grpSpPr>
+      <p:sp>
+        <p:nvSpPr>
           <p:cNvPr id="2" name="Título 1"/>
           <p:cNvSpPr>
             <a:spLocks noGrp="1"/>
@@ -2989,7 +3075,7 @@
           <a:p>
             <a:r>
               <a:rPr lang="es-CO" dirty="0"/>
-              <a:t>Sin correcciones – Full data</a:t>
+              <a:t>No corrections – Full data</a:t>
             </a:r>
           </a:p>
         </p:txBody>
@@ -3037,7 +3123,7 @@
 </p:sld>
 </file>
 
-<file path=ppt/slides/slide2.xml><?xml version="1.0" encoding="utf-8"?>
+<file path=ppt/slides/slide3.xml><?xml version="1.0" encoding="utf-8"?>
 <p:sld xmlns:a="http://schemas.openxmlformats.org/drawingml/2006/main" xmlns:r="http://schemas.openxmlformats.org/officeDocument/2006/relationships" xmlns:p="http://schemas.openxmlformats.org/presentationml/2006/main">
   <p:cSld>
     <p:spTree>
@@ -3077,15 +3163,7 @@
           <a:p>
             <a:r>
               <a:rPr lang="en-US" dirty="0"/>
-              <a:t>Sin </a:t>
-            </a:r>
-            <a:r>
-              <a:rPr lang="en-US" dirty="0" err="1"/>
-              <a:t>correcciones</a:t>
-            </a:r>
-            <a:r>
-              <a:rPr lang="en-US" dirty="0"/>
-              <a:t> – Unicorn Absent</a:t>
+              <a:t>No corrections – Only Unicorn Absent</a:t>
             </a:r>
           </a:p>
         </p:txBody>
@@ -3120,6 +3198,227 @@
           </a:prstGeom>
         </p:spPr>
       </p:pic>
+      <p:cxnSp>
+        <p:nvCxnSpPr>
+          <p:cNvPr id="5" name="Straight Arrow Connector 4">
+            <a:extLst>
+              <a:ext uri="{FF2B5EF4-FFF2-40B4-BE49-F238E27FC236}">
+                <a16:creationId xmlns:a16="http://schemas.microsoft.com/office/drawing/2014/main" id="{99F2F860-FFFE-A444-9DBE-C9E99267503F}"/>
+              </a:ext>
+            </a:extLst>
+          </p:cNvPr>
+          <p:cNvCxnSpPr>
+            <a:cxnSpLocks/>
+          </p:cNvCxnSpPr>
+          <p:nvPr/>
+        </p:nvCxnSpPr>
+        <p:spPr>
+          <a:xfrm flipH="1">
+            <a:off x="10541000" y="1492898"/>
+            <a:ext cx="581090" cy="1301102"/>
+          </a:xfrm>
+          <a:prstGeom prst="straightConnector1">
+            <a:avLst/>
+          </a:prstGeom>
+          <a:ln w="28575">
+            <a:solidFill>
+              <a:srgbClr val="FF0000"/>
+            </a:solidFill>
+            <a:headEnd type="none" w="med" len="med"/>
+            <a:tailEnd type="triangle" w="lg" len="lg"/>
+          </a:ln>
+        </p:spPr>
+        <p:style>
+          <a:lnRef idx="1">
+            <a:schemeClr val="accent1"/>
+          </a:lnRef>
+          <a:fillRef idx="0">
+            <a:schemeClr val="accent1"/>
+          </a:fillRef>
+          <a:effectRef idx="0">
+            <a:schemeClr val="accent1"/>
+          </a:effectRef>
+          <a:fontRef idx="minor">
+            <a:schemeClr val="tx1"/>
+          </a:fontRef>
+        </p:style>
+      </p:cxnSp>
+      <p:cxnSp>
+        <p:nvCxnSpPr>
+          <p:cNvPr id="8" name="Straight Arrow Connector 7">
+            <a:extLst>
+              <a:ext uri="{FF2B5EF4-FFF2-40B4-BE49-F238E27FC236}">
+                <a16:creationId xmlns:a16="http://schemas.microsoft.com/office/drawing/2014/main" id="{8B3B9B68-0DFD-6749-A842-9F4CBBB3F1ED}"/>
+              </a:ext>
+            </a:extLst>
+          </p:cNvPr>
+          <p:cNvCxnSpPr>
+            <a:cxnSpLocks/>
+          </p:cNvCxnSpPr>
+          <p:nvPr/>
+        </p:nvCxnSpPr>
+        <p:spPr>
+          <a:xfrm flipH="1" flipV="1">
+            <a:off x="9518520" y="4564063"/>
+            <a:ext cx="1342313" cy="1258239"/>
+          </a:xfrm>
+          <a:prstGeom prst="straightConnector1">
+            <a:avLst/>
+          </a:prstGeom>
+          <a:ln w="28575">
+            <a:solidFill>
+              <a:srgbClr val="FF0000"/>
+            </a:solidFill>
+            <a:headEnd type="none" w="med" len="med"/>
+            <a:tailEnd type="triangle" w="lg" len="lg"/>
+          </a:ln>
+        </p:spPr>
+        <p:style>
+          <a:lnRef idx="1">
+            <a:schemeClr val="accent1"/>
+          </a:lnRef>
+          <a:fillRef idx="0">
+            <a:schemeClr val="accent1"/>
+          </a:fillRef>
+          <a:effectRef idx="0">
+            <a:schemeClr val="accent1"/>
+          </a:effectRef>
+          <a:fontRef idx="minor">
+            <a:schemeClr val="tx1"/>
+          </a:fontRef>
+        </p:style>
+      </p:cxnSp>
+      <p:cxnSp>
+        <p:nvCxnSpPr>
+          <p:cNvPr id="11" name="Straight Arrow Connector 10">
+            <a:extLst>
+              <a:ext uri="{FF2B5EF4-FFF2-40B4-BE49-F238E27FC236}">
+                <a16:creationId xmlns:a16="http://schemas.microsoft.com/office/drawing/2014/main" id="{F762BCC0-244D-8648-A9A1-5189167A8317}"/>
+              </a:ext>
+            </a:extLst>
+          </p:cNvPr>
+          <p:cNvCxnSpPr>
+            <a:cxnSpLocks/>
+          </p:cNvCxnSpPr>
+          <p:nvPr/>
+        </p:nvCxnSpPr>
+        <p:spPr>
+          <a:xfrm flipH="1">
+            <a:off x="8528698" y="1432574"/>
+            <a:ext cx="2593392" cy="650551"/>
+          </a:xfrm>
+          <a:prstGeom prst="straightConnector1">
+            <a:avLst/>
+          </a:prstGeom>
+          <a:ln w="28575">
+            <a:solidFill>
+              <a:srgbClr val="FF0000"/>
+            </a:solidFill>
+            <a:headEnd type="none" w="med" len="med"/>
+            <a:tailEnd type="triangle" w="lg" len="lg"/>
+          </a:ln>
+        </p:spPr>
+        <p:style>
+          <a:lnRef idx="1">
+            <a:schemeClr val="accent1"/>
+          </a:lnRef>
+          <a:fillRef idx="0">
+            <a:schemeClr val="accent1"/>
+          </a:fillRef>
+          <a:effectRef idx="0">
+            <a:schemeClr val="accent1"/>
+          </a:effectRef>
+          <a:fontRef idx="minor">
+            <a:schemeClr val="tx1"/>
+          </a:fontRef>
+        </p:style>
+      </p:cxnSp>
+      <p:sp>
+        <p:nvSpPr>
+          <p:cNvPr id="13" name="TextBox 12">
+            <a:extLst>
+              <a:ext uri="{FF2B5EF4-FFF2-40B4-BE49-F238E27FC236}">
+                <a16:creationId xmlns:a16="http://schemas.microsoft.com/office/drawing/2014/main" id="{2C88622C-E091-B944-94AC-EDD910C7C058}"/>
+              </a:ext>
+            </a:extLst>
+          </p:cNvPr>
+          <p:cNvSpPr txBox="1"/>
+          <p:nvPr/>
+        </p:nvSpPr>
+        <p:spPr>
+          <a:xfrm>
+            <a:off x="10933611" y="785121"/>
+            <a:ext cx="1072088" cy="646331"/>
+          </a:xfrm>
+          <a:prstGeom prst="rect">
+            <a:avLst/>
+          </a:prstGeom>
+          <a:noFill/>
+        </p:spPr>
+        <p:txBody>
+          <a:bodyPr wrap="none" rtlCol="0">
+            <a:spAutoFit/>
+          </a:bodyPr>
+          <a:lstStyle/>
+          <a:p>
+            <a:pPr algn="ctr"/>
+            <a:r>
+              <a:rPr lang="en-US" dirty="0"/>
+              <a:t>False </a:t>
+            </a:r>
+          </a:p>
+          <a:p>
+            <a:pPr algn="ctr"/>
+            <a:r>
+              <a:rPr lang="en-US" dirty="0"/>
+              <a:t>negatives</a:t>
+            </a:r>
+          </a:p>
+        </p:txBody>
+      </p:sp>
+      <p:sp>
+        <p:nvSpPr>
+          <p:cNvPr id="14" name="TextBox 13">
+            <a:extLst>
+              <a:ext uri="{FF2B5EF4-FFF2-40B4-BE49-F238E27FC236}">
+                <a16:creationId xmlns:a16="http://schemas.microsoft.com/office/drawing/2014/main" id="{03402B4F-9461-A241-B50B-10605174EFE5}"/>
+              </a:ext>
+            </a:extLst>
+          </p:cNvPr>
+          <p:cNvSpPr txBox="1"/>
+          <p:nvPr/>
+        </p:nvSpPr>
+        <p:spPr>
+          <a:xfrm>
+            <a:off x="10318474" y="5822302"/>
+            <a:ext cx="1230273" cy="646331"/>
+          </a:xfrm>
+          <a:prstGeom prst="rect">
+            <a:avLst/>
+          </a:prstGeom>
+          <a:noFill/>
+        </p:spPr>
+        <p:txBody>
+          <a:bodyPr wrap="none" rtlCol="0">
+            <a:spAutoFit/>
+          </a:bodyPr>
+          <a:lstStyle/>
+          <a:p>
+            <a:pPr algn="ctr"/>
+            <a:r>
+              <a:rPr lang="en-US" dirty="0"/>
+              <a:t>Insufficient</a:t>
+            </a:r>
+          </a:p>
+          <a:p>
+            <a:pPr algn="ctr"/>
+            <a:r>
+              <a:rPr lang="en-US" dirty="0"/>
+              <a:t>data</a:t>
+            </a:r>
+          </a:p>
+        </p:txBody>
+      </p:sp>
     </p:spTree>
     <p:extLst>
       <p:ext uri="{BB962C8B-B14F-4D97-AF65-F5344CB8AC3E}">
@@ -3133,7 +3432,7 @@
 </p:sld>
 </file>
 
-<file path=ppt/slides/slide3.xml><?xml version="1.0" encoding="utf-8"?>
+<file path=ppt/slides/slide4.xml><?xml version="1.0" encoding="utf-8"?>
 <p:sld xmlns:a="http://schemas.openxmlformats.org/drawingml/2006/main" xmlns:r="http://schemas.openxmlformats.org/officeDocument/2006/relationships" xmlns:p="http://schemas.openxmlformats.org/presentationml/2006/main">
   <p:cSld>
     <p:spTree>
@@ -3167,7 +3466,7 @@
           <a:p>
             <a:r>
               <a:rPr lang="es-CO" dirty="0"/>
-              <a:t>Con corrección de puntajes</a:t>
+              <a:t>Score correction only</a:t>
             </a:r>
           </a:p>
         </p:txBody>
@@ -3202,6 +3501,284 @@
           </a:prstGeom>
         </p:spPr>
       </p:pic>
+      <p:cxnSp>
+        <p:nvCxnSpPr>
+          <p:cNvPr id="4" name="Straight Arrow Connector 3">
+            <a:extLst>
+              <a:ext uri="{FF2B5EF4-FFF2-40B4-BE49-F238E27FC236}">
+                <a16:creationId xmlns:a16="http://schemas.microsoft.com/office/drawing/2014/main" id="{E7FE2886-F566-8A46-9120-E43BADA9966C}"/>
+              </a:ext>
+            </a:extLst>
+          </p:cNvPr>
+          <p:cNvCxnSpPr>
+            <a:cxnSpLocks/>
+          </p:cNvCxnSpPr>
+          <p:nvPr/>
+        </p:nvCxnSpPr>
+        <p:spPr>
+          <a:xfrm flipH="1" flipV="1">
+            <a:off x="9405257" y="4198777"/>
+            <a:ext cx="1306286" cy="1361219"/>
+          </a:xfrm>
+          <a:prstGeom prst="straightConnector1">
+            <a:avLst/>
+          </a:prstGeom>
+          <a:ln w="28575">
+            <a:solidFill>
+              <a:srgbClr val="FF0000"/>
+            </a:solidFill>
+            <a:headEnd type="none" w="med" len="med"/>
+            <a:tailEnd type="triangle" w="lg" len="lg"/>
+          </a:ln>
+        </p:spPr>
+        <p:style>
+          <a:lnRef idx="1">
+            <a:schemeClr val="accent1"/>
+          </a:lnRef>
+          <a:fillRef idx="0">
+            <a:schemeClr val="accent1"/>
+          </a:fillRef>
+          <a:effectRef idx="0">
+            <a:schemeClr val="accent1"/>
+          </a:effectRef>
+          <a:fontRef idx="minor">
+            <a:schemeClr val="tx1"/>
+          </a:fontRef>
+        </p:style>
+      </p:cxnSp>
+      <p:sp>
+        <p:nvSpPr>
+          <p:cNvPr id="6" name="TextBox 5">
+            <a:extLst>
+              <a:ext uri="{FF2B5EF4-FFF2-40B4-BE49-F238E27FC236}">
+                <a16:creationId xmlns:a16="http://schemas.microsoft.com/office/drawing/2014/main" id="{789D0C48-B5D0-2A42-9713-CB6873CF10CC}"/>
+              </a:ext>
+            </a:extLst>
+          </p:cNvPr>
+          <p:cNvSpPr txBox="1"/>
+          <p:nvPr/>
+        </p:nvSpPr>
+        <p:spPr>
+          <a:xfrm>
+            <a:off x="10133045" y="5559996"/>
+            <a:ext cx="1735494" cy="1200329"/>
+          </a:xfrm>
+          <a:prstGeom prst="rect">
+            <a:avLst/>
+          </a:prstGeom>
+          <a:noFill/>
+        </p:spPr>
+        <p:txBody>
+          <a:bodyPr wrap="square" rtlCol="0">
+            <a:spAutoFit/>
+          </a:bodyPr>
+          <a:lstStyle/>
+          <a:p>
+            <a:pPr algn="ctr"/>
+            <a:r>
+              <a:rPr lang="en-US" dirty="0"/>
+              <a:t>False </a:t>
+            </a:r>
+          </a:p>
+          <a:p>
+            <a:pPr algn="ctr"/>
+            <a:r>
+              <a:rPr lang="en-US" dirty="0"/>
+              <a:t>Negatives</a:t>
+            </a:r>
+          </a:p>
+          <a:p>
+            <a:pPr algn="ctr"/>
+            <a:r>
+              <a:rPr lang="en-US" dirty="0"/>
+              <a:t>and </a:t>
+            </a:r>
+          </a:p>
+          <a:p>
+            <a:pPr algn="ctr"/>
+            <a:r>
+              <a:rPr lang="en-US" dirty="0"/>
+              <a:t>insufficient data</a:t>
+            </a:r>
+          </a:p>
+        </p:txBody>
+      </p:sp>
+      <p:cxnSp>
+        <p:nvCxnSpPr>
+          <p:cNvPr id="8" name="Straight Arrow Connector 7">
+            <a:extLst>
+              <a:ext uri="{FF2B5EF4-FFF2-40B4-BE49-F238E27FC236}">
+                <a16:creationId xmlns:a16="http://schemas.microsoft.com/office/drawing/2014/main" id="{9D307967-B0D0-8D4D-8067-34149EAE5024}"/>
+              </a:ext>
+            </a:extLst>
+          </p:cNvPr>
+          <p:cNvCxnSpPr>
+            <a:cxnSpLocks/>
+          </p:cNvCxnSpPr>
+          <p:nvPr/>
+        </p:nvCxnSpPr>
+        <p:spPr>
+          <a:xfrm flipH="1">
+            <a:off x="8528698" y="1432574"/>
+            <a:ext cx="2593392" cy="650551"/>
+          </a:xfrm>
+          <a:prstGeom prst="straightConnector1">
+            <a:avLst/>
+          </a:prstGeom>
+          <a:ln w="28575">
+            <a:solidFill>
+              <a:srgbClr val="FF0000"/>
+            </a:solidFill>
+            <a:headEnd type="none" w="med" len="med"/>
+            <a:tailEnd type="triangle" w="lg" len="lg"/>
+          </a:ln>
+        </p:spPr>
+        <p:style>
+          <a:lnRef idx="1">
+            <a:schemeClr val="accent1"/>
+          </a:lnRef>
+          <a:fillRef idx="0">
+            <a:schemeClr val="accent1"/>
+          </a:fillRef>
+          <a:effectRef idx="0">
+            <a:schemeClr val="accent1"/>
+          </a:effectRef>
+          <a:fontRef idx="minor">
+            <a:schemeClr val="tx1"/>
+          </a:fontRef>
+        </p:style>
+      </p:cxnSp>
+      <p:sp>
+        <p:nvSpPr>
+          <p:cNvPr id="9" name="TextBox 8">
+            <a:extLst>
+              <a:ext uri="{FF2B5EF4-FFF2-40B4-BE49-F238E27FC236}">
+                <a16:creationId xmlns:a16="http://schemas.microsoft.com/office/drawing/2014/main" id="{2FC1F1EF-FC6E-7540-9E06-C4999F813FC3}"/>
+              </a:ext>
+            </a:extLst>
+          </p:cNvPr>
+          <p:cNvSpPr txBox="1"/>
+          <p:nvPr/>
+        </p:nvSpPr>
+        <p:spPr>
+          <a:xfrm>
+            <a:off x="10933611" y="785121"/>
+            <a:ext cx="1072088" cy="646331"/>
+          </a:xfrm>
+          <a:prstGeom prst="rect">
+            <a:avLst/>
+          </a:prstGeom>
+          <a:noFill/>
+        </p:spPr>
+        <p:txBody>
+          <a:bodyPr wrap="none" rtlCol="0">
+            <a:spAutoFit/>
+          </a:bodyPr>
+          <a:lstStyle/>
+          <a:p>
+            <a:pPr algn="ctr"/>
+            <a:r>
+              <a:rPr lang="en-US" dirty="0"/>
+              <a:t>False </a:t>
+            </a:r>
+          </a:p>
+          <a:p>
+            <a:pPr algn="ctr"/>
+            <a:r>
+              <a:rPr lang="en-US" dirty="0"/>
+              <a:t>negatives</a:t>
+            </a:r>
+          </a:p>
+        </p:txBody>
+      </p:sp>
+      <p:cxnSp>
+        <p:nvCxnSpPr>
+          <p:cNvPr id="10" name="Straight Arrow Connector 9">
+            <a:extLst>
+              <a:ext uri="{FF2B5EF4-FFF2-40B4-BE49-F238E27FC236}">
+                <a16:creationId xmlns:a16="http://schemas.microsoft.com/office/drawing/2014/main" id="{D9FED2B4-98DB-A044-AA0C-01DDE072259C}"/>
+              </a:ext>
+            </a:extLst>
+          </p:cNvPr>
+          <p:cNvCxnSpPr>
+            <a:cxnSpLocks/>
+          </p:cNvCxnSpPr>
+          <p:nvPr/>
+        </p:nvCxnSpPr>
+        <p:spPr>
+          <a:xfrm flipH="1" flipV="1">
+            <a:off x="10541000" y="2794000"/>
+            <a:ext cx="1103604" cy="807616"/>
+          </a:xfrm>
+          <a:prstGeom prst="straightConnector1">
+            <a:avLst/>
+          </a:prstGeom>
+          <a:ln w="28575">
+            <a:solidFill>
+              <a:schemeClr val="accent5">
+                <a:lumMod val="75000"/>
+              </a:schemeClr>
+            </a:solidFill>
+            <a:headEnd type="none" w="med" len="med"/>
+            <a:tailEnd type="triangle" w="lg" len="lg"/>
+          </a:ln>
+        </p:spPr>
+        <p:style>
+          <a:lnRef idx="1">
+            <a:schemeClr val="accent1"/>
+          </a:lnRef>
+          <a:fillRef idx="0">
+            <a:schemeClr val="accent1"/>
+          </a:fillRef>
+          <a:effectRef idx="0">
+            <a:schemeClr val="accent1"/>
+          </a:effectRef>
+          <a:fontRef idx="minor">
+            <a:schemeClr val="tx1"/>
+          </a:fontRef>
+        </p:style>
+      </p:cxnSp>
+      <p:sp>
+        <p:nvSpPr>
+          <p:cNvPr id="13" name="TextBox 12">
+            <a:extLst>
+              <a:ext uri="{FF2B5EF4-FFF2-40B4-BE49-F238E27FC236}">
+                <a16:creationId xmlns:a16="http://schemas.microsoft.com/office/drawing/2014/main" id="{777A7566-2F7B-9746-90A3-C8CA66F1755A}"/>
+              </a:ext>
+            </a:extLst>
+          </p:cNvPr>
+          <p:cNvSpPr txBox="1"/>
+          <p:nvPr/>
+        </p:nvSpPr>
+        <p:spPr>
+          <a:xfrm>
+            <a:off x="11126965" y="3666160"/>
+            <a:ext cx="1065035" cy="646331"/>
+          </a:xfrm>
+          <a:prstGeom prst="rect">
+            <a:avLst/>
+          </a:prstGeom>
+          <a:noFill/>
+        </p:spPr>
+        <p:txBody>
+          <a:bodyPr wrap="none" rtlCol="0">
+            <a:spAutoFit/>
+          </a:bodyPr>
+          <a:lstStyle/>
+          <a:p>
+            <a:r>
+              <a:rPr lang="en-US" dirty="0"/>
+              <a:t>Less false</a:t>
+            </a:r>
+          </a:p>
+          <a:p>
+            <a:r>
+              <a:rPr lang="en-US" dirty="0"/>
+              <a:t>negatives</a:t>
+            </a:r>
+          </a:p>
+        </p:txBody>
+      </p:sp>
     </p:spTree>
     <p:extLst>
       <p:ext uri="{BB962C8B-B14F-4D97-AF65-F5344CB8AC3E}">
@@ -3215,7 +3792,7 @@
 </p:sld>
 </file>
 
-<file path=ppt/slides/slide4.xml><?xml version="1.0" encoding="utf-8"?>
+<file path=ppt/slides/slide5.xml><?xml version="1.0" encoding="utf-8"?>
 <p:sld xmlns:a="http://schemas.openxmlformats.org/drawingml/2006/main" xmlns:r="http://schemas.openxmlformats.org/officeDocument/2006/relationships" xmlns:p="http://schemas.openxmlformats.org/presentationml/2006/main">
   <p:cSld>
     <p:spTree>
@@ -3244,12 +3821,14 @@
         </p:nvSpPr>
         <p:spPr/>
         <p:txBody>
-          <a:bodyPr/>
+          <a:bodyPr>
+            <a:normAutofit/>
+          </a:bodyPr>
           <a:lstStyle/>
           <a:p>
             <a:r>
               <a:rPr lang="es-CO" dirty="0"/>
-              <a:t>Con corrección de puntajes y estimación de bloques de unicornio presente</a:t>
+              <a:t>Estimating Unicorn-Present-Blocks and score correction</a:t>
             </a:r>
           </a:p>
         </p:txBody>
@@ -3284,10 +3863,318 @@
           </a:prstGeom>
         </p:spPr>
       </p:pic>
+      <p:cxnSp>
+        <p:nvCxnSpPr>
+          <p:cNvPr id="4" name="Straight Arrow Connector 3">
+            <a:extLst>
+              <a:ext uri="{FF2B5EF4-FFF2-40B4-BE49-F238E27FC236}">
+                <a16:creationId xmlns:a16="http://schemas.microsoft.com/office/drawing/2014/main" id="{6D938FC0-98E1-BE4B-92E7-3628D5F9891A}"/>
+              </a:ext>
+            </a:extLst>
+          </p:cNvPr>
+          <p:cNvCxnSpPr>
+            <a:cxnSpLocks/>
+          </p:cNvCxnSpPr>
+          <p:nvPr/>
+        </p:nvCxnSpPr>
+        <p:spPr>
+          <a:xfrm flipH="1" flipV="1">
+            <a:off x="9518520" y="4564063"/>
+            <a:ext cx="1342313" cy="1258239"/>
+          </a:xfrm>
+          <a:prstGeom prst="straightConnector1">
+            <a:avLst/>
+          </a:prstGeom>
+          <a:ln w="28575">
+            <a:solidFill>
+              <a:srgbClr val="FF0000"/>
+            </a:solidFill>
+            <a:headEnd type="none" w="med" len="med"/>
+            <a:tailEnd type="triangle" w="lg" len="lg"/>
+          </a:ln>
+        </p:spPr>
+        <p:style>
+          <a:lnRef idx="1">
+            <a:schemeClr val="accent1"/>
+          </a:lnRef>
+          <a:fillRef idx="0">
+            <a:schemeClr val="accent1"/>
+          </a:fillRef>
+          <a:effectRef idx="0">
+            <a:schemeClr val="accent1"/>
+          </a:effectRef>
+          <a:fontRef idx="minor">
+            <a:schemeClr val="tx1"/>
+          </a:fontRef>
+        </p:style>
+      </p:cxnSp>
+      <p:sp>
+        <p:nvSpPr>
+          <p:cNvPr id="6" name="TextBox 5">
+            <a:extLst>
+              <a:ext uri="{FF2B5EF4-FFF2-40B4-BE49-F238E27FC236}">
+                <a16:creationId xmlns:a16="http://schemas.microsoft.com/office/drawing/2014/main" id="{7858C9E8-A3DE-8448-AF9A-E30BADCA89B8}"/>
+              </a:ext>
+            </a:extLst>
+          </p:cNvPr>
+          <p:cNvSpPr txBox="1"/>
+          <p:nvPr/>
+        </p:nvSpPr>
+        <p:spPr>
+          <a:xfrm>
+            <a:off x="10318474" y="5822302"/>
+            <a:ext cx="1230273" cy="646331"/>
+          </a:xfrm>
+          <a:prstGeom prst="rect">
+            <a:avLst/>
+          </a:prstGeom>
+          <a:noFill/>
+        </p:spPr>
+        <p:txBody>
+          <a:bodyPr wrap="none" rtlCol="0">
+            <a:spAutoFit/>
+          </a:bodyPr>
+          <a:lstStyle/>
+          <a:p>
+            <a:pPr algn="ctr"/>
+            <a:r>
+              <a:rPr lang="en-US" dirty="0"/>
+              <a:t>Insufficient</a:t>
+            </a:r>
+          </a:p>
+          <a:p>
+            <a:pPr algn="ctr"/>
+            <a:r>
+              <a:rPr lang="en-US" dirty="0"/>
+              <a:t>data</a:t>
+            </a:r>
+          </a:p>
+        </p:txBody>
+      </p:sp>
+      <p:cxnSp>
+        <p:nvCxnSpPr>
+          <p:cNvPr id="7" name="Straight Arrow Connector 6">
+            <a:extLst>
+              <a:ext uri="{FF2B5EF4-FFF2-40B4-BE49-F238E27FC236}">
+                <a16:creationId xmlns:a16="http://schemas.microsoft.com/office/drawing/2014/main" id="{691C899B-044B-0B46-851B-F8AB34F1D65D}"/>
+              </a:ext>
+            </a:extLst>
+          </p:cNvPr>
+          <p:cNvCxnSpPr>
+            <a:cxnSpLocks/>
+          </p:cNvCxnSpPr>
+          <p:nvPr/>
+        </p:nvCxnSpPr>
+        <p:spPr>
+          <a:xfrm flipH="1">
+            <a:off x="10541000" y="1492898"/>
+            <a:ext cx="581090" cy="1301102"/>
+          </a:xfrm>
+          <a:prstGeom prst="straightConnector1">
+            <a:avLst/>
+          </a:prstGeom>
+          <a:ln w="28575">
+            <a:solidFill>
+              <a:schemeClr val="accent5">
+                <a:lumMod val="75000"/>
+              </a:schemeClr>
+            </a:solidFill>
+            <a:headEnd type="none" w="med" len="med"/>
+            <a:tailEnd type="triangle" w="lg" len="lg"/>
+          </a:ln>
+        </p:spPr>
+        <p:style>
+          <a:lnRef idx="1">
+            <a:schemeClr val="accent1"/>
+          </a:lnRef>
+          <a:fillRef idx="0">
+            <a:schemeClr val="accent1"/>
+          </a:fillRef>
+          <a:effectRef idx="0">
+            <a:schemeClr val="accent1"/>
+          </a:effectRef>
+          <a:fontRef idx="minor">
+            <a:schemeClr val="tx1"/>
+          </a:fontRef>
+        </p:style>
+      </p:cxnSp>
+      <p:cxnSp>
+        <p:nvCxnSpPr>
+          <p:cNvPr id="8" name="Straight Arrow Connector 7">
+            <a:extLst>
+              <a:ext uri="{FF2B5EF4-FFF2-40B4-BE49-F238E27FC236}">
+                <a16:creationId xmlns:a16="http://schemas.microsoft.com/office/drawing/2014/main" id="{810074C2-3355-854B-B2E6-3489185E20A3}"/>
+              </a:ext>
+            </a:extLst>
+          </p:cNvPr>
+          <p:cNvCxnSpPr>
+            <a:cxnSpLocks/>
+          </p:cNvCxnSpPr>
+          <p:nvPr/>
+        </p:nvCxnSpPr>
+        <p:spPr>
+          <a:xfrm flipH="1">
+            <a:off x="8528698" y="1432574"/>
+            <a:ext cx="2593392" cy="650551"/>
+          </a:xfrm>
+          <a:prstGeom prst="straightConnector1">
+            <a:avLst/>
+          </a:prstGeom>
+          <a:ln w="28575">
+            <a:solidFill>
+              <a:schemeClr val="accent5">
+                <a:lumMod val="75000"/>
+              </a:schemeClr>
+            </a:solidFill>
+            <a:headEnd type="none" w="med" len="med"/>
+            <a:tailEnd type="triangle" w="lg" len="lg"/>
+          </a:ln>
+        </p:spPr>
+        <p:style>
+          <a:lnRef idx="1">
+            <a:schemeClr val="accent1"/>
+          </a:lnRef>
+          <a:fillRef idx="0">
+            <a:schemeClr val="accent1"/>
+          </a:fillRef>
+          <a:effectRef idx="0">
+            <a:schemeClr val="accent1"/>
+          </a:effectRef>
+          <a:fontRef idx="minor">
+            <a:schemeClr val="tx1"/>
+          </a:fontRef>
+        </p:style>
+      </p:cxnSp>
+      <p:sp>
+        <p:nvSpPr>
+          <p:cNvPr id="9" name="TextBox 8">
+            <a:extLst>
+              <a:ext uri="{FF2B5EF4-FFF2-40B4-BE49-F238E27FC236}">
+                <a16:creationId xmlns:a16="http://schemas.microsoft.com/office/drawing/2014/main" id="{5B130C70-C338-1749-A692-7AEC28C31866}"/>
+              </a:ext>
+            </a:extLst>
+          </p:cNvPr>
+          <p:cNvSpPr txBox="1"/>
+          <p:nvPr/>
+        </p:nvSpPr>
+        <p:spPr>
+          <a:xfrm>
+            <a:off x="10910688" y="785121"/>
+            <a:ext cx="1117935" cy="646331"/>
+          </a:xfrm>
+          <a:prstGeom prst="rect">
+            <a:avLst/>
+          </a:prstGeom>
+          <a:noFill/>
+        </p:spPr>
+        <p:txBody>
+          <a:bodyPr wrap="none" rtlCol="0">
+            <a:spAutoFit/>
+          </a:bodyPr>
+          <a:lstStyle/>
+          <a:p>
+            <a:pPr algn="ctr"/>
+            <a:r>
+              <a:rPr lang="en-US" dirty="0"/>
+              <a:t>Less false </a:t>
+            </a:r>
+          </a:p>
+          <a:p>
+            <a:pPr algn="ctr"/>
+            <a:r>
+              <a:rPr lang="en-US" dirty="0"/>
+              <a:t>negatives</a:t>
+            </a:r>
+          </a:p>
+        </p:txBody>
+      </p:sp>
     </p:spTree>
     <p:extLst>
       <p:ext uri="{BB962C8B-B14F-4D97-AF65-F5344CB8AC3E}">
         <p14:creationId xmlns:p14="http://schemas.microsoft.com/office/powerpoint/2010/main" val="2467116748"/>
+      </p:ext>
+    </p:extLst>
+  </p:cSld>
+  <p:clrMapOvr>
+    <a:masterClrMapping/>
+  </p:clrMapOvr>
+</p:sld>
+</file>
+
+<file path=ppt/slides/slide6.xml><?xml version="1.0" encoding="utf-8"?>
+<p:sld xmlns:a="http://schemas.openxmlformats.org/drawingml/2006/main" xmlns:r="http://schemas.openxmlformats.org/officeDocument/2006/relationships" xmlns:p="http://schemas.openxmlformats.org/presentationml/2006/main">
+  <p:cSld>
+    <p:spTree>
+      <p:nvGrpSpPr>
+        <p:cNvPr id="1" name=""/>
+        <p:cNvGrpSpPr/>
+        <p:nvPr/>
+      </p:nvGrpSpPr>
+      <p:grpSpPr>
+        <a:xfrm>
+          <a:off x="0" y="0"/>
+          <a:ext cx="0" cy="0"/>
+          <a:chOff x="0" y="0"/>
+          <a:chExt cx="0" cy="0"/>
+        </a:xfrm>
+      </p:grpSpPr>
+      <p:sp>
+        <p:nvSpPr>
+          <p:cNvPr id="2" name="Title 1">
+            <a:extLst>
+              <a:ext uri="{FF2B5EF4-FFF2-40B4-BE49-F238E27FC236}">
+                <a16:creationId xmlns:a16="http://schemas.microsoft.com/office/drawing/2014/main" id="{3E46E269-ED81-D54B-8ACC-DB9E4BF1C28D}"/>
+              </a:ext>
+            </a:extLst>
+          </p:cNvPr>
+          <p:cNvSpPr>
+            <a:spLocks noGrp="1"/>
+          </p:cNvSpPr>
+          <p:nvPr>
+            <p:ph type="title"/>
+          </p:nvPr>
+        </p:nvSpPr>
+        <p:spPr/>
+        <p:txBody>
+          <a:bodyPr/>
+          <a:lstStyle/>
+          <a:p>
+            <a:r>
+              <a:rPr lang="en-US" dirty="0"/>
+              <a:t>Effect on parameter recovery</a:t>
+            </a:r>
+          </a:p>
+        </p:txBody>
+      </p:sp>
+      <p:sp>
+        <p:nvSpPr>
+          <p:cNvPr id="3" name="Content Placeholder 2">
+            <a:extLst>
+              <a:ext uri="{FF2B5EF4-FFF2-40B4-BE49-F238E27FC236}">
+                <a16:creationId xmlns:a16="http://schemas.microsoft.com/office/drawing/2014/main" id="{E1F1C9A0-4011-054B-B18D-763A606C0A18}"/>
+              </a:ext>
+            </a:extLst>
+          </p:cNvPr>
+          <p:cNvSpPr>
+            <a:spLocks noGrp="1"/>
+          </p:cNvSpPr>
+          <p:nvPr>
+            <p:ph idx="1"/>
+          </p:nvPr>
+        </p:nvSpPr>
+        <p:spPr/>
+        <p:txBody>
+          <a:bodyPr/>
+          <a:lstStyle/>
+          <a:p>
+            <a:endParaRPr lang="en-US"/>
+          </a:p>
+        </p:txBody>
+      </p:sp>
+    </p:spTree>
+    <p:extLst>
+      <p:ext uri="{BB962C8B-B14F-4D97-AF65-F5344CB8AC3E}">
+        <p14:creationId xmlns:p14="http://schemas.microsoft.com/office/powerpoint/2010/main" val="2245663477"/>
       </p:ext>
     </p:extLst>
   </p:cSld>

--- a/DataCorrection.pptx
+++ b/DataCorrection.pptx
@@ -8,9 +8,13 @@
     <p:sldId id="261" r:id="rId2"/>
     <p:sldId id="258" r:id="rId3"/>
     <p:sldId id="260" r:id="rId4"/>
-    <p:sldId id="259" r:id="rId5"/>
-    <p:sldId id="257" r:id="rId6"/>
-    <p:sldId id="262" r:id="rId7"/>
+    <p:sldId id="262" r:id="rId5"/>
+    <p:sldId id="263" r:id="rId6"/>
+    <p:sldId id="259" r:id="rId7"/>
+    <p:sldId id="264" r:id="rId8"/>
+    <p:sldId id="265" r:id="rId9"/>
+    <p:sldId id="257" r:id="rId10"/>
+    <p:sldId id="266" r:id="rId11"/>
   </p:sldIdLst>
   <p:sldSz cx="12192000" cy="6858000"/>
   <p:notesSz cx="6858000" cy="9144000"/>
@@ -248,7 +252,7 @@
           <a:p>
             <a:fld id="{03845D55-0257-4175-BC16-2AC88235CC02}" type="datetimeFigureOut">
               <a:rPr lang="es-CO" smtClean="0"/>
-              <a:t>20/02/20</a:t>
+              <a:t>25/02/2020</a:t>
             </a:fld>
             <a:endParaRPr lang="es-CO"/>
           </a:p>
@@ -290,7 +294,7 @@
           <a:p>
             <a:fld id="{604B6DFE-F8FB-4E1F-9C3C-407EF7CE5360}" type="slidenum">
               <a:rPr lang="es-CO" smtClean="0"/>
-              <a:t>‹#›</a:t>
+              <a:t>‹Nº›</a:t>
             </a:fld>
             <a:endParaRPr lang="es-CO"/>
           </a:p>
@@ -418,7 +422,7 @@
           <a:p>
             <a:fld id="{03845D55-0257-4175-BC16-2AC88235CC02}" type="datetimeFigureOut">
               <a:rPr lang="es-CO" smtClean="0"/>
-              <a:t>20/02/20</a:t>
+              <a:t>25/02/2020</a:t>
             </a:fld>
             <a:endParaRPr lang="es-CO"/>
           </a:p>
@@ -460,7 +464,7 @@
           <a:p>
             <a:fld id="{604B6DFE-F8FB-4E1F-9C3C-407EF7CE5360}" type="slidenum">
               <a:rPr lang="es-CO" smtClean="0"/>
-              <a:t>‹#›</a:t>
+              <a:t>‹Nº›</a:t>
             </a:fld>
             <a:endParaRPr lang="es-CO"/>
           </a:p>
@@ -598,7 +602,7 @@
           <a:p>
             <a:fld id="{03845D55-0257-4175-BC16-2AC88235CC02}" type="datetimeFigureOut">
               <a:rPr lang="es-CO" smtClean="0"/>
-              <a:t>20/02/20</a:t>
+              <a:t>25/02/2020</a:t>
             </a:fld>
             <a:endParaRPr lang="es-CO"/>
           </a:p>
@@ -640,7 +644,7 @@
           <a:p>
             <a:fld id="{604B6DFE-F8FB-4E1F-9C3C-407EF7CE5360}" type="slidenum">
               <a:rPr lang="es-CO" smtClean="0"/>
-              <a:t>‹#›</a:t>
+              <a:t>‹Nº›</a:t>
             </a:fld>
             <a:endParaRPr lang="es-CO"/>
           </a:p>
@@ -768,7 +772,7 @@
           <a:p>
             <a:fld id="{03845D55-0257-4175-BC16-2AC88235CC02}" type="datetimeFigureOut">
               <a:rPr lang="es-CO" smtClean="0"/>
-              <a:t>20/02/20</a:t>
+              <a:t>25/02/2020</a:t>
             </a:fld>
             <a:endParaRPr lang="es-CO"/>
           </a:p>
@@ -810,7 +814,7 @@
           <a:p>
             <a:fld id="{604B6DFE-F8FB-4E1F-9C3C-407EF7CE5360}" type="slidenum">
               <a:rPr lang="es-CO" smtClean="0"/>
-              <a:t>‹#›</a:t>
+              <a:t>‹Nº›</a:t>
             </a:fld>
             <a:endParaRPr lang="es-CO"/>
           </a:p>
@@ -1014,7 +1018,7 @@
           <a:p>
             <a:fld id="{03845D55-0257-4175-BC16-2AC88235CC02}" type="datetimeFigureOut">
               <a:rPr lang="es-CO" smtClean="0"/>
-              <a:t>20/02/20</a:t>
+              <a:t>25/02/2020</a:t>
             </a:fld>
             <a:endParaRPr lang="es-CO"/>
           </a:p>
@@ -1056,7 +1060,7 @@
           <a:p>
             <a:fld id="{604B6DFE-F8FB-4E1F-9C3C-407EF7CE5360}" type="slidenum">
               <a:rPr lang="es-CO" smtClean="0"/>
-              <a:t>‹#›</a:t>
+              <a:t>‹Nº›</a:t>
             </a:fld>
             <a:endParaRPr lang="es-CO"/>
           </a:p>
@@ -1246,7 +1250,7 @@
           <a:p>
             <a:fld id="{03845D55-0257-4175-BC16-2AC88235CC02}" type="datetimeFigureOut">
               <a:rPr lang="es-CO" smtClean="0"/>
-              <a:t>20/02/20</a:t>
+              <a:t>25/02/2020</a:t>
             </a:fld>
             <a:endParaRPr lang="es-CO"/>
           </a:p>
@@ -1288,7 +1292,7 @@
           <a:p>
             <a:fld id="{604B6DFE-F8FB-4E1F-9C3C-407EF7CE5360}" type="slidenum">
               <a:rPr lang="es-CO" smtClean="0"/>
-              <a:t>‹#›</a:t>
+              <a:t>‹Nº›</a:t>
             </a:fld>
             <a:endParaRPr lang="es-CO"/>
           </a:p>
@@ -1613,7 +1617,7 @@
           <a:p>
             <a:fld id="{03845D55-0257-4175-BC16-2AC88235CC02}" type="datetimeFigureOut">
               <a:rPr lang="es-CO" smtClean="0"/>
-              <a:t>20/02/20</a:t>
+              <a:t>25/02/2020</a:t>
             </a:fld>
             <a:endParaRPr lang="es-CO"/>
           </a:p>
@@ -1655,7 +1659,7 @@
           <a:p>
             <a:fld id="{604B6DFE-F8FB-4E1F-9C3C-407EF7CE5360}" type="slidenum">
               <a:rPr lang="es-CO" smtClean="0"/>
-              <a:t>‹#›</a:t>
+              <a:t>‹Nº›</a:t>
             </a:fld>
             <a:endParaRPr lang="es-CO"/>
           </a:p>
@@ -1731,7 +1735,7 @@
           <a:p>
             <a:fld id="{03845D55-0257-4175-BC16-2AC88235CC02}" type="datetimeFigureOut">
               <a:rPr lang="es-CO" smtClean="0"/>
-              <a:t>20/02/20</a:t>
+              <a:t>25/02/2020</a:t>
             </a:fld>
             <a:endParaRPr lang="es-CO"/>
           </a:p>
@@ -1773,7 +1777,7 @@
           <a:p>
             <a:fld id="{604B6DFE-F8FB-4E1F-9C3C-407EF7CE5360}" type="slidenum">
               <a:rPr lang="es-CO" smtClean="0"/>
-              <a:t>‹#›</a:t>
+              <a:t>‹Nº›</a:t>
             </a:fld>
             <a:endParaRPr lang="es-CO"/>
           </a:p>
@@ -1826,7 +1830,7 @@
           <a:p>
             <a:fld id="{03845D55-0257-4175-BC16-2AC88235CC02}" type="datetimeFigureOut">
               <a:rPr lang="es-CO" smtClean="0"/>
-              <a:t>20/02/20</a:t>
+              <a:t>25/02/2020</a:t>
             </a:fld>
             <a:endParaRPr lang="es-CO"/>
           </a:p>
@@ -1868,7 +1872,7 @@
           <a:p>
             <a:fld id="{604B6DFE-F8FB-4E1F-9C3C-407EF7CE5360}" type="slidenum">
               <a:rPr lang="es-CO" smtClean="0"/>
-              <a:t>‹#›</a:t>
+              <a:t>‹Nº›</a:t>
             </a:fld>
             <a:endParaRPr lang="es-CO"/>
           </a:p>
@@ -2103,7 +2107,7 @@
           <a:p>
             <a:fld id="{03845D55-0257-4175-BC16-2AC88235CC02}" type="datetimeFigureOut">
               <a:rPr lang="es-CO" smtClean="0"/>
-              <a:t>20/02/20</a:t>
+              <a:t>25/02/2020</a:t>
             </a:fld>
             <a:endParaRPr lang="es-CO"/>
           </a:p>
@@ -2145,7 +2149,7 @@
           <a:p>
             <a:fld id="{604B6DFE-F8FB-4E1F-9C3C-407EF7CE5360}" type="slidenum">
               <a:rPr lang="es-CO" smtClean="0"/>
-              <a:t>‹#›</a:t>
+              <a:t>‹Nº›</a:t>
             </a:fld>
             <a:endParaRPr lang="es-CO"/>
           </a:p>
@@ -2356,7 +2360,7 @@
           <a:p>
             <a:fld id="{03845D55-0257-4175-BC16-2AC88235CC02}" type="datetimeFigureOut">
               <a:rPr lang="es-CO" smtClean="0"/>
-              <a:t>20/02/20</a:t>
+              <a:t>25/02/2020</a:t>
             </a:fld>
             <a:endParaRPr lang="es-CO"/>
           </a:p>
@@ -2398,7 +2402,7 @@
           <a:p>
             <a:fld id="{604B6DFE-F8FB-4E1F-9C3C-407EF7CE5360}" type="slidenum">
               <a:rPr lang="es-CO" smtClean="0"/>
-              <a:t>‹#›</a:t>
+              <a:t>‹Nº›</a:t>
             </a:fld>
             <a:endParaRPr lang="es-CO"/>
           </a:p>
@@ -2569,7 +2573,7 @@
           <a:p>
             <a:fld id="{03845D55-0257-4175-BC16-2AC88235CC02}" type="datetimeFigureOut">
               <a:rPr lang="es-CO" smtClean="0"/>
-              <a:t>20/02/20</a:t>
+              <a:t>25/02/2020</a:t>
             </a:fld>
             <a:endParaRPr lang="es-CO"/>
           </a:p>
@@ -2647,7 +2651,7 @@
           <a:p>
             <a:fld id="{604B6DFE-F8FB-4E1F-9C3C-407EF7CE5360}" type="slidenum">
               <a:rPr lang="es-CO" smtClean="0"/>
-              <a:t>‹#›</a:t>
+              <a:t>‹Nº›</a:t>
             </a:fld>
             <a:endParaRPr lang="es-CO"/>
           </a:p>
@@ -2979,7 +2983,7 @@
           <p:cNvPr id="4" name="Title 1">
             <a:extLst>
               <a:ext uri="{FF2B5EF4-FFF2-40B4-BE49-F238E27FC236}">
-                <a16:creationId xmlns:a16="http://schemas.microsoft.com/office/drawing/2014/main" id="{28857740-9F26-C04F-8CC5-534196F2C324}"/>
+                <a16:creationId xmlns:a16="http://schemas.microsoft.com/office/drawing/2014/main" xmlns="" id="{28857740-9F26-C04F-8CC5-534196F2C324}"/>
               </a:ext>
             </a:extLst>
           </p:cNvPr>
@@ -3032,6 +3036,201 @@
     <p:extLst>
       <p:ext uri="{BB962C8B-B14F-4D97-AF65-F5344CB8AC3E}">
         <p14:creationId xmlns:p14="http://schemas.microsoft.com/office/powerpoint/2010/main" val="2684835616"/>
+      </p:ext>
+    </p:extLst>
+  </p:cSld>
+  <p:clrMapOvr>
+    <a:masterClrMapping/>
+  </p:clrMapOvr>
+</p:sld>
+</file>
+
+<file path=ppt/slides/slide10.xml><?xml version="1.0" encoding="utf-8"?>
+<p:sld xmlns:a="http://schemas.openxmlformats.org/drawingml/2006/main" xmlns:r="http://schemas.openxmlformats.org/officeDocument/2006/relationships" xmlns:p="http://schemas.openxmlformats.org/presentationml/2006/main">
+  <p:cSld>
+    <p:spTree>
+      <p:nvGrpSpPr>
+        <p:cNvPr id="1" name=""/>
+        <p:cNvGrpSpPr/>
+        <p:nvPr/>
+      </p:nvGrpSpPr>
+      <p:grpSpPr>
+        <a:xfrm>
+          <a:off x="0" y="0"/>
+          <a:ext cx="0" cy="0"/>
+          <a:chOff x="0" y="0"/>
+          <a:chExt cx="0" cy="0"/>
+        </a:xfrm>
+      </p:grpSpPr>
+      <p:pic>
+        <p:nvPicPr>
+          <p:cNvPr id="4" name="Imagen 3"/>
+          <p:cNvPicPr>
+            <a:picLocks noChangeAspect="1"/>
+          </p:cNvPicPr>
+          <p:nvPr/>
+        </p:nvPicPr>
+        <p:blipFill>
+          <a:blip r:embed="rId2"/>
+          <a:stretch>
+            <a:fillRect/>
+          </a:stretch>
+        </p:blipFill>
+        <p:spPr>
+          <a:xfrm>
+            <a:off x="6010483" y="2262140"/>
+            <a:ext cx="6073957" cy="3324844"/>
+          </a:xfrm>
+          <a:prstGeom prst="rect">
+            <a:avLst/>
+          </a:prstGeom>
+        </p:spPr>
+      </p:pic>
+      <p:pic>
+        <p:nvPicPr>
+          <p:cNvPr id="9" name="Imagen 8"/>
+          <p:cNvPicPr>
+            <a:picLocks noChangeAspect="1"/>
+          </p:cNvPicPr>
+          <p:nvPr/>
+        </p:nvPicPr>
+        <p:blipFill>
+          <a:blip r:embed="rId3"/>
+          <a:stretch>
+            <a:fillRect/>
+          </a:stretch>
+        </p:blipFill>
+        <p:spPr>
+          <a:xfrm>
+            <a:off x="263134" y="2367724"/>
+            <a:ext cx="5747349" cy="3141964"/>
+          </a:xfrm>
+          <a:prstGeom prst="rect">
+            <a:avLst/>
+          </a:prstGeom>
+        </p:spPr>
+      </p:pic>
+      <p:sp>
+        <p:nvSpPr>
+          <p:cNvPr id="2" name="Title 1">
+            <a:extLst>
+              <a:ext uri="{FF2B5EF4-FFF2-40B4-BE49-F238E27FC236}">
+                <a16:creationId xmlns:a16="http://schemas.microsoft.com/office/drawing/2014/main" xmlns="" id="{3E46E269-ED81-D54B-8ACC-DB9E4BF1C28D}"/>
+              </a:ext>
+            </a:extLst>
+          </p:cNvPr>
+          <p:cNvSpPr>
+            <a:spLocks noGrp="1"/>
+          </p:cNvSpPr>
+          <p:nvPr>
+            <p:ph type="title"/>
+          </p:nvPr>
+        </p:nvSpPr>
+        <p:spPr/>
+        <p:txBody>
+          <a:bodyPr/>
+          <a:lstStyle/>
+          <a:p>
+            <a:r>
+              <a:rPr lang="en-US" dirty="0"/>
+              <a:t>Effect on parameter </a:t>
+            </a:r>
+            <a:r>
+              <a:rPr lang="en-US" dirty="0" smtClean="0"/>
+              <a:t>recovery (Block estimation)</a:t>
+            </a:r>
+            <a:endParaRPr lang="en-US" dirty="0"/>
+          </a:p>
+        </p:txBody>
+      </p:sp>
+      <p:sp>
+        <p:nvSpPr>
+          <p:cNvPr id="6" name="CuadroTexto 5"/>
+          <p:cNvSpPr txBox="1"/>
+          <p:nvPr/>
+        </p:nvSpPr>
+        <p:spPr>
+          <a:xfrm>
+            <a:off x="2770632" y="1892808"/>
+            <a:ext cx="986039" cy="369332"/>
+          </a:xfrm>
+          <a:prstGeom prst="rect">
+            <a:avLst/>
+          </a:prstGeom>
+          <a:noFill/>
+        </p:spPr>
+        <p:txBody>
+          <a:bodyPr wrap="none" rtlCol="0">
+            <a:spAutoFit/>
+          </a:bodyPr>
+          <a:lstStyle/>
+          <a:p>
+            <a:r>
+              <a:rPr lang="es-CO" dirty="0" smtClean="0"/>
+              <a:t>Full data</a:t>
+            </a:r>
+            <a:endParaRPr lang="es-CO" dirty="0"/>
+          </a:p>
+        </p:txBody>
+      </p:sp>
+      <p:sp>
+        <p:nvSpPr>
+          <p:cNvPr id="7" name="CuadroTexto 6"/>
+          <p:cNvSpPr txBox="1"/>
+          <p:nvPr/>
+        </p:nvSpPr>
+        <p:spPr>
+          <a:xfrm>
+            <a:off x="7410496" y="1892808"/>
+            <a:ext cx="3247107" cy="369332"/>
+          </a:xfrm>
+          <a:prstGeom prst="rect">
+            <a:avLst/>
+          </a:prstGeom>
+          <a:noFill/>
+        </p:spPr>
+        <p:txBody>
+          <a:bodyPr wrap="none" rtlCol="0">
+            <a:spAutoFit/>
+          </a:bodyPr>
+          <a:lstStyle/>
+          <a:p>
+            <a:r>
+              <a:rPr lang="es-CO" dirty="0" err="1" smtClean="0"/>
+              <a:t>Only</a:t>
+            </a:r>
+            <a:r>
+              <a:rPr lang="es-CO" dirty="0" smtClean="0"/>
+              <a:t> rounds </a:t>
+            </a:r>
+            <a:r>
+              <a:rPr lang="es-CO" dirty="0" err="1" smtClean="0"/>
+              <a:t>with</a:t>
+            </a:r>
+            <a:r>
+              <a:rPr lang="es-CO" dirty="0" smtClean="0"/>
+              <a:t> </a:t>
+            </a:r>
+            <a:r>
+              <a:rPr lang="es-CO" dirty="0" err="1" smtClean="0"/>
+              <a:t>unicorn</a:t>
+            </a:r>
+            <a:r>
+              <a:rPr lang="es-CO" dirty="0" smtClean="0"/>
+              <a:t> </a:t>
+            </a:r>
+            <a:r>
+              <a:rPr lang="es-CO" dirty="0" err="1" smtClean="0"/>
+              <a:t>absent</a:t>
+            </a:r>
+            <a:endParaRPr lang="es-CO" dirty="0"/>
+          </a:p>
+        </p:txBody>
+      </p:sp>
+    </p:spTree>
+    <p:extLst>
+      <p:ext uri="{BB962C8B-B14F-4D97-AF65-F5344CB8AC3E}">
+        <p14:creationId xmlns:p14="http://schemas.microsoft.com/office/powerpoint/2010/main" val="3875116952"/>
       </p:ext>
     </p:extLst>
   </p:cSld>
@@ -3082,13 +3281,7 @@
       </p:sp>
       <p:pic>
         <p:nvPicPr>
-          <p:cNvPr id="6" name="Picture 5">
-            <a:extLst>
-              <a:ext uri="{FF2B5EF4-FFF2-40B4-BE49-F238E27FC236}">
-                <a16:creationId xmlns:a16="http://schemas.microsoft.com/office/drawing/2014/main" id="{52D98996-E756-104E-881E-B1E0FF1D77D8}"/>
-              </a:ext>
-            </a:extLst>
-          </p:cNvPr>
+          <p:cNvPr id="4" name="Imagen 3"/>
           <p:cNvPicPr>
             <a:picLocks noChangeAspect="1"/>
           </p:cNvPicPr>
@@ -3102,8 +3295,8 @@
         </p:blipFill>
         <p:spPr>
           <a:xfrm>
-            <a:off x="1651000" y="1690688"/>
-            <a:ext cx="8890000" cy="3873500"/>
+            <a:off x="1505524" y="1756656"/>
+            <a:ext cx="9180952" cy="5019048"/>
           </a:xfrm>
           <a:prstGeom prst="rect">
             <a:avLst/>
@@ -3140,43 +3333,9 @@
           <a:chExt cx="0" cy="0"/>
         </a:xfrm>
       </p:grpSpPr>
-      <p:sp>
-        <p:nvSpPr>
-          <p:cNvPr id="2" name="Title 1">
-            <a:extLst>
-              <a:ext uri="{FF2B5EF4-FFF2-40B4-BE49-F238E27FC236}">
-                <a16:creationId xmlns:a16="http://schemas.microsoft.com/office/drawing/2014/main" id="{D232E6B4-C860-6E4B-A678-30C4A534D1CE}"/>
-              </a:ext>
-            </a:extLst>
-          </p:cNvPr>
-          <p:cNvSpPr>
-            <a:spLocks noGrp="1"/>
-          </p:cNvSpPr>
-          <p:nvPr>
-            <p:ph type="title"/>
-          </p:nvPr>
-        </p:nvSpPr>
-        <p:spPr/>
-        <p:txBody>
-          <a:bodyPr/>
-          <a:lstStyle/>
-          <a:p>
-            <a:r>
-              <a:rPr lang="en-US" dirty="0"/>
-              <a:t>No corrections – Only Unicorn Absent</a:t>
-            </a:r>
-          </a:p>
-        </p:txBody>
-      </p:sp>
       <p:pic>
         <p:nvPicPr>
-          <p:cNvPr id="6" name="Picture 5">
-            <a:extLst>
-              <a:ext uri="{FF2B5EF4-FFF2-40B4-BE49-F238E27FC236}">
-                <a16:creationId xmlns:a16="http://schemas.microsoft.com/office/drawing/2014/main" id="{CE728242-09A0-6643-BDC2-CF4E583AB9C7}"/>
-              </a:ext>
-            </a:extLst>
-          </p:cNvPr>
+          <p:cNvPr id="7" name="Imagen 6"/>
           <p:cNvPicPr>
             <a:picLocks noChangeAspect="1"/>
           </p:cNvPicPr>
@@ -3190,20 +3349,48 @@
         </p:blipFill>
         <p:spPr>
           <a:xfrm>
-            <a:off x="1651000" y="1690688"/>
-            <a:ext cx="8890000" cy="3873500"/>
+            <a:off x="1505524" y="1757849"/>
+            <a:ext cx="9180952" cy="5019048"/>
           </a:xfrm>
           <a:prstGeom prst="rect">
             <a:avLst/>
           </a:prstGeom>
         </p:spPr>
       </p:pic>
+      <p:sp>
+        <p:nvSpPr>
+          <p:cNvPr id="2" name="Title 1">
+            <a:extLst>
+              <a:ext uri="{FF2B5EF4-FFF2-40B4-BE49-F238E27FC236}">
+                <a16:creationId xmlns:a16="http://schemas.microsoft.com/office/drawing/2014/main" xmlns="" id="{D232E6B4-C860-6E4B-A678-30C4A534D1CE}"/>
+              </a:ext>
+            </a:extLst>
+          </p:cNvPr>
+          <p:cNvSpPr>
+            <a:spLocks noGrp="1"/>
+          </p:cNvSpPr>
+          <p:nvPr>
+            <p:ph type="title"/>
+          </p:nvPr>
+        </p:nvSpPr>
+        <p:spPr/>
+        <p:txBody>
+          <a:bodyPr/>
+          <a:lstStyle/>
+          <a:p>
+            <a:r>
+              <a:rPr lang="en-US" dirty="0"/>
+              <a:t>No corrections – Only Unicorn Absent</a:t>
+            </a:r>
+          </a:p>
+        </p:txBody>
+      </p:sp>
       <p:cxnSp>
         <p:nvCxnSpPr>
           <p:cNvPr id="5" name="Straight Arrow Connector 4">
             <a:extLst>
               <a:ext uri="{FF2B5EF4-FFF2-40B4-BE49-F238E27FC236}">
-                <a16:creationId xmlns:a16="http://schemas.microsoft.com/office/drawing/2014/main" id="{99F2F860-FFFE-A444-9DBE-C9E99267503F}"/>
+                <a16:creationId xmlns:a16="http://schemas.microsoft.com/office/drawing/2014/main" xmlns="" id="{99F2F860-FFFE-A444-9DBE-C9E99267503F}"/>
               </a:ext>
             </a:extLst>
           </p:cNvPr>
@@ -3214,8 +3401,8 @@
         </p:nvCxnSpPr>
         <p:spPr>
           <a:xfrm flipH="1">
-            <a:off x="10541000" y="1492898"/>
-            <a:ext cx="581090" cy="1301102"/>
+            <a:off x="10506456" y="1492898"/>
+            <a:ext cx="615634" cy="1661782"/>
           </a:xfrm>
           <a:prstGeom prst="straightConnector1">
             <a:avLst/>
@@ -3248,7 +3435,7 @@
           <p:cNvPr id="8" name="Straight Arrow Connector 7">
             <a:extLst>
               <a:ext uri="{FF2B5EF4-FFF2-40B4-BE49-F238E27FC236}">
-                <a16:creationId xmlns:a16="http://schemas.microsoft.com/office/drawing/2014/main" id="{8B3B9B68-0DFD-6749-A842-9F4CBBB3F1ED}"/>
+                <a16:creationId xmlns:a16="http://schemas.microsoft.com/office/drawing/2014/main" xmlns="" id="{8B3B9B68-0DFD-6749-A842-9F4CBBB3F1ED}"/>
               </a:ext>
             </a:extLst>
           </p:cNvPr>
@@ -3259,8 +3446,8 @@
         </p:nvCxnSpPr>
         <p:spPr>
           <a:xfrm flipH="1" flipV="1">
-            <a:off x="9518520" y="4564063"/>
-            <a:ext cx="1342313" cy="1258239"/>
+            <a:off x="9610344" y="5138928"/>
+            <a:ext cx="1250490" cy="683375"/>
           </a:xfrm>
           <a:prstGeom prst="straightConnector1">
             <a:avLst/>
@@ -3288,12 +3475,98 @@
           </a:fontRef>
         </p:style>
       </p:cxnSp>
+      <p:sp>
+        <p:nvSpPr>
+          <p:cNvPr id="13" name="TextBox 12">
+            <a:extLst>
+              <a:ext uri="{FF2B5EF4-FFF2-40B4-BE49-F238E27FC236}">
+                <a16:creationId xmlns:a16="http://schemas.microsoft.com/office/drawing/2014/main" xmlns="" id="{2C88622C-E091-B944-94AC-EDD910C7C058}"/>
+              </a:ext>
+            </a:extLst>
+          </p:cNvPr>
+          <p:cNvSpPr txBox="1"/>
+          <p:nvPr/>
+        </p:nvSpPr>
+        <p:spPr>
+          <a:xfrm>
+            <a:off x="10933611" y="785121"/>
+            <a:ext cx="1072088" cy="646331"/>
+          </a:xfrm>
+          <a:prstGeom prst="rect">
+            <a:avLst/>
+          </a:prstGeom>
+          <a:noFill/>
+        </p:spPr>
+        <p:txBody>
+          <a:bodyPr wrap="none" rtlCol="0">
+            <a:spAutoFit/>
+          </a:bodyPr>
+          <a:lstStyle/>
+          <a:p>
+            <a:pPr algn="ctr"/>
+            <a:r>
+              <a:rPr lang="en-US" dirty="0"/>
+              <a:t>False </a:t>
+            </a:r>
+          </a:p>
+          <a:p>
+            <a:pPr algn="ctr"/>
+            <a:r>
+              <a:rPr lang="en-US" dirty="0"/>
+              <a:t>negatives</a:t>
+            </a:r>
+          </a:p>
+        </p:txBody>
+      </p:sp>
+      <p:sp>
+        <p:nvSpPr>
+          <p:cNvPr id="14" name="TextBox 13">
+            <a:extLst>
+              <a:ext uri="{FF2B5EF4-FFF2-40B4-BE49-F238E27FC236}">
+                <a16:creationId xmlns:a16="http://schemas.microsoft.com/office/drawing/2014/main" xmlns="" id="{03402B4F-9461-A241-B50B-10605174EFE5}"/>
+              </a:ext>
+            </a:extLst>
+          </p:cNvPr>
+          <p:cNvSpPr txBox="1"/>
+          <p:nvPr/>
+        </p:nvSpPr>
+        <p:spPr>
+          <a:xfrm>
+            <a:off x="10318474" y="5822302"/>
+            <a:ext cx="1230273" cy="646331"/>
+          </a:xfrm>
+          <a:prstGeom prst="rect">
+            <a:avLst/>
+          </a:prstGeom>
+          <a:noFill/>
+        </p:spPr>
+        <p:txBody>
+          <a:bodyPr wrap="none" rtlCol="0">
+            <a:spAutoFit/>
+          </a:bodyPr>
+          <a:lstStyle/>
+          <a:p>
+            <a:pPr algn="ctr"/>
+            <a:r>
+              <a:rPr lang="en-US" dirty="0"/>
+              <a:t>Insufficient</a:t>
+            </a:r>
+          </a:p>
+          <a:p>
+            <a:pPr algn="ctr"/>
+            <a:r>
+              <a:rPr lang="en-US" dirty="0"/>
+              <a:t>data</a:t>
+            </a:r>
+          </a:p>
+        </p:txBody>
+      </p:sp>
       <p:cxnSp>
         <p:nvCxnSpPr>
-          <p:cNvPr id="11" name="Straight Arrow Connector 10">
+          <p:cNvPr id="15" name="Straight Arrow Connector 4">
             <a:extLst>
               <a:ext uri="{FF2B5EF4-FFF2-40B4-BE49-F238E27FC236}">
-                <a16:creationId xmlns:a16="http://schemas.microsoft.com/office/drawing/2014/main" id="{F762BCC0-244D-8648-A9A1-5189167A8317}"/>
+                <a16:creationId xmlns:a16="http://schemas.microsoft.com/office/drawing/2014/main" xmlns="" id="{99F2F860-FFFE-A444-9DBE-C9E99267503F}"/>
               </a:ext>
             </a:extLst>
           </p:cNvPr>
@@ -3304,8 +3577,8 @@
         </p:nvCxnSpPr>
         <p:spPr>
           <a:xfrm flipH="1">
-            <a:off x="8528698" y="1432574"/>
-            <a:ext cx="2593392" cy="650551"/>
+            <a:off x="10235589" y="1492898"/>
+            <a:ext cx="1173044" cy="3337766"/>
           </a:xfrm>
           <a:prstGeom prst="straightConnector1">
             <a:avLst/>
@@ -3333,92 +3606,6 @@
           </a:fontRef>
         </p:style>
       </p:cxnSp>
-      <p:sp>
-        <p:nvSpPr>
-          <p:cNvPr id="13" name="TextBox 12">
-            <a:extLst>
-              <a:ext uri="{FF2B5EF4-FFF2-40B4-BE49-F238E27FC236}">
-                <a16:creationId xmlns:a16="http://schemas.microsoft.com/office/drawing/2014/main" id="{2C88622C-E091-B944-94AC-EDD910C7C058}"/>
-              </a:ext>
-            </a:extLst>
-          </p:cNvPr>
-          <p:cNvSpPr txBox="1"/>
-          <p:nvPr/>
-        </p:nvSpPr>
-        <p:spPr>
-          <a:xfrm>
-            <a:off x="10933611" y="785121"/>
-            <a:ext cx="1072088" cy="646331"/>
-          </a:xfrm>
-          <a:prstGeom prst="rect">
-            <a:avLst/>
-          </a:prstGeom>
-          <a:noFill/>
-        </p:spPr>
-        <p:txBody>
-          <a:bodyPr wrap="none" rtlCol="0">
-            <a:spAutoFit/>
-          </a:bodyPr>
-          <a:lstStyle/>
-          <a:p>
-            <a:pPr algn="ctr"/>
-            <a:r>
-              <a:rPr lang="en-US" dirty="0"/>
-              <a:t>False </a:t>
-            </a:r>
-          </a:p>
-          <a:p>
-            <a:pPr algn="ctr"/>
-            <a:r>
-              <a:rPr lang="en-US" dirty="0"/>
-              <a:t>negatives</a:t>
-            </a:r>
-          </a:p>
-        </p:txBody>
-      </p:sp>
-      <p:sp>
-        <p:nvSpPr>
-          <p:cNvPr id="14" name="TextBox 13">
-            <a:extLst>
-              <a:ext uri="{FF2B5EF4-FFF2-40B4-BE49-F238E27FC236}">
-                <a16:creationId xmlns:a16="http://schemas.microsoft.com/office/drawing/2014/main" id="{03402B4F-9461-A241-B50B-10605174EFE5}"/>
-              </a:ext>
-            </a:extLst>
-          </p:cNvPr>
-          <p:cNvSpPr txBox="1"/>
-          <p:nvPr/>
-        </p:nvSpPr>
-        <p:spPr>
-          <a:xfrm>
-            <a:off x="10318474" y="5822302"/>
-            <a:ext cx="1230273" cy="646331"/>
-          </a:xfrm>
-          <a:prstGeom prst="rect">
-            <a:avLst/>
-          </a:prstGeom>
-          <a:noFill/>
-        </p:spPr>
-        <p:txBody>
-          <a:bodyPr wrap="none" rtlCol="0">
-            <a:spAutoFit/>
-          </a:bodyPr>
-          <a:lstStyle/>
-          <a:p>
-            <a:pPr algn="ctr"/>
-            <a:r>
-              <a:rPr lang="en-US" dirty="0"/>
-              <a:t>Insufficient</a:t>
-            </a:r>
-          </a:p>
-          <a:p>
-            <a:pPr algn="ctr"/>
-            <a:r>
-              <a:rPr lang="en-US" dirty="0"/>
-              <a:t>data</a:t>
-            </a:r>
-          </a:p>
-        </p:txBody>
-      </p:sp>
     </p:spTree>
     <p:extLst>
       <p:ext uri="{BB962C8B-B14F-4D97-AF65-F5344CB8AC3E}">
@@ -3449,37 +3636,9 @@
           <a:chExt cx="0" cy="0"/>
         </a:xfrm>
       </p:grpSpPr>
-      <p:sp>
-        <p:nvSpPr>
-          <p:cNvPr id="2" name="Título 1"/>
-          <p:cNvSpPr>
-            <a:spLocks noGrp="1"/>
-          </p:cNvSpPr>
-          <p:nvPr>
-            <p:ph type="title"/>
-          </p:nvPr>
-        </p:nvSpPr>
-        <p:spPr/>
-        <p:txBody>
-          <a:bodyPr/>
-          <a:lstStyle/>
-          <a:p>
-            <a:r>
-              <a:rPr lang="es-CO" dirty="0"/>
-              <a:t>Score correction only</a:t>
-            </a:r>
-          </a:p>
-        </p:txBody>
-      </p:sp>
       <p:pic>
         <p:nvPicPr>
-          <p:cNvPr id="5" name="Picture 4">
-            <a:extLst>
-              <a:ext uri="{FF2B5EF4-FFF2-40B4-BE49-F238E27FC236}">
-                <a16:creationId xmlns:a16="http://schemas.microsoft.com/office/drawing/2014/main" id="{76D4D1C5-FB3C-EB40-A2E3-2AFBE813431F}"/>
-              </a:ext>
-            </a:extLst>
-          </p:cNvPr>
+          <p:cNvPr id="9" name="Imagen 8"/>
           <p:cNvPicPr>
             <a:picLocks noChangeAspect="1"/>
           </p:cNvPicPr>
@@ -3493,75 +3652,206 @@
         </p:blipFill>
         <p:spPr>
           <a:xfrm>
-            <a:off x="1651000" y="1690688"/>
-            <a:ext cx="8890000" cy="3873500"/>
+            <a:off x="263134" y="2367724"/>
+            <a:ext cx="5747349" cy="3141964"/>
           </a:xfrm>
           <a:prstGeom prst="rect">
             <a:avLst/>
           </a:prstGeom>
         </p:spPr>
       </p:pic>
-      <p:cxnSp>
-        <p:nvCxnSpPr>
-          <p:cNvPr id="4" name="Straight Arrow Connector 3">
+      <p:sp>
+        <p:nvSpPr>
+          <p:cNvPr id="2" name="Title 1">
             <a:extLst>
               <a:ext uri="{FF2B5EF4-FFF2-40B4-BE49-F238E27FC236}">
-                <a16:creationId xmlns:a16="http://schemas.microsoft.com/office/drawing/2014/main" id="{E7FE2886-F566-8A46-9120-E43BADA9966C}"/>
+                <a16:creationId xmlns:a16="http://schemas.microsoft.com/office/drawing/2014/main" xmlns="" id="{3E46E269-ED81-D54B-8ACC-DB9E4BF1C28D}"/>
               </a:ext>
             </a:extLst>
           </p:cNvPr>
-          <p:cNvCxnSpPr>
-            <a:cxnSpLocks/>
-          </p:cNvCxnSpPr>
+          <p:cNvSpPr>
+            <a:spLocks noGrp="1"/>
+          </p:cNvSpPr>
+          <p:nvPr>
+            <p:ph type="title"/>
+          </p:nvPr>
+        </p:nvSpPr>
+        <p:spPr/>
+        <p:txBody>
+          <a:bodyPr/>
+          <a:lstStyle/>
+          <a:p>
+            <a:r>
+              <a:rPr lang="en-US" dirty="0"/>
+              <a:t>Effect on parameter recovery</a:t>
+            </a:r>
+          </a:p>
+        </p:txBody>
+      </p:sp>
+      <p:sp>
+        <p:nvSpPr>
+          <p:cNvPr id="6" name="CuadroTexto 5"/>
+          <p:cNvSpPr txBox="1"/>
           <p:nvPr/>
-        </p:nvCxnSpPr>
-        <p:spPr>
-          <a:xfrm flipH="1" flipV="1">
-            <a:off x="9405257" y="4198777"/>
-            <a:ext cx="1306286" cy="1361219"/>
-          </a:xfrm>
-          <a:prstGeom prst="straightConnector1">
+        </p:nvSpPr>
+        <p:spPr>
+          <a:xfrm>
+            <a:off x="2770632" y="1892808"/>
+            <a:ext cx="986039" cy="369332"/>
+          </a:xfrm>
+          <a:prstGeom prst="rect">
             <a:avLst/>
           </a:prstGeom>
+          <a:noFill/>
+        </p:spPr>
+        <p:txBody>
+          <a:bodyPr wrap="none" rtlCol="0">
+            <a:spAutoFit/>
+          </a:bodyPr>
+          <a:lstStyle/>
+          <a:p>
+            <a:r>
+              <a:rPr lang="es-CO" dirty="0" smtClean="0"/>
+              <a:t>Full data</a:t>
+            </a:r>
+            <a:endParaRPr lang="es-CO" dirty="0"/>
+          </a:p>
+        </p:txBody>
+      </p:sp>
+      <p:sp>
+        <p:nvSpPr>
+          <p:cNvPr id="7" name="CuadroTexto 6"/>
+          <p:cNvSpPr txBox="1"/>
+          <p:nvPr/>
+        </p:nvSpPr>
+        <p:spPr>
+          <a:xfrm>
+            <a:off x="7410496" y="1892808"/>
+            <a:ext cx="3247107" cy="369332"/>
+          </a:xfrm>
+          <a:prstGeom prst="rect">
+            <a:avLst/>
+          </a:prstGeom>
+          <a:noFill/>
+        </p:spPr>
+        <p:txBody>
+          <a:bodyPr wrap="none" rtlCol="0">
+            <a:spAutoFit/>
+          </a:bodyPr>
+          <a:lstStyle/>
+          <a:p>
+            <a:r>
+              <a:rPr lang="es-CO" dirty="0" err="1" smtClean="0"/>
+              <a:t>Only</a:t>
+            </a:r>
+            <a:r>
+              <a:rPr lang="es-CO" dirty="0" smtClean="0"/>
+              <a:t> rounds </a:t>
+            </a:r>
+            <a:r>
+              <a:rPr lang="es-CO" dirty="0" err="1" smtClean="0"/>
+              <a:t>with</a:t>
+            </a:r>
+            <a:r>
+              <a:rPr lang="es-CO" dirty="0" smtClean="0"/>
+              <a:t> </a:t>
+            </a:r>
+            <a:r>
+              <a:rPr lang="es-CO" dirty="0" err="1" smtClean="0"/>
+              <a:t>unicorn</a:t>
+            </a:r>
+            <a:r>
+              <a:rPr lang="es-CO" dirty="0" smtClean="0"/>
+              <a:t> </a:t>
+            </a:r>
+            <a:r>
+              <a:rPr lang="es-CO" dirty="0" err="1" smtClean="0"/>
+              <a:t>absent</a:t>
+            </a:r>
+            <a:endParaRPr lang="es-CO" dirty="0"/>
+          </a:p>
+        </p:txBody>
+      </p:sp>
+      <p:pic>
+        <p:nvPicPr>
+          <p:cNvPr id="10" name="Imagen 9"/>
+          <p:cNvPicPr>
+            <a:picLocks noChangeAspect="1"/>
+          </p:cNvPicPr>
+          <p:nvPr/>
+        </p:nvPicPr>
+        <p:blipFill>
+          <a:blip r:embed="rId3"/>
+          <a:stretch>
+            <a:fillRect/>
+          </a:stretch>
+        </p:blipFill>
+        <p:spPr>
+          <a:xfrm>
+            <a:off x="6010483" y="2299572"/>
+            <a:ext cx="6005574" cy="3287412"/>
+          </a:xfrm>
+          <a:prstGeom prst="rect">
+            <a:avLst/>
+          </a:prstGeom>
+        </p:spPr>
+      </p:pic>
+      <p:sp>
+        <p:nvSpPr>
+          <p:cNvPr id="11" name="Elipse 10"/>
+          <p:cNvSpPr/>
+          <p:nvPr/>
+        </p:nvSpPr>
+        <p:spPr>
+          <a:xfrm>
+            <a:off x="11280648" y="2633472"/>
+            <a:ext cx="662257" cy="841248"/>
+          </a:xfrm>
+          <a:prstGeom prst="ellipse">
+            <a:avLst/>
+          </a:prstGeom>
+          <a:noFill/>
           <a:ln w="28575">
             <a:solidFill>
               <a:srgbClr val="FF0000"/>
             </a:solidFill>
-            <a:headEnd type="none" w="med" len="med"/>
-            <a:tailEnd type="triangle" w="lg" len="lg"/>
           </a:ln>
         </p:spPr>
         <p:style>
-          <a:lnRef idx="1">
-            <a:schemeClr val="accent1"/>
+          <a:lnRef idx="2">
+            <a:schemeClr val="accent1">
+              <a:shade val="50000"/>
+            </a:schemeClr>
           </a:lnRef>
-          <a:fillRef idx="0">
+          <a:fillRef idx="1">
             <a:schemeClr val="accent1"/>
           </a:fillRef>
           <a:effectRef idx="0">
             <a:schemeClr val="accent1"/>
           </a:effectRef>
           <a:fontRef idx="minor">
-            <a:schemeClr val="tx1"/>
+            <a:schemeClr val="lt1"/>
           </a:fontRef>
         </p:style>
-      </p:cxnSp>
-      <p:sp>
-        <p:nvSpPr>
-          <p:cNvPr id="6" name="TextBox 5">
-            <a:extLst>
-              <a:ext uri="{FF2B5EF4-FFF2-40B4-BE49-F238E27FC236}">
-                <a16:creationId xmlns:a16="http://schemas.microsoft.com/office/drawing/2014/main" id="{789D0C48-B5D0-2A42-9713-CB6873CF10CC}"/>
-              </a:ext>
-            </a:extLst>
-          </p:cNvPr>
+        <p:txBody>
+          <a:bodyPr rtlCol="0" anchor="ctr"/>
+          <a:lstStyle/>
+          <a:p>
+            <a:pPr algn="ctr"/>
+            <a:endParaRPr lang="es-CO"/>
+          </a:p>
+        </p:txBody>
+      </p:sp>
+      <p:sp>
+        <p:nvSpPr>
+          <p:cNvPr id="12" name="CuadroTexto 11"/>
           <p:cNvSpPr txBox="1"/>
           <p:nvPr/>
         </p:nvSpPr>
         <p:spPr>
           <a:xfrm>
-            <a:off x="10133045" y="5559996"/>
-            <a:ext cx="1735494" cy="1200329"/>
+            <a:off x="9235440" y="5907024"/>
+            <a:ext cx="960519" cy="369332"/>
           </a:xfrm>
           <a:prstGeom prst="rect">
             <a:avLst/>
@@ -3569,220 +3859,75 @@
           <a:noFill/>
         </p:spPr>
         <p:txBody>
-          <a:bodyPr wrap="square" rtlCol="0">
+          <a:bodyPr wrap="none" rtlCol="0">
             <a:spAutoFit/>
           </a:bodyPr>
           <a:lstStyle/>
           <a:p>
-            <a:pPr algn="ctr"/>
-            <a:r>
-              <a:rPr lang="en-US" dirty="0"/>
-              <a:t>False </a:t>
-            </a:r>
-          </a:p>
-          <a:p>
-            <a:pPr algn="ctr"/>
-            <a:r>
-              <a:rPr lang="en-US" dirty="0"/>
-              <a:t>Negatives</a:t>
-            </a:r>
-          </a:p>
-          <a:p>
-            <a:pPr algn="ctr"/>
-            <a:r>
-              <a:rPr lang="en-US" dirty="0"/>
-              <a:t>and </a:t>
-            </a:r>
-          </a:p>
-          <a:p>
-            <a:pPr algn="ctr"/>
-            <a:r>
-              <a:rPr lang="en-US" dirty="0"/>
-              <a:t>insufficient data</a:t>
-            </a:r>
-          </a:p>
-        </p:txBody>
-      </p:sp>
-      <p:cxnSp>
-        <p:nvCxnSpPr>
-          <p:cNvPr id="8" name="Straight Arrow Connector 7">
-            <a:extLst>
-              <a:ext uri="{FF2B5EF4-FFF2-40B4-BE49-F238E27FC236}">
-                <a16:creationId xmlns:a16="http://schemas.microsoft.com/office/drawing/2014/main" id="{9D307967-B0D0-8D4D-8067-34149EAE5024}"/>
-              </a:ext>
-            </a:extLst>
-          </p:cNvPr>
-          <p:cNvCxnSpPr>
-            <a:cxnSpLocks/>
-          </p:cNvCxnSpPr>
+            <a:r>
+              <a:rPr lang="es-CO" dirty="0" smtClean="0">
+                <a:sym typeface="Symbol" panose="05050102010706020507" pitchFamily="18" charset="2"/>
+              </a:rPr>
+              <a:t></a:t>
+            </a:r>
+            <a:r>
+              <a:rPr lang="es-CO" dirty="0" smtClean="0"/>
+              <a:t> = 6,32</a:t>
+            </a:r>
+            <a:endParaRPr lang="es-CO" dirty="0"/>
+          </a:p>
+        </p:txBody>
+      </p:sp>
+      <p:sp>
+        <p:nvSpPr>
+          <p:cNvPr id="13" name="Elipse 12"/>
+          <p:cNvSpPr/>
           <p:nvPr/>
-        </p:nvCxnSpPr>
-        <p:spPr>
-          <a:xfrm flipH="1">
-            <a:off x="8528698" y="1432574"/>
-            <a:ext cx="2593392" cy="650551"/>
-          </a:xfrm>
-          <a:prstGeom prst="straightConnector1">
+        </p:nvSpPr>
+        <p:spPr>
+          <a:xfrm>
+            <a:off x="9108222" y="5671066"/>
+            <a:ext cx="1124712" cy="841248"/>
+          </a:xfrm>
+          <a:prstGeom prst="ellipse">
             <a:avLst/>
           </a:prstGeom>
+          <a:noFill/>
           <a:ln w="28575">
             <a:solidFill>
               <a:srgbClr val="FF0000"/>
             </a:solidFill>
-            <a:headEnd type="none" w="med" len="med"/>
-            <a:tailEnd type="triangle" w="lg" len="lg"/>
           </a:ln>
         </p:spPr>
         <p:style>
-          <a:lnRef idx="1">
-            <a:schemeClr val="accent1"/>
+          <a:lnRef idx="2">
+            <a:schemeClr val="accent1">
+              <a:shade val="50000"/>
+            </a:schemeClr>
           </a:lnRef>
-          <a:fillRef idx="0">
+          <a:fillRef idx="1">
             <a:schemeClr val="accent1"/>
           </a:fillRef>
           <a:effectRef idx="0">
             <a:schemeClr val="accent1"/>
           </a:effectRef>
           <a:fontRef idx="minor">
-            <a:schemeClr val="tx1"/>
+            <a:schemeClr val="lt1"/>
           </a:fontRef>
         </p:style>
-      </p:cxnSp>
-      <p:sp>
-        <p:nvSpPr>
-          <p:cNvPr id="9" name="TextBox 8">
-            <a:extLst>
-              <a:ext uri="{FF2B5EF4-FFF2-40B4-BE49-F238E27FC236}">
-                <a16:creationId xmlns:a16="http://schemas.microsoft.com/office/drawing/2014/main" id="{2FC1F1EF-FC6E-7540-9E06-C4999F813FC3}"/>
-              </a:ext>
-            </a:extLst>
-          </p:cNvPr>
-          <p:cNvSpPr txBox="1"/>
-          <p:nvPr/>
-        </p:nvSpPr>
-        <p:spPr>
-          <a:xfrm>
-            <a:off x="10933611" y="785121"/>
-            <a:ext cx="1072088" cy="646331"/>
-          </a:xfrm>
-          <a:prstGeom prst="rect">
-            <a:avLst/>
-          </a:prstGeom>
-          <a:noFill/>
-        </p:spPr>
-        <p:txBody>
-          <a:bodyPr wrap="none" rtlCol="0">
-            <a:spAutoFit/>
-          </a:bodyPr>
+        <p:txBody>
+          <a:bodyPr rtlCol="0" anchor="ctr"/>
           <a:lstStyle/>
           <a:p>
             <a:pPr algn="ctr"/>
-            <a:r>
-              <a:rPr lang="en-US" dirty="0"/>
-              <a:t>False </a:t>
-            </a:r>
-          </a:p>
-          <a:p>
-            <a:pPr algn="ctr"/>
-            <a:r>
-              <a:rPr lang="en-US" dirty="0"/>
-              <a:t>negatives</a:t>
-            </a:r>
-          </a:p>
-        </p:txBody>
-      </p:sp>
-      <p:cxnSp>
-        <p:nvCxnSpPr>
-          <p:cNvPr id="10" name="Straight Arrow Connector 9">
-            <a:extLst>
-              <a:ext uri="{FF2B5EF4-FFF2-40B4-BE49-F238E27FC236}">
-                <a16:creationId xmlns:a16="http://schemas.microsoft.com/office/drawing/2014/main" id="{D9FED2B4-98DB-A044-AA0C-01DDE072259C}"/>
-              </a:ext>
-            </a:extLst>
-          </p:cNvPr>
-          <p:cNvCxnSpPr>
-            <a:cxnSpLocks/>
-          </p:cNvCxnSpPr>
-          <p:nvPr/>
-        </p:nvCxnSpPr>
-        <p:spPr>
-          <a:xfrm flipH="1" flipV="1">
-            <a:off x="10541000" y="2794000"/>
-            <a:ext cx="1103604" cy="807616"/>
-          </a:xfrm>
-          <a:prstGeom prst="straightConnector1">
-            <a:avLst/>
-          </a:prstGeom>
-          <a:ln w="28575">
-            <a:solidFill>
-              <a:schemeClr val="accent5">
-                <a:lumMod val="75000"/>
-              </a:schemeClr>
-            </a:solidFill>
-            <a:headEnd type="none" w="med" len="med"/>
-            <a:tailEnd type="triangle" w="lg" len="lg"/>
-          </a:ln>
-        </p:spPr>
-        <p:style>
-          <a:lnRef idx="1">
-            <a:schemeClr val="accent1"/>
-          </a:lnRef>
-          <a:fillRef idx="0">
-            <a:schemeClr val="accent1"/>
-          </a:fillRef>
-          <a:effectRef idx="0">
-            <a:schemeClr val="accent1"/>
-          </a:effectRef>
-          <a:fontRef idx="minor">
-            <a:schemeClr val="tx1"/>
-          </a:fontRef>
-        </p:style>
-      </p:cxnSp>
-      <p:sp>
-        <p:nvSpPr>
-          <p:cNvPr id="13" name="TextBox 12">
-            <a:extLst>
-              <a:ext uri="{FF2B5EF4-FFF2-40B4-BE49-F238E27FC236}">
-                <a16:creationId xmlns:a16="http://schemas.microsoft.com/office/drawing/2014/main" id="{777A7566-2F7B-9746-90A3-C8CA66F1755A}"/>
-              </a:ext>
-            </a:extLst>
-          </p:cNvPr>
-          <p:cNvSpPr txBox="1"/>
-          <p:nvPr/>
-        </p:nvSpPr>
-        <p:spPr>
-          <a:xfrm>
-            <a:off x="11126965" y="3666160"/>
-            <a:ext cx="1065035" cy="646331"/>
-          </a:xfrm>
-          <a:prstGeom prst="rect">
-            <a:avLst/>
-          </a:prstGeom>
-          <a:noFill/>
-        </p:spPr>
-        <p:txBody>
-          <a:bodyPr wrap="none" rtlCol="0">
-            <a:spAutoFit/>
-          </a:bodyPr>
-          <a:lstStyle/>
-          <a:p>
-            <a:r>
-              <a:rPr lang="en-US" dirty="0"/>
-              <a:t>Less false</a:t>
-            </a:r>
-          </a:p>
-          <a:p>
-            <a:r>
-              <a:rPr lang="en-US" dirty="0"/>
-              <a:t>negatives</a:t>
-            </a:r>
+            <a:endParaRPr lang="es-CO"/>
           </a:p>
         </p:txBody>
       </p:sp>
     </p:spTree>
     <p:extLst>
       <p:ext uri="{BB962C8B-B14F-4D97-AF65-F5344CB8AC3E}">
-        <p14:creationId xmlns:p14="http://schemas.microsoft.com/office/powerpoint/2010/main" val="2016186426"/>
+        <p14:creationId xmlns:p14="http://schemas.microsoft.com/office/powerpoint/2010/main" val="2245663477"/>
       </p:ext>
     </p:extLst>
   </p:cSld>
@@ -3809,39 +3954,9 @@
           <a:chExt cx="0" cy="0"/>
         </a:xfrm>
       </p:grpSpPr>
-      <p:sp>
-        <p:nvSpPr>
-          <p:cNvPr id="2" name="Título 1"/>
-          <p:cNvSpPr>
-            <a:spLocks noGrp="1"/>
-          </p:cNvSpPr>
-          <p:nvPr>
-            <p:ph type="title"/>
-          </p:nvPr>
-        </p:nvSpPr>
-        <p:spPr/>
-        <p:txBody>
-          <a:bodyPr>
-            <a:normAutofit/>
-          </a:bodyPr>
-          <a:lstStyle/>
-          <a:p>
-            <a:r>
-              <a:rPr lang="es-CO" dirty="0"/>
-              <a:t>Estimating Unicorn-Present-Blocks and score correction</a:t>
-            </a:r>
-          </a:p>
-        </p:txBody>
-      </p:sp>
       <p:pic>
         <p:nvPicPr>
-          <p:cNvPr id="5" name="Picture 4">
-            <a:extLst>
-              <a:ext uri="{FF2B5EF4-FFF2-40B4-BE49-F238E27FC236}">
-                <a16:creationId xmlns:a16="http://schemas.microsoft.com/office/drawing/2014/main" id="{A7BCDFA1-AC2A-3D48-BC38-21FEB66CB100}"/>
-              </a:ext>
-            </a:extLst>
-          </p:cNvPr>
+          <p:cNvPr id="7" name="Imagen 6"/>
           <p:cNvPicPr>
             <a:picLocks noChangeAspect="1"/>
           </p:cNvPicPr>
@@ -3855,20 +3970,48 @@
         </p:blipFill>
         <p:spPr>
           <a:xfrm>
-            <a:off x="1651000" y="1690688"/>
-            <a:ext cx="8890000" cy="3873500"/>
+            <a:off x="1505524" y="1757849"/>
+            <a:ext cx="9180952" cy="5019048"/>
           </a:xfrm>
           <a:prstGeom prst="rect">
             <a:avLst/>
           </a:prstGeom>
         </p:spPr>
       </p:pic>
+      <p:sp>
+        <p:nvSpPr>
+          <p:cNvPr id="2" name="Title 1">
+            <a:extLst>
+              <a:ext uri="{FF2B5EF4-FFF2-40B4-BE49-F238E27FC236}">
+                <a16:creationId xmlns:a16="http://schemas.microsoft.com/office/drawing/2014/main" xmlns="" id="{D232E6B4-C860-6E4B-A678-30C4A534D1CE}"/>
+              </a:ext>
+            </a:extLst>
+          </p:cNvPr>
+          <p:cNvSpPr>
+            <a:spLocks noGrp="1"/>
+          </p:cNvSpPr>
+          <p:nvPr>
+            <p:ph type="title"/>
+          </p:nvPr>
+        </p:nvSpPr>
+        <p:spPr/>
+        <p:txBody>
+          <a:bodyPr/>
+          <a:lstStyle/>
+          <a:p>
+            <a:r>
+              <a:rPr lang="en-US" dirty="0"/>
+              <a:t>No corrections – Only Unicorn Absent</a:t>
+            </a:r>
+          </a:p>
+        </p:txBody>
+      </p:sp>
       <p:cxnSp>
         <p:nvCxnSpPr>
-          <p:cNvPr id="4" name="Straight Arrow Connector 3">
+          <p:cNvPr id="5" name="Straight Arrow Connector 4">
             <a:extLst>
               <a:ext uri="{FF2B5EF4-FFF2-40B4-BE49-F238E27FC236}">
-                <a16:creationId xmlns:a16="http://schemas.microsoft.com/office/drawing/2014/main" id="{6D938FC0-98E1-BE4B-92E7-3628D5F9891A}"/>
+                <a16:creationId xmlns:a16="http://schemas.microsoft.com/office/drawing/2014/main" xmlns="" id="{99F2F860-FFFE-A444-9DBE-C9E99267503F}"/>
               </a:ext>
             </a:extLst>
           </p:cNvPr>
@@ -3878,9 +4021,9 @@
           <p:nvPr/>
         </p:nvCxnSpPr>
         <p:spPr>
-          <a:xfrm flipH="1" flipV="1">
-            <a:off x="9518520" y="4564063"/>
-            <a:ext cx="1342313" cy="1258239"/>
+          <a:xfrm flipH="1">
+            <a:off x="10506456" y="1492898"/>
+            <a:ext cx="615634" cy="1661782"/>
           </a:xfrm>
           <a:prstGeom prst="straightConnector1">
             <a:avLst/>
@@ -3888,96 +4031,6 @@
           <a:ln w="28575">
             <a:solidFill>
               <a:srgbClr val="FF0000"/>
-            </a:solidFill>
-            <a:headEnd type="none" w="med" len="med"/>
-            <a:tailEnd type="triangle" w="lg" len="lg"/>
-          </a:ln>
-        </p:spPr>
-        <p:style>
-          <a:lnRef idx="1">
-            <a:schemeClr val="accent1"/>
-          </a:lnRef>
-          <a:fillRef idx="0">
-            <a:schemeClr val="accent1"/>
-          </a:fillRef>
-          <a:effectRef idx="0">
-            <a:schemeClr val="accent1"/>
-          </a:effectRef>
-          <a:fontRef idx="minor">
-            <a:schemeClr val="tx1"/>
-          </a:fontRef>
-        </p:style>
-      </p:cxnSp>
-      <p:sp>
-        <p:nvSpPr>
-          <p:cNvPr id="6" name="TextBox 5">
-            <a:extLst>
-              <a:ext uri="{FF2B5EF4-FFF2-40B4-BE49-F238E27FC236}">
-                <a16:creationId xmlns:a16="http://schemas.microsoft.com/office/drawing/2014/main" id="{7858C9E8-A3DE-8448-AF9A-E30BADCA89B8}"/>
-              </a:ext>
-            </a:extLst>
-          </p:cNvPr>
-          <p:cNvSpPr txBox="1"/>
-          <p:nvPr/>
-        </p:nvSpPr>
-        <p:spPr>
-          <a:xfrm>
-            <a:off x="10318474" y="5822302"/>
-            <a:ext cx="1230273" cy="646331"/>
-          </a:xfrm>
-          <a:prstGeom prst="rect">
-            <a:avLst/>
-          </a:prstGeom>
-          <a:noFill/>
-        </p:spPr>
-        <p:txBody>
-          <a:bodyPr wrap="none" rtlCol="0">
-            <a:spAutoFit/>
-          </a:bodyPr>
-          <a:lstStyle/>
-          <a:p>
-            <a:pPr algn="ctr"/>
-            <a:r>
-              <a:rPr lang="en-US" dirty="0"/>
-              <a:t>Insufficient</a:t>
-            </a:r>
-          </a:p>
-          <a:p>
-            <a:pPr algn="ctr"/>
-            <a:r>
-              <a:rPr lang="en-US" dirty="0"/>
-              <a:t>data</a:t>
-            </a:r>
-          </a:p>
-        </p:txBody>
-      </p:sp>
-      <p:cxnSp>
-        <p:nvCxnSpPr>
-          <p:cNvPr id="7" name="Straight Arrow Connector 6">
-            <a:extLst>
-              <a:ext uri="{FF2B5EF4-FFF2-40B4-BE49-F238E27FC236}">
-                <a16:creationId xmlns:a16="http://schemas.microsoft.com/office/drawing/2014/main" id="{691C899B-044B-0B46-851B-F8AB34F1D65D}"/>
-              </a:ext>
-            </a:extLst>
-          </p:cNvPr>
-          <p:cNvCxnSpPr>
-            <a:cxnSpLocks/>
-          </p:cNvCxnSpPr>
-          <p:nvPr/>
-        </p:nvCxnSpPr>
-        <p:spPr>
-          <a:xfrm flipH="1">
-            <a:off x="10541000" y="1492898"/>
-            <a:ext cx="581090" cy="1301102"/>
-          </a:xfrm>
-          <a:prstGeom prst="straightConnector1">
-            <a:avLst/>
-          </a:prstGeom>
-          <a:ln w="28575">
-            <a:solidFill>
-              <a:schemeClr val="accent5">
-                <a:lumMod val="75000"/>
-              </a:schemeClr>
             </a:solidFill>
             <a:headEnd type="none" w="med" len="med"/>
             <a:tailEnd type="triangle" w="lg" len="lg"/>
@@ -4003,7 +4056,7 @@
           <p:cNvPr id="8" name="Straight Arrow Connector 7">
             <a:extLst>
               <a:ext uri="{FF2B5EF4-FFF2-40B4-BE49-F238E27FC236}">
-                <a16:creationId xmlns:a16="http://schemas.microsoft.com/office/drawing/2014/main" id="{810074C2-3355-854B-B2E6-3489185E20A3}"/>
+                <a16:creationId xmlns:a16="http://schemas.microsoft.com/office/drawing/2014/main" xmlns="" id="{8B3B9B68-0DFD-6749-A842-9F4CBBB3F1ED}"/>
               </a:ext>
             </a:extLst>
           </p:cNvPr>
@@ -4013,18 +4066,16 @@
           <p:nvPr/>
         </p:nvCxnSpPr>
         <p:spPr>
-          <a:xfrm flipH="1">
-            <a:off x="8528698" y="1432574"/>
-            <a:ext cx="2593392" cy="650551"/>
+          <a:xfrm flipH="1" flipV="1">
+            <a:off x="9610344" y="5138928"/>
+            <a:ext cx="1250490" cy="683375"/>
           </a:xfrm>
           <a:prstGeom prst="straightConnector1">
             <a:avLst/>
           </a:prstGeom>
           <a:ln w="28575">
             <a:solidFill>
-              <a:schemeClr val="accent5">
-                <a:lumMod val="75000"/>
-              </a:schemeClr>
+              <a:srgbClr val="FF0000"/>
             </a:solidFill>
             <a:headEnd type="none" w="med" len="med"/>
             <a:tailEnd type="triangle" w="lg" len="lg"/>
@@ -4047,10 +4098,10 @@
       </p:cxnSp>
       <p:sp>
         <p:nvSpPr>
-          <p:cNvPr id="9" name="TextBox 8">
+          <p:cNvPr id="13" name="TextBox 12">
             <a:extLst>
               <a:ext uri="{FF2B5EF4-FFF2-40B4-BE49-F238E27FC236}">
-                <a16:creationId xmlns:a16="http://schemas.microsoft.com/office/drawing/2014/main" id="{5B130C70-C338-1749-A692-7AEC28C31866}"/>
+                <a16:creationId xmlns:a16="http://schemas.microsoft.com/office/drawing/2014/main" xmlns="" id="{2C88622C-E091-B944-94AC-EDD910C7C058}"/>
               </a:ext>
             </a:extLst>
           </p:cNvPr>
@@ -4059,8 +4110,8 @@
         </p:nvSpPr>
         <p:spPr>
           <a:xfrm>
-            <a:off x="10910688" y="785121"/>
-            <a:ext cx="1117935" cy="646331"/>
+            <a:off x="10933611" y="785121"/>
+            <a:ext cx="1072088" cy="646331"/>
           </a:xfrm>
           <a:prstGeom prst="rect">
             <a:avLst/>
@@ -4076,7 +4127,7 @@
             <a:pPr algn="ctr"/>
             <a:r>
               <a:rPr lang="en-US" dirty="0"/>
-              <a:t>Less false </a:t>
+              <a:t>False </a:t>
             </a:r>
           </a:p>
           <a:p>
@@ -4088,10 +4139,98 @@
           </a:p>
         </p:txBody>
       </p:sp>
+      <p:sp>
+        <p:nvSpPr>
+          <p:cNvPr id="14" name="TextBox 13">
+            <a:extLst>
+              <a:ext uri="{FF2B5EF4-FFF2-40B4-BE49-F238E27FC236}">
+                <a16:creationId xmlns:a16="http://schemas.microsoft.com/office/drawing/2014/main" xmlns="" id="{03402B4F-9461-A241-B50B-10605174EFE5}"/>
+              </a:ext>
+            </a:extLst>
+          </p:cNvPr>
+          <p:cNvSpPr txBox="1"/>
+          <p:nvPr/>
+        </p:nvSpPr>
+        <p:spPr>
+          <a:xfrm>
+            <a:off x="10318474" y="5822302"/>
+            <a:ext cx="1230273" cy="646331"/>
+          </a:xfrm>
+          <a:prstGeom prst="rect">
+            <a:avLst/>
+          </a:prstGeom>
+          <a:noFill/>
+        </p:spPr>
+        <p:txBody>
+          <a:bodyPr wrap="none" rtlCol="0">
+            <a:spAutoFit/>
+          </a:bodyPr>
+          <a:lstStyle/>
+          <a:p>
+            <a:pPr algn="ctr"/>
+            <a:r>
+              <a:rPr lang="en-US" dirty="0"/>
+              <a:t>Insufficient</a:t>
+            </a:r>
+          </a:p>
+          <a:p>
+            <a:pPr algn="ctr"/>
+            <a:r>
+              <a:rPr lang="en-US" dirty="0"/>
+              <a:t>data</a:t>
+            </a:r>
+          </a:p>
+        </p:txBody>
+      </p:sp>
+      <p:cxnSp>
+        <p:nvCxnSpPr>
+          <p:cNvPr id="15" name="Straight Arrow Connector 4">
+            <a:extLst>
+              <a:ext uri="{FF2B5EF4-FFF2-40B4-BE49-F238E27FC236}">
+                <a16:creationId xmlns:a16="http://schemas.microsoft.com/office/drawing/2014/main" xmlns="" id="{99F2F860-FFFE-A444-9DBE-C9E99267503F}"/>
+              </a:ext>
+            </a:extLst>
+          </p:cNvPr>
+          <p:cNvCxnSpPr>
+            <a:cxnSpLocks/>
+          </p:cNvCxnSpPr>
+          <p:nvPr/>
+        </p:nvCxnSpPr>
+        <p:spPr>
+          <a:xfrm flipH="1">
+            <a:off x="10235589" y="1492898"/>
+            <a:ext cx="1173044" cy="3337766"/>
+          </a:xfrm>
+          <a:prstGeom prst="straightConnector1">
+            <a:avLst/>
+          </a:prstGeom>
+          <a:ln w="28575">
+            <a:solidFill>
+              <a:srgbClr val="FF0000"/>
+            </a:solidFill>
+            <a:headEnd type="none" w="med" len="med"/>
+            <a:tailEnd type="triangle" w="lg" len="lg"/>
+          </a:ln>
+        </p:spPr>
+        <p:style>
+          <a:lnRef idx="1">
+            <a:schemeClr val="accent1"/>
+          </a:lnRef>
+          <a:fillRef idx="0">
+            <a:schemeClr val="accent1"/>
+          </a:fillRef>
+          <a:effectRef idx="0">
+            <a:schemeClr val="accent1"/>
+          </a:effectRef>
+          <a:fontRef idx="minor">
+            <a:schemeClr val="tx1"/>
+          </a:fontRef>
+        </p:style>
+      </p:cxnSp>
     </p:spTree>
     <p:extLst>
       <p:ext uri="{BB962C8B-B14F-4D97-AF65-F5344CB8AC3E}">
-        <p14:creationId xmlns:p14="http://schemas.microsoft.com/office/powerpoint/2010/main" val="2467116748"/>
+        <p14:creationId xmlns:p14="http://schemas.microsoft.com/office/powerpoint/2010/main" val="3721116030"/>
       </p:ext>
     </p:extLst>
   </p:cSld>
@@ -4118,12 +4257,414 @@
           <a:chExt cx="0" cy="0"/>
         </a:xfrm>
       </p:grpSpPr>
+      <p:pic>
+        <p:nvPicPr>
+          <p:cNvPr id="3" name="Imagen 2"/>
+          <p:cNvPicPr>
+            <a:picLocks noChangeAspect="1"/>
+          </p:cNvPicPr>
+          <p:nvPr/>
+        </p:nvPicPr>
+        <p:blipFill>
+          <a:blip r:embed="rId2"/>
+          <a:stretch>
+            <a:fillRect/>
+          </a:stretch>
+        </p:blipFill>
+        <p:spPr>
+          <a:xfrm>
+            <a:off x="1474693" y="1780777"/>
+            <a:ext cx="8834597" cy="4836000"/>
+          </a:xfrm>
+          <a:prstGeom prst="rect">
+            <a:avLst/>
+          </a:prstGeom>
+        </p:spPr>
+      </p:pic>
+      <p:sp>
+        <p:nvSpPr>
+          <p:cNvPr id="2" name="Título 1"/>
+          <p:cNvSpPr>
+            <a:spLocks noGrp="1"/>
+          </p:cNvSpPr>
+          <p:nvPr>
+            <p:ph type="title"/>
+          </p:nvPr>
+        </p:nvSpPr>
+        <p:spPr/>
+        <p:txBody>
+          <a:bodyPr/>
+          <a:lstStyle/>
+          <a:p>
+            <a:r>
+              <a:rPr lang="es-CO" dirty="0"/>
+              <a:t>Score correction only</a:t>
+            </a:r>
+          </a:p>
+        </p:txBody>
+      </p:sp>
+      <p:cxnSp>
+        <p:nvCxnSpPr>
+          <p:cNvPr id="4" name="Straight Arrow Connector 3">
+            <a:extLst>
+              <a:ext uri="{FF2B5EF4-FFF2-40B4-BE49-F238E27FC236}">
+                <a16:creationId xmlns:a16="http://schemas.microsoft.com/office/drawing/2014/main" xmlns="" id="{E7FE2886-F566-8A46-9120-E43BADA9966C}"/>
+              </a:ext>
+            </a:extLst>
+          </p:cNvPr>
+          <p:cNvCxnSpPr>
+            <a:cxnSpLocks/>
+          </p:cNvCxnSpPr>
+          <p:nvPr/>
+        </p:nvCxnSpPr>
+        <p:spPr>
+          <a:xfrm flipH="1" flipV="1">
+            <a:off x="9322961" y="4910981"/>
+            <a:ext cx="1306286" cy="1361219"/>
+          </a:xfrm>
+          <a:prstGeom prst="straightConnector1">
+            <a:avLst/>
+          </a:prstGeom>
+          <a:ln w="28575">
+            <a:solidFill>
+              <a:srgbClr val="FF0000"/>
+            </a:solidFill>
+            <a:headEnd type="none" w="med" len="med"/>
+            <a:tailEnd type="triangle" w="lg" len="lg"/>
+          </a:ln>
+        </p:spPr>
+        <p:style>
+          <a:lnRef idx="1">
+            <a:schemeClr val="accent1"/>
+          </a:lnRef>
+          <a:fillRef idx="0">
+            <a:schemeClr val="accent1"/>
+          </a:fillRef>
+          <a:effectRef idx="0">
+            <a:schemeClr val="accent1"/>
+          </a:effectRef>
+          <a:fontRef idx="minor">
+            <a:schemeClr val="tx1"/>
+          </a:fontRef>
+        </p:style>
+      </p:cxnSp>
+      <p:sp>
+        <p:nvSpPr>
+          <p:cNvPr id="6" name="TextBox 5">
+            <a:extLst>
+              <a:ext uri="{FF2B5EF4-FFF2-40B4-BE49-F238E27FC236}">
+                <a16:creationId xmlns:a16="http://schemas.microsoft.com/office/drawing/2014/main" xmlns="" id="{789D0C48-B5D0-2A42-9713-CB6873CF10CC}"/>
+              </a:ext>
+            </a:extLst>
+          </p:cNvPr>
+          <p:cNvSpPr txBox="1"/>
+          <p:nvPr/>
+        </p:nvSpPr>
+        <p:spPr>
+          <a:xfrm>
+            <a:off x="10133045" y="5559996"/>
+            <a:ext cx="1735494" cy="1200329"/>
+          </a:xfrm>
+          <a:prstGeom prst="rect">
+            <a:avLst/>
+          </a:prstGeom>
+          <a:noFill/>
+        </p:spPr>
+        <p:txBody>
+          <a:bodyPr wrap="square" rtlCol="0">
+            <a:spAutoFit/>
+          </a:bodyPr>
+          <a:lstStyle/>
+          <a:p>
+            <a:pPr algn="ctr"/>
+            <a:r>
+              <a:rPr lang="en-US" dirty="0"/>
+              <a:t>False </a:t>
+            </a:r>
+          </a:p>
+          <a:p>
+            <a:pPr algn="ctr"/>
+            <a:r>
+              <a:rPr lang="en-US" dirty="0"/>
+              <a:t>Negatives</a:t>
+            </a:r>
+          </a:p>
+          <a:p>
+            <a:pPr algn="ctr"/>
+            <a:r>
+              <a:rPr lang="en-US" dirty="0"/>
+              <a:t>and </a:t>
+            </a:r>
+          </a:p>
+          <a:p>
+            <a:pPr algn="ctr"/>
+            <a:r>
+              <a:rPr lang="en-US" dirty="0"/>
+              <a:t>insufficient data</a:t>
+            </a:r>
+          </a:p>
+        </p:txBody>
+      </p:sp>
+      <p:cxnSp>
+        <p:nvCxnSpPr>
+          <p:cNvPr id="8" name="Straight Arrow Connector 7">
+            <a:extLst>
+              <a:ext uri="{FF2B5EF4-FFF2-40B4-BE49-F238E27FC236}">
+                <a16:creationId xmlns:a16="http://schemas.microsoft.com/office/drawing/2014/main" xmlns="" id="{9D307967-B0D0-8D4D-8067-34149EAE5024}"/>
+              </a:ext>
+            </a:extLst>
+          </p:cNvPr>
+          <p:cNvCxnSpPr>
+            <a:cxnSpLocks/>
+          </p:cNvCxnSpPr>
+          <p:nvPr/>
+        </p:nvCxnSpPr>
+        <p:spPr>
+          <a:xfrm flipH="1">
+            <a:off x="8528698" y="1432574"/>
+            <a:ext cx="2593392" cy="650551"/>
+          </a:xfrm>
+          <a:prstGeom prst="straightConnector1">
+            <a:avLst/>
+          </a:prstGeom>
+          <a:ln w="28575">
+            <a:solidFill>
+              <a:srgbClr val="FF0000"/>
+            </a:solidFill>
+            <a:headEnd type="none" w="med" len="med"/>
+            <a:tailEnd type="triangle" w="lg" len="lg"/>
+          </a:ln>
+        </p:spPr>
+        <p:style>
+          <a:lnRef idx="1">
+            <a:schemeClr val="accent1"/>
+          </a:lnRef>
+          <a:fillRef idx="0">
+            <a:schemeClr val="accent1"/>
+          </a:fillRef>
+          <a:effectRef idx="0">
+            <a:schemeClr val="accent1"/>
+          </a:effectRef>
+          <a:fontRef idx="minor">
+            <a:schemeClr val="tx1"/>
+          </a:fontRef>
+        </p:style>
+      </p:cxnSp>
+      <p:sp>
+        <p:nvSpPr>
+          <p:cNvPr id="9" name="TextBox 8">
+            <a:extLst>
+              <a:ext uri="{FF2B5EF4-FFF2-40B4-BE49-F238E27FC236}">
+                <a16:creationId xmlns:a16="http://schemas.microsoft.com/office/drawing/2014/main" xmlns="" id="{2FC1F1EF-FC6E-7540-9E06-C4999F813FC3}"/>
+              </a:ext>
+            </a:extLst>
+          </p:cNvPr>
+          <p:cNvSpPr txBox="1"/>
+          <p:nvPr/>
+        </p:nvSpPr>
+        <p:spPr>
+          <a:xfrm>
+            <a:off x="10933611" y="785121"/>
+            <a:ext cx="1072088" cy="646331"/>
+          </a:xfrm>
+          <a:prstGeom prst="rect">
+            <a:avLst/>
+          </a:prstGeom>
+          <a:noFill/>
+        </p:spPr>
+        <p:txBody>
+          <a:bodyPr wrap="none" rtlCol="0">
+            <a:spAutoFit/>
+          </a:bodyPr>
+          <a:lstStyle/>
+          <a:p>
+            <a:pPr algn="ctr"/>
+            <a:r>
+              <a:rPr lang="en-US" dirty="0"/>
+              <a:t>False </a:t>
+            </a:r>
+          </a:p>
+          <a:p>
+            <a:pPr algn="ctr"/>
+            <a:r>
+              <a:rPr lang="en-US" dirty="0"/>
+              <a:t>negatives</a:t>
+            </a:r>
+          </a:p>
+        </p:txBody>
+      </p:sp>
+      <p:cxnSp>
+        <p:nvCxnSpPr>
+          <p:cNvPr id="10" name="Straight Arrow Connector 9">
+            <a:extLst>
+              <a:ext uri="{FF2B5EF4-FFF2-40B4-BE49-F238E27FC236}">
+                <a16:creationId xmlns:a16="http://schemas.microsoft.com/office/drawing/2014/main" xmlns="" id="{D9FED2B4-98DB-A044-AA0C-01DDE072259C}"/>
+              </a:ext>
+            </a:extLst>
+          </p:cNvPr>
+          <p:cNvCxnSpPr>
+            <a:cxnSpLocks/>
+          </p:cNvCxnSpPr>
+          <p:nvPr/>
+        </p:nvCxnSpPr>
+        <p:spPr>
+          <a:xfrm flipH="1" flipV="1">
+            <a:off x="10133045" y="3075805"/>
+            <a:ext cx="1103604" cy="807616"/>
+          </a:xfrm>
+          <a:prstGeom prst="straightConnector1">
+            <a:avLst/>
+          </a:prstGeom>
+          <a:ln w="28575">
+            <a:solidFill>
+              <a:schemeClr val="accent5">
+                <a:lumMod val="75000"/>
+              </a:schemeClr>
+            </a:solidFill>
+            <a:headEnd type="none" w="med" len="med"/>
+            <a:tailEnd type="triangle" w="lg" len="lg"/>
+          </a:ln>
+        </p:spPr>
+        <p:style>
+          <a:lnRef idx="1">
+            <a:schemeClr val="accent1"/>
+          </a:lnRef>
+          <a:fillRef idx="0">
+            <a:schemeClr val="accent1"/>
+          </a:fillRef>
+          <a:effectRef idx="0">
+            <a:schemeClr val="accent1"/>
+          </a:effectRef>
+          <a:fontRef idx="minor">
+            <a:schemeClr val="tx1"/>
+          </a:fontRef>
+        </p:style>
+      </p:cxnSp>
+      <p:sp>
+        <p:nvSpPr>
+          <p:cNvPr id="13" name="TextBox 12">
+            <a:extLst>
+              <a:ext uri="{FF2B5EF4-FFF2-40B4-BE49-F238E27FC236}">
+                <a16:creationId xmlns:a16="http://schemas.microsoft.com/office/drawing/2014/main" xmlns="" id="{777A7566-2F7B-9746-90A3-C8CA66F1755A}"/>
+              </a:ext>
+            </a:extLst>
+          </p:cNvPr>
+          <p:cNvSpPr txBox="1"/>
+          <p:nvPr/>
+        </p:nvSpPr>
+        <p:spPr>
+          <a:xfrm>
+            <a:off x="10933611" y="3875611"/>
+            <a:ext cx="1065035" cy="646331"/>
+          </a:xfrm>
+          <a:prstGeom prst="rect">
+            <a:avLst/>
+          </a:prstGeom>
+          <a:noFill/>
+        </p:spPr>
+        <p:txBody>
+          <a:bodyPr wrap="none" rtlCol="0">
+            <a:spAutoFit/>
+          </a:bodyPr>
+          <a:lstStyle/>
+          <a:p>
+            <a:r>
+              <a:rPr lang="en-US" dirty="0"/>
+              <a:t>Less false</a:t>
+            </a:r>
+          </a:p>
+          <a:p>
+            <a:r>
+              <a:rPr lang="en-US" dirty="0"/>
+              <a:t>negatives</a:t>
+            </a:r>
+          </a:p>
+        </p:txBody>
+      </p:sp>
+    </p:spTree>
+    <p:extLst>
+      <p:ext uri="{BB962C8B-B14F-4D97-AF65-F5344CB8AC3E}">
+        <p14:creationId xmlns:p14="http://schemas.microsoft.com/office/powerpoint/2010/main" val="2016186426"/>
+      </p:ext>
+    </p:extLst>
+  </p:cSld>
+  <p:clrMapOvr>
+    <a:masterClrMapping/>
+  </p:clrMapOvr>
+</p:sld>
+</file>
+
+<file path=ppt/slides/slide7.xml><?xml version="1.0" encoding="utf-8"?>
+<p:sld xmlns:a="http://schemas.openxmlformats.org/drawingml/2006/main" xmlns:r="http://schemas.openxmlformats.org/officeDocument/2006/relationships" xmlns:p="http://schemas.openxmlformats.org/presentationml/2006/main">
+  <p:cSld>
+    <p:spTree>
+      <p:nvGrpSpPr>
+        <p:cNvPr id="1" name=""/>
+        <p:cNvGrpSpPr/>
+        <p:nvPr/>
+      </p:nvGrpSpPr>
+      <p:grpSpPr>
+        <a:xfrm>
+          <a:off x="0" y="0"/>
+          <a:ext cx="0" cy="0"/>
+          <a:chOff x="0" y="0"/>
+          <a:chExt cx="0" cy="0"/>
+        </a:xfrm>
+      </p:grpSpPr>
+      <p:pic>
+        <p:nvPicPr>
+          <p:cNvPr id="3" name="Imagen 2"/>
+          <p:cNvPicPr>
+            <a:picLocks noChangeAspect="1"/>
+          </p:cNvPicPr>
+          <p:nvPr/>
+        </p:nvPicPr>
+        <p:blipFill>
+          <a:blip r:embed="rId2"/>
+          <a:stretch>
+            <a:fillRect/>
+          </a:stretch>
+        </p:blipFill>
+        <p:spPr>
+          <a:xfrm>
+            <a:off x="5861304" y="2262140"/>
+            <a:ext cx="6081601" cy="3329028"/>
+          </a:xfrm>
+          <a:prstGeom prst="rect">
+            <a:avLst/>
+          </a:prstGeom>
+        </p:spPr>
+      </p:pic>
+      <p:pic>
+        <p:nvPicPr>
+          <p:cNvPr id="9" name="Imagen 8"/>
+          <p:cNvPicPr>
+            <a:picLocks noChangeAspect="1"/>
+          </p:cNvPicPr>
+          <p:nvPr/>
+        </p:nvPicPr>
+        <p:blipFill>
+          <a:blip r:embed="rId3"/>
+          <a:stretch>
+            <a:fillRect/>
+          </a:stretch>
+        </p:blipFill>
+        <p:spPr>
+          <a:xfrm>
+            <a:off x="263134" y="2367724"/>
+            <a:ext cx="5747349" cy="3141964"/>
+          </a:xfrm>
+          <a:prstGeom prst="rect">
+            <a:avLst/>
+          </a:prstGeom>
+        </p:spPr>
+      </p:pic>
       <p:sp>
         <p:nvSpPr>
           <p:cNvPr id="2" name="Title 1">
             <a:extLst>
               <a:ext uri="{FF2B5EF4-FFF2-40B4-BE49-F238E27FC236}">
-                <a16:creationId xmlns:a16="http://schemas.microsoft.com/office/drawing/2014/main" id="{3E46E269-ED81-D54B-8ACC-DB9E4BF1C28D}"/>
+                <a16:creationId xmlns:a16="http://schemas.microsoft.com/office/drawing/2014/main" xmlns="" id="{3E46E269-ED81-D54B-8ACC-DB9E4BF1C28D}"/>
               </a:ext>
             </a:extLst>
           </p:cNvPr>
@@ -4141,17 +4682,288 @@
           <a:p>
             <a:r>
               <a:rPr lang="en-US" dirty="0"/>
-              <a:t>Effect on parameter recovery</a:t>
-            </a:r>
-          </a:p>
-        </p:txBody>
-      </p:sp>
-      <p:sp>
-        <p:nvSpPr>
-          <p:cNvPr id="3" name="Content Placeholder 2">
+              <a:t>Effect on parameter </a:t>
+            </a:r>
+            <a:r>
+              <a:rPr lang="en-US" dirty="0" smtClean="0"/>
+              <a:t>recovery (Score correction)</a:t>
+            </a:r>
+            <a:endParaRPr lang="en-US" dirty="0"/>
+          </a:p>
+        </p:txBody>
+      </p:sp>
+      <p:sp>
+        <p:nvSpPr>
+          <p:cNvPr id="6" name="CuadroTexto 5"/>
+          <p:cNvSpPr txBox="1"/>
+          <p:nvPr/>
+        </p:nvSpPr>
+        <p:spPr>
+          <a:xfrm>
+            <a:off x="2770632" y="1892808"/>
+            <a:ext cx="986039" cy="369332"/>
+          </a:xfrm>
+          <a:prstGeom prst="rect">
+            <a:avLst/>
+          </a:prstGeom>
+          <a:noFill/>
+        </p:spPr>
+        <p:txBody>
+          <a:bodyPr wrap="none" rtlCol="0">
+            <a:spAutoFit/>
+          </a:bodyPr>
+          <a:lstStyle/>
+          <a:p>
+            <a:r>
+              <a:rPr lang="es-CO" dirty="0" smtClean="0"/>
+              <a:t>Full data</a:t>
+            </a:r>
+            <a:endParaRPr lang="es-CO" dirty="0"/>
+          </a:p>
+        </p:txBody>
+      </p:sp>
+      <p:sp>
+        <p:nvSpPr>
+          <p:cNvPr id="7" name="CuadroTexto 6"/>
+          <p:cNvSpPr txBox="1"/>
+          <p:nvPr/>
+        </p:nvSpPr>
+        <p:spPr>
+          <a:xfrm>
+            <a:off x="7410496" y="1892808"/>
+            <a:ext cx="3247107" cy="369332"/>
+          </a:xfrm>
+          <a:prstGeom prst="rect">
+            <a:avLst/>
+          </a:prstGeom>
+          <a:noFill/>
+        </p:spPr>
+        <p:txBody>
+          <a:bodyPr wrap="none" rtlCol="0">
+            <a:spAutoFit/>
+          </a:bodyPr>
+          <a:lstStyle/>
+          <a:p>
+            <a:r>
+              <a:rPr lang="es-CO" dirty="0" err="1" smtClean="0"/>
+              <a:t>Only</a:t>
+            </a:r>
+            <a:r>
+              <a:rPr lang="es-CO" dirty="0" smtClean="0"/>
+              <a:t> rounds </a:t>
+            </a:r>
+            <a:r>
+              <a:rPr lang="es-CO" dirty="0" err="1" smtClean="0"/>
+              <a:t>with</a:t>
+            </a:r>
+            <a:r>
+              <a:rPr lang="es-CO" dirty="0" smtClean="0"/>
+              <a:t> </a:t>
+            </a:r>
+            <a:r>
+              <a:rPr lang="es-CO" dirty="0" err="1" smtClean="0"/>
+              <a:t>unicorn</a:t>
+            </a:r>
+            <a:r>
+              <a:rPr lang="es-CO" dirty="0" smtClean="0"/>
+              <a:t> </a:t>
+            </a:r>
+            <a:r>
+              <a:rPr lang="es-CO" dirty="0" err="1" smtClean="0"/>
+              <a:t>absent</a:t>
+            </a:r>
+            <a:endParaRPr lang="es-CO" dirty="0"/>
+          </a:p>
+        </p:txBody>
+      </p:sp>
+      <p:sp>
+        <p:nvSpPr>
+          <p:cNvPr id="11" name="Elipse 10"/>
+          <p:cNvSpPr/>
+          <p:nvPr/>
+        </p:nvSpPr>
+        <p:spPr>
+          <a:xfrm>
+            <a:off x="11125200" y="2624328"/>
+            <a:ext cx="662257" cy="841248"/>
+          </a:xfrm>
+          <a:prstGeom prst="ellipse">
+            <a:avLst/>
+          </a:prstGeom>
+          <a:noFill/>
+          <a:ln w="28575">
+            <a:solidFill>
+              <a:srgbClr val="FF0000"/>
+            </a:solidFill>
+          </a:ln>
+        </p:spPr>
+        <p:style>
+          <a:lnRef idx="2">
+            <a:schemeClr val="accent1">
+              <a:shade val="50000"/>
+            </a:schemeClr>
+          </a:lnRef>
+          <a:fillRef idx="1">
+            <a:schemeClr val="accent1"/>
+          </a:fillRef>
+          <a:effectRef idx="0">
+            <a:schemeClr val="accent1"/>
+          </a:effectRef>
+          <a:fontRef idx="minor">
+            <a:schemeClr val="lt1"/>
+          </a:fontRef>
+        </p:style>
+        <p:txBody>
+          <a:bodyPr rtlCol="0" anchor="ctr"/>
+          <a:lstStyle/>
+          <a:p>
+            <a:pPr algn="ctr"/>
+            <a:endParaRPr lang="es-CO"/>
+          </a:p>
+        </p:txBody>
+      </p:sp>
+      <p:sp>
+        <p:nvSpPr>
+          <p:cNvPr id="12" name="CuadroTexto 11"/>
+          <p:cNvSpPr txBox="1"/>
+          <p:nvPr/>
+        </p:nvSpPr>
+        <p:spPr>
+          <a:xfrm>
+            <a:off x="9155395" y="5907024"/>
+            <a:ext cx="1048685" cy="369332"/>
+          </a:xfrm>
+          <a:prstGeom prst="rect">
+            <a:avLst/>
+          </a:prstGeom>
+          <a:noFill/>
+        </p:spPr>
+        <p:txBody>
+          <a:bodyPr wrap="none" rtlCol="0">
+            <a:spAutoFit/>
+          </a:bodyPr>
+          <a:lstStyle/>
+          <a:p>
+            <a:r>
+              <a:rPr lang="es-CO" dirty="0">
+                <a:sym typeface="Symbol" panose="05050102010706020507" pitchFamily="18" charset="2"/>
+              </a:rPr>
+              <a:t></a:t>
+            </a:r>
+            <a:r>
+              <a:rPr lang="es-CO" dirty="0" smtClean="0"/>
+              <a:t> = 29,43</a:t>
+            </a:r>
+            <a:endParaRPr lang="es-CO" dirty="0"/>
+          </a:p>
+        </p:txBody>
+      </p:sp>
+      <p:sp>
+        <p:nvSpPr>
+          <p:cNvPr id="13" name="Elipse 12"/>
+          <p:cNvSpPr/>
+          <p:nvPr/>
+        </p:nvSpPr>
+        <p:spPr>
+          <a:xfrm>
+            <a:off x="9108222" y="5671066"/>
+            <a:ext cx="1124712" cy="841248"/>
+          </a:xfrm>
+          <a:prstGeom prst="ellipse">
+            <a:avLst/>
+          </a:prstGeom>
+          <a:noFill/>
+          <a:ln w="28575">
+            <a:solidFill>
+              <a:srgbClr val="FF0000"/>
+            </a:solidFill>
+          </a:ln>
+        </p:spPr>
+        <p:style>
+          <a:lnRef idx="2">
+            <a:schemeClr val="accent1">
+              <a:shade val="50000"/>
+            </a:schemeClr>
+          </a:lnRef>
+          <a:fillRef idx="1">
+            <a:schemeClr val="accent1"/>
+          </a:fillRef>
+          <a:effectRef idx="0">
+            <a:schemeClr val="accent1"/>
+          </a:effectRef>
+          <a:fontRef idx="minor">
+            <a:schemeClr val="lt1"/>
+          </a:fontRef>
+        </p:style>
+        <p:txBody>
+          <a:bodyPr rtlCol="0" anchor="ctr"/>
+          <a:lstStyle/>
+          <a:p>
+            <a:pPr algn="ctr"/>
+            <a:endParaRPr lang="es-CO"/>
+          </a:p>
+        </p:txBody>
+      </p:sp>
+    </p:spTree>
+    <p:extLst>
+      <p:ext uri="{BB962C8B-B14F-4D97-AF65-F5344CB8AC3E}">
+        <p14:creationId xmlns:p14="http://schemas.microsoft.com/office/powerpoint/2010/main" val="1631991408"/>
+      </p:ext>
+    </p:extLst>
+  </p:cSld>
+  <p:clrMapOvr>
+    <a:masterClrMapping/>
+  </p:clrMapOvr>
+</p:sld>
+</file>
+
+<file path=ppt/slides/slide8.xml><?xml version="1.0" encoding="utf-8"?>
+<p:sld xmlns:a="http://schemas.openxmlformats.org/drawingml/2006/main" xmlns:r="http://schemas.openxmlformats.org/officeDocument/2006/relationships" xmlns:p="http://schemas.openxmlformats.org/presentationml/2006/main">
+  <p:cSld>
+    <p:spTree>
+      <p:nvGrpSpPr>
+        <p:cNvPr id="1" name=""/>
+        <p:cNvGrpSpPr/>
+        <p:nvPr/>
+      </p:nvGrpSpPr>
+      <p:grpSpPr>
+        <a:xfrm>
+          <a:off x="0" y="0"/>
+          <a:ext cx="0" cy="0"/>
+          <a:chOff x="0" y="0"/>
+          <a:chExt cx="0" cy="0"/>
+        </a:xfrm>
+      </p:grpSpPr>
+      <p:pic>
+        <p:nvPicPr>
+          <p:cNvPr id="7" name="Imagen 6"/>
+          <p:cNvPicPr>
+            <a:picLocks noChangeAspect="1"/>
+          </p:cNvPicPr>
+          <p:nvPr/>
+        </p:nvPicPr>
+        <p:blipFill>
+          <a:blip r:embed="rId2"/>
+          <a:stretch>
+            <a:fillRect/>
+          </a:stretch>
+        </p:blipFill>
+        <p:spPr>
+          <a:xfrm>
+            <a:off x="1505524" y="1757849"/>
+            <a:ext cx="9180952" cy="5019048"/>
+          </a:xfrm>
+          <a:prstGeom prst="rect">
+            <a:avLst/>
+          </a:prstGeom>
+        </p:spPr>
+      </p:pic>
+      <p:sp>
+        <p:nvSpPr>
+          <p:cNvPr id="2" name="Title 1">
             <a:extLst>
               <a:ext uri="{FF2B5EF4-FFF2-40B4-BE49-F238E27FC236}">
-                <a16:creationId xmlns:a16="http://schemas.microsoft.com/office/drawing/2014/main" id="{E1F1C9A0-4011-054B-B18D-763A606C0A18}"/>
+                <a16:creationId xmlns:a16="http://schemas.microsoft.com/office/drawing/2014/main" xmlns="" id="{D232E6B4-C860-6E4B-A678-30C4A534D1CE}"/>
               </a:ext>
             </a:extLst>
           </p:cNvPr>
@@ -4159,7 +4971,7 @@
             <a:spLocks noGrp="1"/>
           </p:cNvSpPr>
           <p:nvPr>
-            <p:ph idx="1"/>
+            <p:ph type="title"/>
           </p:nvPr>
         </p:nvSpPr>
         <p:spPr/>
@@ -4167,14 +4979,541 @@
           <a:bodyPr/>
           <a:lstStyle/>
           <a:p>
-            <a:endParaRPr lang="en-US"/>
-          </a:p>
-        </p:txBody>
-      </p:sp>
+            <a:r>
+              <a:rPr lang="en-US" dirty="0"/>
+              <a:t>No corrections – Only Unicorn Absent</a:t>
+            </a:r>
+          </a:p>
+        </p:txBody>
+      </p:sp>
+      <p:cxnSp>
+        <p:nvCxnSpPr>
+          <p:cNvPr id="5" name="Straight Arrow Connector 4">
+            <a:extLst>
+              <a:ext uri="{FF2B5EF4-FFF2-40B4-BE49-F238E27FC236}">
+                <a16:creationId xmlns:a16="http://schemas.microsoft.com/office/drawing/2014/main" xmlns="" id="{99F2F860-FFFE-A444-9DBE-C9E99267503F}"/>
+              </a:ext>
+            </a:extLst>
+          </p:cNvPr>
+          <p:cNvCxnSpPr>
+            <a:cxnSpLocks/>
+          </p:cNvCxnSpPr>
+          <p:nvPr/>
+        </p:nvCxnSpPr>
+        <p:spPr>
+          <a:xfrm flipH="1">
+            <a:off x="10506456" y="1492898"/>
+            <a:ext cx="615634" cy="1661782"/>
+          </a:xfrm>
+          <a:prstGeom prst="straightConnector1">
+            <a:avLst/>
+          </a:prstGeom>
+          <a:ln w="28575">
+            <a:solidFill>
+              <a:srgbClr val="FF0000"/>
+            </a:solidFill>
+            <a:headEnd type="none" w="med" len="med"/>
+            <a:tailEnd type="triangle" w="lg" len="lg"/>
+          </a:ln>
+        </p:spPr>
+        <p:style>
+          <a:lnRef idx="1">
+            <a:schemeClr val="accent1"/>
+          </a:lnRef>
+          <a:fillRef idx="0">
+            <a:schemeClr val="accent1"/>
+          </a:fillRef>
+          <a:effectRef idx="0">
+            <a:schemeClr val="accent1"/>
+          </a:effectRef>
+          <a:fontRef idx="minor">
+            <a:schemeClr val="tx1"/>
+          </a:fontRef>
+        </p:style>
+      </p:cxnSp>
+      <p:cxnSp>
+        <p:nvCxnSpPr>
+          <p:cNvPr id="8" name="Straight Arrow Connector 7">
+            <a:extLst>
+              <a:ext uri="{FF2B5EF4-FFF2-40B4-BE49-F238E27FC236}">
+                <a16:creationId xmlns:a16="http://schemas.microsoft.com/office/drawing/2014/main" xmlns="" id="{8B3B9B68-0DFD-6749-A842-9F4CBBB3F1ED}"/>
+              </a:ext>
+            </a:extLst>
+          </p:cNvPr>
+          <p:cNvCxnSpPr>
+            <a:cxnSpLocks/>
+          </p:cNvCxnSpPr>
+          <p:nvPr/>
+        </p:nvCxnSpPr>
+        <p:spPr>
+          <a:xfrm flipH="1" flipV="1">
+            <a:off x="9610344" y="5138928"/>
+            <a:ext cx="1250490" cy="683375"/>
+          </a:xfrm>
+          <a:prstGeom prst="straightConnector1">
+            <a:avLst/>
+          </a:prstGeom>
+          <a:ln w="28575">
+            <a:solidFill>
+              <a:srgbClr val="FF0000"/>
+            </a:solidFill>
+            <a:headEnd type="none" w="med" len="med"/>
+            <a:tailEnd type="triangle" w="lg" len="lg"/>
+          </a:ln>
+        </p:spPr>
+        <p:style>
+          <a:lnRef idx="1">
+            <a:schemeClr val="accent1"/>
+          </a:lnRef>
+          <a:fillRef idx="0">
+            <a:schemeClr val="accent1"/>
+          </a:fillRef>
+          <a:effectRef idx="0">
+            <a:schemeClr val="accent1"/>
+          </a:effectRef>
+          <a:fontRef idx="minor">
+            <a:schemeClr val="tx1"/>
+          </a:fontRef>
+        </p:style>
+      </p:cxnSp>
+      <p:sp>
+        <p:nvSpPr>
+          <p:cNvPr id="13" name="TextBox 12">
+            <a:extLst>
+              <a:ext uri="{FF2B5EF4-FFF2-40B4-BE49-F238E27FC236}">
+                <a16:creationId xmlns:a16="http://schemas.microsoft.com/office/drawing/2014/main" xmlns="" id="{2C88622C-E091-B944-94AC-EDD910C7C058}"/>
+              </a:ext>
+            </a:extLst>
+          </p:cNvPr>
+          <p:cNvSpPr txBox="1"/>
+          <p:nvPr/>
+        </p:nvSpPr>
+        <p:spPr>
+          <a:xfrm>
+            <a:off x="10933611" y="785121"/>
+            <a:ext cx="1072088" cy="646331"/>
+          </a:xfrm>
+          <a:prstGeom prst="rect">
+            <a:avLst/>
+          </a:prstGeom>
+          <a:noFill/>
+        </p:spPr>
+        <p:txBody>
+          <a:bodyPr wrap="none" rtlCol="0">
+            <a:spAutoFit/>
+          </a:bodyPr>
+          <a:lstStyle/>
+          <a:p>
+            <a:pPr algn="ctr"/>
+            <a:r>
+              <a:rPr lang="en-US" dirty="0"/>
+              <a:t>False </a:t>
+            </a:r>
+          </a:p>
+          <a:p>
+            <a:pPr algn="ctr"/>
+            <a:r>
+              <a:rPr lang="en-US" dirty="0"/>
+              <a:t>negatives</a:t>
+            </a:r>
+          </a:p>
+        </p:txBody>
+      </p:sp>
+      <p:sp>
+        <p:nvSpPr>
+          <p:cNvPr id="14" name="TextBox 13">
+            <a:extLst>
+              <a:ext uri="{FF2B5EF4-FFF2-40B4-BE49-F238E27FC236}">
+                <a16:creationId xmlns:a16="http://schemas.microsoft.com/office/drawing/2014/main" xmlns="" id="{03402B4F-9461-A241-B50B-10605174EFE5}"/>
+              </a:ext>
+            </a:extLst>
+          </p:cNvPr>
+          <p:cNvSpPr txBox="1"/>
+          <p:nvPr/>
+        </p:nvSpPr>
+        <p:spPr>
+          <a:xfrm>
+            <a:off x="10318474" y="5822302"/>
+            <a:ext cx="1230273" cy="646331"/>
+          </a:xfrm>
+          <a:prstGeom prst="rect">
+            <a:avLst/>
+          </a:prstGeom>
+          <a:noFill/>
+        </p:spPr>
+        <p:txBody>
+          <a:bodyPr wrap="none" rtlCol="0">
+            <a:spAutoFit/>
+          </a:bodyPr>
+          <a:lstStyle/>
+          <a:p>
+            <a:pPr algn="ctr"/>
+            <a:r>
+              <a:rPr lang="en-US" dirty="0"/>
+              <a:t>Insufficient</a:t>
+            </a:r>
+          </a:p>
+          <a:p>
+            <a:pPr algn="ctr"/>
+            <a:r>
+              <a:rPr lang="en-US" dirty="0"/>
+              <a:t>data</a:t>
+            </a:r>
+          </a:p>
+        </p:txBody>
+      </p:sp>
+      <p:cxnSp>
+        <p:nvCxnSpPr>
+          <p:cNvPr id="15" name="Straight Arrow Connector 4">
+            <a:extLst>
+              <a:ext uri="{FF2B5EF4-FFF2-40B4-BE49-F238E27FC236}">
+                <a16:creationId xmlns:a16="http://schemas.microsoft.com/office/drawing/2014/main" xmlns="" id="{99F2F860-FFFE-A444-9DBE-C9E99267503F}"/>
+              </a:ext>
+            </a:extLst>
+          </p:cNvPr>
+          <p:cNvCxnSpPr>
+            <a:cxnSpLocks/>
+          </p:cNvCxnSpPr>
+          <p:nvPr/>
+        </p:nvCxnSpPr>
+        <p:spPr>
+          <a:xfrm flipH="1">
+            <a:off x="10235589" y="1492898"/>
+            <a:ext cx="1173044" cy="3337766"/>
+          </a:xfrm>
+          <a:prstGeom prst="straightConnector1">
+            <a:avLst/>
+          </a:prstGeom>
+          <a:ln w="28575">
+            <a:solidFill>
+              <a:srgbClr val="FF0000"/>
+            </a:solidFill>
+            <a:headEnd type="none" w="med" len="med"/>
+            <a:tailEnd type="triangle" w="lg" len="lg"/>
+          </a:ln>
+        </p:spPr>
+        <p:style>
+          <a:lnRef idx="1">
+            <a:schemeClr val="accent1"/>
+          </a:lnRef>
+          <a:fillRef idx="0">
+            <a:schemeClr val="accent1"/>
+          </a:fillRef>
+          <a:effectRef idx="0">
+            <a:schemeClr val="accent1"/>
+          </a:effectRef>
+          <a:fontRef idx="minor">
+            <a:schemeClr val="tx1"/>
+          </a:fontRef>
+        </p:style>
+      </p:cxnSp>
     </p:spTree>
     <p:extLst>
       <p:ext uri="{BB962C8B-B14F-4D97-AF65-F5344CB8AC3E}">
-        <p14:creationId xmlns:p14="http://schemas.microsoft.com/office/powerpoint/2010/main" val="2245663477"/>
+        <p14:creationId xmlns:p14="http://schemas.microsoft.com/office/powerpoint/2010/main" val="3166593787"/>
+      </p:ext>
+    </p:extLst>
+  </p:cSld>
+  <p:clrMapOvr>
+    <a:masterClrMapping/>
+  </p:clrMapOvr>
+</p:sld>
+</file>
+
+<file path=ppt/slides/slide9.xml><?xml version="1.0" encoding="utf-8"?>
+<p:sld xmlns:a="http://schemas.openxmlformats.org/drawingml/2006/main" xmlns:r="http://schemas.openxmlformats.org/officeDocument/2006/relationships" xmlns:p="http://schemas.openxmlformats.org/presentationml/2006/main">
+  <p:cSld>
+    <p:spTree>
+      <p:nvGrpSpPr>
+        <p:cNvPr id="1" name=""/>
+        <p:cNvGrpSpPr/>
+        <p:nvPr/>
+      </p:nvGrpSpPr>
+      <p:grpSpPr>
+        <a:xfrm>
+          <a:off x="0" y="0"/>
+          <a:ext cx="0" cy="0"/>
+          <a:chOff x="0" y="0"/>
+          <a:chExt cx="0" cy="0"/>
+        </a:xfrm>
+      </p:grpSpPr>
+      <p:pic>
+        <p:nvPicPr>
+          <p:cNvPr id="3" name="Imagen 2"/>
+          <p:cNvPicPr>
+            <a:picLocks noChangeAspect="1"/>
+          </p:cNvPicPr>
+          <p:nvPr/>
+        </p:nvPicPr>
+        <p:blipFill>
+          <a:blip r:embed="rId2"/>
+          <a:stretch>
+            <a:fillRect/>
+          </a:stretch>
+        </p:blipFill>
+        <p:spPr>
+          <a:xfrm>
+            <a:off x="1434661" y="1757849"/>
+            <a:ext cx="8755015" cy="4792437"/>
+          </a:xfrm>
+          <a:prstGeom prst="rect">
+            <a:avLst/>
+          </a:prstGeom>
+        </p:spPr>
+      </p:pic>
+      <p:sp>
+        <p:nvSpPr>
+          <p:cNvPr id="2" name="Título 1"/>
+          <p:cNvSpPr>
+            <a:spLocks noGrp="1"/>
+          </p:cNvSpPr>
+          <p:nvPr>
+            <p:ph type="title"/>
+          </p:nvPr>
+        </p:nvSpPr>
+        <p:spPr/>
+        <p:txBody>
+          <a:bodyPr>
+            <a:normAutofit/>
+          </a:bodyPr>
+          <a:lstStyle/>
+          <a:p>
+            <a:r>
+              <a:rPr lang="es-CO" dirty="0"/>
+              <a:t>Estimating Unicorn-Present-Blocks and score correction</a:t>
+            </a:r>
+          </a:p>
+        </p:txBody>
+      </p:sp>
+      <p:cxnSp>
+        <p:nvCxnSpPr>
+          <p:cNvPr id="4" name="Straight Arrow Connector 3">
+            <a:extLst>
+              <a:ext uri="{FF2B5EF4-FFF2-40B4-BE49-F238E27FC236}">
+                <a16:creationId xmlns:a16="http://schemas.microsoft.com/office/drawing/2014/main" xmlns="" id="{6D938FC0-98E1-BE4B-92E7-3628D5F9891A}"/>
+              </a:ext>
+            </a:extLst>
+          </p:cNvPr>
+          <p:cNvCxnSpPr>
+            <a:cxnSpLocks/>
+          </p:cNvCxnSpPr>
+          <p:nvPr/>
+        </p:nvCxnSpPr>
+        <p:spPr>
+          <a:xfrm flipH="1" flipV="1">
+            <a:off x="9208008" y="5111496"/>
+            <a:ext cx="1652826" cy="710807"/>
+          </a:xfrm>
+          <a:prstGeom prst="straightConnector1">
+            <a:avLst/>
+          </a:prstGeom>
+          <a:ln w="28575">
+            <a:solidFill>
+              <a:srgbClr val="FF0000"/>
+            </a:solidFill>
+            <a:headEnd type="none" w="med" len="med"/>
+            <a:tailEnd type="triangle" w="lg" len="lg"/>
+          </a:ln>
+        </p:spPr>
+        <p:style>
+          <a:lnRef idx="1">
+            <a:schemeClr val="accent1"/>
+          </a:lnRef>
+          <a:fillRef idx="0">
+            <a:schemeClr val="accent1"/>
+          </a:fillRef>
+          <a:effectRef idx="0">
+            <a:schemeClr val="accent1"/>
+          </a:effectRef>
+          <a:fontRef idx="minor">
+            <a:schemeClr val="tx1"/>
+          </a:fontRef>
+        </p:style>
+      </p:cxnSp>
+      <p:sp>
+        <p:nvSpPr>
+          <p:cNvPr id="6" name="TextBox 5">
+            <a:extLst>
+              <a:ext uri="{FF2B5EF4-FFF2-40B4-BE49-F238E27FC236}">
+                <a16:creationId xmlns:a16="http://schemas.microsoft.com/office/drawing/2014/main" xmlns="" id="{7858C9E8-A3DE-8448-AF9A-E30BADCA89B8}"/>
+              </a:ext>
+            </a:extLst>
+          </p:cNvPr>
+          <p:cNvSpPr txBox="1"/>
+          <p:nvPr/>
+        </p:nvSpPr>
+        <p:spPr>
+          <a:xfrm>
+            <a:off x="10318474" y="5822302"/>
+            <a:ext cx="1230273" cy="646331"/>
+          </a:xfrm>
+          <a:prstGeom prst="rect">
+            <a:avLst/>
+          </a:prstGeom>
+          <a:noFill/>
+        </p:spPr>
+        <p:txBody>
+          <a:bodyPr wrap="none" rtlCol="0">
+            <a:spAutoFit/>
+          </a:bodyPr>
+          <a:lstStyle/>
+          <a:p>
+            <a:pPr algn="ctr"/>
+            <a:r>
+              <a:rPr lang="en-US" dirty="0"/>
+              <a:t>Insufficient</a:t>
+            </a:r>
+          </a:p>
+          <a:p>
+            <a:pPr algn="ctr"/>
+            <a:r>
+              <a:rPr lang="en-US" dirty="0"/>
+              <a:t>data</a:t>
+            </a:r>
+          </a:p>
+        </p:txBody>
+      </p:sp>
+      <p:cxnSp>
+        <p:nvCxnSpPr>
+          <p:cNvPr id="7" name="Straight Arrow Connector 6">
+            <a:extLst>
+              <a:ext uri="{FF2B5EF4-FFF2-40B4-BE49-F238E27FC236}">
+                <a16:creationId xmlns:a16="http://schemas.microsoft.com/office/drawing/2014/main" xmlns="" id="{691C899B-044B-0B46-851B-F8AB34F1D65D}"/>
+              </a:ext>
+            </a:extLst>
+          </p:cNvPr>
+          <p:cNvCxnSpPr>
+            <a:cxnSpLocks/>
+          </p:cNvCxnSpPr>
+          <p:nvPr/>
+        </p:nvCxnSpPr>
+        <p:spPr>
+          <a:xfrm flipH="1">
+            <a:off x="10030968" y="1492898"/>
+            <a:ext cx="1091122" cy="1469758"/>
+          </a:xfrm>
+          <a:prstGeom prst="straightConnector1">
+            <a:avLst/>
+          </a:prstGeom>
+          <a:ln w="28575">
+            <a:solidFill>
+              <a:schemeClr val="accent5">
+                <a:lumMod val="75000"/>
+              </a:schemeClr>
+            </a:solidFill>
+            <a:headEnd type="none" w="med" len="med"/>
+            <a:tailEnd type="triangle" w="lg" len="lg"/>
+          </a:ln>
+        </p:spPr>
+        <p:style>
+          <a:lnRef idx="1">
+            <a:schemeClr val="accent1"/>
+          </a:lnRef>
+          <a:fillRef idx="0">
+            <a:schemeClr val="accent1"/>
+          </a:fillRef>
+          <a:effectRef idx="0">
+            <a:schemeClr val="accent1"/>
+          </a:effectRef>
+          <a:fontRef idx="minor">
+            <a:schemeClr val="tx1"/>
+          </a:fontRef>
+        </p:style>
+      </p:cxnSp>
+      <p:cxnSp>
+        <p:nvCxnSpPr>
+          <p:cNvPr id="8" name="Straight Arrow Connector 7">
+            <a:extLst>
+              <a:ext uri="{FF2B5EF4-FFF2-40B4-BE49-F238E27FC236}">
+                <a16:creationId xmlns:a16="http://schemas.microsoft.com/office/drawing/2014/main" xmlns="" id="{810074C2-3355-854B-B2E6-3489185E20A3}"/>
+              </a:ext>
+            </a:extLst>
+          </p:cNvPr>
+          <p:cNvCxnSpPr>
+            <a:cxnSpLocks/>
+          </p:cNvCxnSpPr>
+          <p:nvPr/>
+        </p:nvCxnSpPr>
+        <p:spPr>
+          <a:xfrm flipH="1">
+            <a:off x="8528698" y="1432574"/>
+            <a:ext cx="2593392" cy="650551"/>
+          </a:xfrm>
+          <a:prstGeom prst="straightConnector1">
+            <a:avLst/>
+          </a:prstGeom>
+          <a:ln w="28575">
+            <a:solidFill>
+              <a:schemeClr val="accent5">
+                <a:lumMod val="75000"/>
+              </a:schemeClr>
+            </a:solidFill>
+            <a:headEnd type="none" w="med" len="med"/>
+            <a:tailEnd type="triangle" w="lg" len="lg"/>
+          </a:ln>
+        </p:spPr>
+        <p:style>
+          <a:lnRef idx="1">
+            <a:schemeClr val="accent1"/>
+          </a:lnRef>
+          <a:fillRef idx="0">
+            <a:schemeClr val="accent1"/>
+          </a:fillRef>
+          <a:effectRef idx="0">
+            <a:schemeClr val="accent1"/>
+          </a:effectRef>
+          <a:fontRef idx="minor">
+            <a:schemeClr val="tx1"/>
+          </a:fontRef>
+        </p:style>
+      </p:cxnSp>
+      <p:sp>
+        <p:nvSpPr>
+          <p:cNvPr id="9" name="TextBox 8">
+            <a:extLst>
+              <a:ext uri="{FF2B5EF4-FFF2-40B4-BE49-F238E27FC236}">
+                <a16:creationId xmlns:a16="http://schemas.microsoft.com/office/drawing/2014/main" xmlns="" id="{5B130C70-C338-1749-A692-7AEC28C31866}"/>
+              </a:ext>
+            </a:extLst>
+          </p:cNvPr>
+          <p:cNvSpPr txBox="1"/>
+          <p:nvPr/>
+        </p:nvSpPr>
+        <p:spPr>
+          <a:xfrm>
+            <a:off x="10910688" y="785121"/>
+            <a:ext cx="1117935" cy="646331"/>
+          </a:xfrm>
+          <a:prstGeom prst="rect">
+            <a:avLst/>
+          </a:prstGeom>
+          <a:noFill/>
+        </p:spPr>
+        <p:txBody>
+          <a:bodyPr wrap="none" rtlCol="0">
+            <a:spAutoFit/>
+          </a:bodyPr>
+          <a:lstStyle/>
+          <a:p>
+            <a:pPr algn="ctr"/>
+            <a:r>
+              <a:rPr lang="en-US" dirty="0"/>
+              <a:t>Less false </a:t>
+            </a:r>
+          </a:p>
+          <a:p>
+            <a:pPr algn="ctr"/>
+            <a:r>
+              <a:rPr lang="en-US" dirty="0"/>
+              <a:t>negatives</a:t>
+            </a:r>
+          </a:p>
+        </p:txBody>
+      </p:sp>
+    </p:spTree>
+    <p:extLst>
+      <p:ext uri="{BB962C8B-B14F-4D97-AF65-F5344CB8AC3E}">
+        <p14:creationId xmlns:p14="http://schemas.microsoft.com/office/powerpoint/2010/main" val="2467116748"/>
       </p:ext>
     </p:extLst>
   </p:cSld>

--- a/DataCorrection.pptx
+++ b/DataCorrection.pptx
@@ -7,14 +7,16 @@
   <p:sldIdLst>
     <p:sldId id="261" r:id="rId2"/>
     <p:sldId id="258" r:id="rId3"/>
-    <p:sldId id="260" r:id="rId4"/>
-    <p:sldId id="262" r:id="rId5"/>
-    <p:sldId id="263" r:id="rId6"/>
-    <p:sldId id="259" r:id="rId7"/>
-    <p:sldId id="264" r:id="rId8"/>
-    <p:sldId id="265" r:id="rId9"/>
-    <p:sldId id="257" r:id="rId10"/>
-    <p:sldId id="266" r:id="rId11"/>
+    <p:sldId id="272" r:id="rId4"/>
+    <p:sldId id="260" r:id="rId5"/>
+    <p:sldId id="262" r:id="rId6"/>
+    <p:sldId id="269" r:id="rId7"/>
+    <p:sldId id="259" r:id="rId8"/>
+    <p:sldId id="264" r:id="rId9"/>
+    <p:sldId id="270" r:id="rId10"/>
+    <p:sldId id="257" r:id="rId11"/>
+    <p:sldId id="266" r:id="rId12"/>
+    <p:sldId id="271" r:id="rId13"/>
   </p:sldIdLst>
   <p:sldSz cx="12192000" cy="6858000"/>
   <p:notesSz cx="6858000" cy="9144000"/>
@@ -252,7 +254,7 @@
           <a:p>
             <a:fld id="{03845D55-0257-4175-BC16-2AC88235CC02}" type="datetimeFigureOut">
               <a:rPr lang="es-CO" smtClean="0"/>
-              <a:t>25/02/2020</a:t>
+              <a:t>26/02/2020</a:t>
             </a:fld>
             <a:endParaRPr lang="es-CO"/>
           </a:p>
@@ -422,7 +424,7 @@
           <a:p>
             <a:fld id="{03845D55-0257-4175-BC16-2AC88235CC02}" type="datetimeFigureOut">
               <a:rPr lang="es-CO" smtClean="0"/>
-              <a:t>25/02/2020</a:t>
+              <a:t>26/02/2020</a:t>
             </a:fld>
             <a:endParaRPr lang="es-CO"/>
           </a:p>
@@ -602,7 +604,7 @@
           <a:p>
             <a:fld id="{03845D55-0257-4175-BC16-2AC88235CC02}" type="datetimeFigureOut">
               <a:rPr lang="es-CO" smtClean="0"/>
-              <a:t>25/02/2020</a:t>
+              <a:t>26/02/2020</a:t>
             </a:fld>
             <a:endParaRPr lang="es-CO"/>
           </a:p>
@@ -772,7 +774,7 @@
           <a:p>
             <a:fld id="{03845D55-0257-4175-BC16-2AC88235CC02}" type="datetimeFigureOut">
               <a:rPr lang="es-CO" smtClean="0"/>
-              <a:t>25/02/2020</a:t>
+              <a:t>26/02/2020</a:t>
             </a:fld>
             <a:endParaRPr lang="es-CO"/>
           </a:p>
@@ -1018,7 +1020,7 @@
           <a:p>
             <a:fld id="{03845D55-0257-4175-BC16-2AC88235CC02}" type="datetimeFigureOut">
               <a:rPr lang="es-CO" smtClean="0"/>
-              <a:t>25/02/2020</a:t>
+              <a:t>26/02/2020</a:t>
             </a:fld>
             <a:endParaRPr lang="es-CO"/>
           </a:p>
@@ -1250,7 +1252,7 @@
           <a:p>
             <a:fld id="{03845D55-0257-4175-BC16-2AC88235CC02}" type="datetimeFigureOut">
               <a:rPr lang="es-CO" smtClean="0"/>
-              <a:t>25/02/2020</a:t>
+              <a:t>26/02/2020</a:t>
             </a:fld>
             <a:endParaRPr lang="es-CO"/>
           </a:p>
@@ -1617,7 +1619,7 @@
           <a:p>
             <a:fld id="{03845D55-0257-4175-BC16-2AC88235CC02}" type="datetimeFigureOut">
               <a:rPr lang="es-CO" smtClean="0"/>
-              <a:t>25/02/2020</a:t>
+              <a:t>26/02/2020</a:t>
             </a:fld>
             <a:endParaRPr lang="es-CO"/>
           </a:p>
@@ -1735,7 +1737,7 @@
           <a:p>
             <a:fld id="{03845D55-0257-4175-BC16-2AC88235CC02}" type="datetimeFigureOut">
               <a:rPr lang="es-CO" smtClean="0"/>
-              <a:t>25/02/2020</a:t>
+              <a:t>26/02/2020</a:t>
             </a:fld>
             <a:endParaRPr lang="es-CO"/>
           </a:p>
@@ -1830,7 +1832,7 @@
           <a:p>
             <a:fld id="{03845D55-0257-4175-BC16-2AC88235CC02}" type="datetimeFigureOut">
               <a:rPr lang="es-CO" smtClean="0"/>
-              <a:t>25/02/2020</a:t>
+              <a:t>26/02/2020</a:t>
             </a:fld>
             <a:endParaRPr lang="es-CO"/>
           </a:p>
@@ -2107,7 +2109,7 @@
           <a:p>
             <a:fld id="{03845D55-0257-4175-BC16-2AC88235CC02}" type="datetimeFigureOut">
               <a:rPr lang="es-CO" smtClean="0"/>
-              <a:t>25/02/2020</a:t>
+              <a:t>26/02/2020</a:t>
             </a:fld>
             <a:endParaRPr lang="es-CO"/>
           </a:p>
@@ -2360,7 +2362,7 @@
           <a:p>
             <a:fld id="{03845D55-0257-4175-BC16-2AC88235CC02}" type="datetimeFigureOut">
               <a:rPr lang="es-CO" smtClean="0"/>
-              <a:t>25/02/2020</a:t>
+              <a:t>26/02/2020</a:t>
             </a:fld>
             <a:endParaRPr lang="es-CO"/>
           </a:p>
@@ -2573,7 +2575,7 @@
           <a:p>
             <a:fld id="{03845D55-0257-4175-BC16-2AC88235CC02}" type="datetimeFigureOut">
               <a:rPr lang="es-CO" smtClean="0"/>
-              <a:t>25/02/2020</a:t>
+              <a:t>26/02/2020</a:t>
             </a:fld>
             <a:endParaRPr lang="es-CO"/>
           </a:p>
@@ -2983,7 +2985,7 @@
           <p:cNvPr id="4" name="Title 1">
             <a:extLst>
               <a:ext uri="{FF2B5EF4-FFF2-40B4-BE49-F238E27FC236}">
-                <a16:creationId xmlns:a16="http://schemas.microsoft.com/office/drawing/2014/main" xmlns="" id="{28857740-9F26-C04F-8CC5-534196F2C324}"/>
+                <a16:creationId xmlns="" xmlns:a16="http://schemas.microsoft.com/office/drawing/2014/main" id="{28857740-9F26-C04F-8CC5-534196F2C324}"/>
               </a:ext>
             </a:extLst>
           </p:cNvPr>
@@ -3064,6 +3066,356 @@
       </p:grpSpPr>
       <p:pic>
         <p:nvPicPr>
+          <p:cNvPr id="5" name="Imagen 4"/>
+          <p:cNvPicPr>
+            <a:picLocks noChangeAspect="1"/>
+          </p:cNvPicPr>
+          <p:nvPr/>
+        </p:nvPicPr>
+        <p:blipFill>
+          <a:blip r:embed="rId2"/>
+          <a:stretch>
+            <a:fillRect/>
+          </a:stretch>
+        </p:blipFill>
+        <p:spPr>
+          <a:xfrm>
+            <a:off x="1919809" y="1502042"/>
+            <a:ext cx="8352381" cy="5352381"/>
+          </a:xfrm>
+          <a:prstGeom prst="rect">
+            <a:avLst/>
+          </a:prstGeom>
+        </p:spPr>
+      </p:pic>
+      <p:sp>
+        <p:nvSpPr>
+          <p:cNvPr id="2" name="Título 1"/>
+          <p:cNvSpPr>
+            <a:spLocks noGrp="1"/>
+          </p:cNvSpPr>
+          <p:nvPr>
+            <p:ph type="title"/>
+          </p:nvPr>
+        </p:nvSpPr>
+        <p:spPr/>
+        <p:txBody>
+          <a:bodyPr>
+            <a:normAutofit/>
+          </a:bodyPr>
+          <a:lstStyle/>
+          <a:p>
+            <a:r>
+              <a:rPr lang="es-CO" dirty="0"/>
+              <a:t>Estimating Unicorn-Present-Blocks and score correction</a:t>
+            </a:r>
+          </a:p>
+        </p:txBody>
+      </p:sp>
+      <p:cxnSp>
+        <p:nvCxnSpPr>
+          <p:cNvPr id="4" name="Straight Arrow Connector 3">
+            <a:extLst>
+              <a:ext uri="{FF2B5EF4-FFF2-40B4-BE49-F238E27FC236}">
+                <a16:creationId xmlns="" xmlns:a16="http://schemas.microsoft.com/office/drawing/2014/main" id="{6D938FC0-98E1-BE4B-92E7-3628D5F9891A}"/>
+              </a:ext>
+            </a:extLst>
+          </p:cNvPr>
+          <p:cNvCxnSpPr>
+            <a:cxnSpLocks/>
+          </p:cNvCxnSpPr>
+          <p:nvPr/>
+        </p:nvCxnSpPr>
+        <p:spPr>
+          <a:xfrm flipH="1" flipV="1">
+            <a:off x="9208008" y="5111496"/>
+            <a:ext cx="1652826" cy="710807"/>
+          </a:xfrm>
+          <a:prstGeom prst="straightConnector1">
+            <a:avLst/>
+          </a:prstGeom>
+          <a:ln w="28575">
+            <a:solidFill>
+              <a:srgbClr val="FF0000"/>
+            </a:solidFill>
+            <a:headEnd type="none" w="med" len="med"/>
+            <a:tailEnd type="triangle" w="lg" len="lg"/>
+          </a:ln>
+        </p:spPr>
+        <p:style>
+          <a:lnRef idx="1">
+            <a:schemeClr val="accent1"/>
+          </a:lnRef>
+          <a:fillRef idx="0">
+            <a:schemeClr val="accent1"/>
+          </a:fillRef>
+          <a:effectRef idx="0">
+            <a:schemeClr val="accent1"/>
+          </a:effectRef>
+          <a:fontRef idx="minor">
+            <a:schemeClr val="tx1"/>
+          </a:fontRef>
+        </p:style>
+      </p:cxnSp>
+      <p:sp>
+        <p:nvSpPr>
+          <p:cNvPr id="6" name="TextBox 5">
+            <a:extLst>
+              <a:ext uri="{FF2B5EF4-FFF2-40B4-BE49-F238E27FC236}">
+                <a16:creationId xmlns="" xmlns:a16="http://schemas.microsoft.com/office/drawing/2014/main" id="{7858C9E8-A3DE-8448-AF9A-E30BADCA89B8}"/>
+              </a:ext>
+            </a:extLst>
+          </p:cNvPr>
+          <p:cNvSpPr txBox="1"/>
+          <p:nvPr/>
+        </p:nvSpPr>
+        <p:spPr>
+          <a:xfrm>
+            <a:off x="10318474" y="5822302"/>
+            <a:ext cx="1230273" cy="646331"/>
+          </a:xfrm>
+          <a:prstGeom prst="rect">
+            <a:avLst/>
+          </a:prstGeom>
+          <a:noFill/>
+        </p:spPr>
+        <p:txBody>
+          <a:bodyPr wrap="none" rtlCol="0">
+            <a:spAutoFit/>
+          </a:bodyPr>
+          <a:lstStyle/>
+          <a:p>
+            <a:pPr algn="ctr"/>
+            <a:r>
+              <a:rPr lang="en-US" dirty="0"/>
+              <a:t>Insufficient</a:t>
+            </a:r>
+          </a:p>
+          <a:p>
+            <a:pPr algn="ctr"/>
+            <a:r>
+              <a:rPr lang="en-US" dirty="0"/>
+              <a:t>data</a:t>
+            </a:r>
+          </a:p>
+        </p:txBody>
+      </p:sp>
+      <p:cxnSp>
+        <p:nvCxnSpPr>
+          <p:cNvPr id="7" name="Straight Arrow Connector 6">
+            <a:extLst>
+              <a:ext uri="{FF2B5EF4-FFF2-40B4-BE49-F238E27FC236}">
+                <a16:creationId xmlns="" xmlns:a16="http://schemas.microsoft.com/office/drawing/2014/main" id="{691C899B-044B-0B46-851B-F8AB34F1D65D}"/>
+              </a:ext>
+            </a:extLst>
+          </p:cNvPr>
+          <p:cNvCxnSpPr>
+            <a:cxnSpLocks/>
+          </p:cNvCxnSpPr>
+          <p:nvPr/>
+        </p:nvCxnSpPr>
+        <p:spPr>
+          <a:xfrm flipH="1">
+            <a:off x="10030968" y="1492898"/>
+            <a:ext cx="1091122" cy="1469758"/>
+          </a:xfrm>
+          <a:prstGeom prst="straightConnector1">
+            <a:avLst/>
+          </a:prstGeom>
+          <a:ln w="28575">
+            <a:solidFill>
+              <a:schemeClr val="accent5">
+                <a:lumMod val="75000"/>
+              </a:schemeClr>
+            </a:solidFill>
+            <a:headEnd type="none" w="med" len="med"/>
+            <a:tailEnd type="triangle" w="lg" len="lg"/>
+          </a:ln>
+        </p:spPr>
+        <p:style>
+          <a:lnRef idx="1">
+            <a:schemeClr val="accent1"/>
+          </a:lnRef>
+          <a:fillRef idx="0">
+            <a:schemeClr val="accent1"/>
+          </a:fillRef>
+          <a:effectRef idx="0">
+            <a:schemeClr val="accent1"/>
+          </a:effectRef>
+          <a:fontRef idx="minor">
+            <a:schemeClr val="tx1"/>
+          </a:fontRef>
+        </p:style>
+      </p:cxnSp>
+      <p:cxnSp>
+        <p:nvCxnSpPr>
+          <p:cNvPr id="8" name="Straight Arrow Connector 7">
+            <a:extLst>
+              <a:ext uri="{FF2B5EF4-FFF2-40B4-BE49-F238E27FC236}">
+                <a16:creationId xmlns="" xmlns:a16="http://schemas.microsoft.com/office/drawing/2014/main" id="{810074C2-3355-854B-B2E6-3489185E20A3}"/>
+              </a:ext>
+            </a:extLst>
+          </p:cNvPr>
+          <p:cNvCxnSpPr>
+            <a:cxnSpLocks/>
+          </p:cNvCxnSpPr>
+          <p:nvPr/>
+        </p:nvCxnSpPr>
+        <p:spPr>
+          <a:xfrm flipH="1">
+            <a:off x="8613648" y="1432574"/>
+            <a:ext cx="2508442" cy="414514"/>
+          </a:xfrm>
+          <a:prstGeom prst="straightConnector1">
+            <a:avLst/>
+          </a:prstGeom>
+          <a:ln w="28575">
+            <a:solidFill>
+              <a:schemeClr val="accent5">
+                <a:lumMod val="75000"/>
+              </a:schemeClr>
+            </a:solidFill>
+            <a:headEnd type="none" w="med" len="med"/>
+            <a:tailEnd type="triangle" w="lg" len="lg"/>
+          </a:ln>
+        </p:spPr>
+        <p:style>
+          <a:lnRef idx="1">
+            <a:schemeClr val="accent1"/>
+          </a:lnRef>
+          <a:fillRef idx="0">
+            <a:schemeClr val="accent1"/>
+          </a:fillRef>
+          <a:effectRef idx="0">
+            <a:schemeClr val="accent1"/>
+          </a:effectRef>
+          <a:fontRef idx="minor">
+            <a:schemeClr val="tx1"/>
+          </a:fontRef>
+        </p:style>
+      </p:cxnSp>
+      <p:sp>
+        <p:nvSpPr>
+          <p:cNvPr id="9" name="TextBox 8">
+            <a:extLst>
+              <a:ext uri="{FF2B5EF4-FFF2-40B4-BE49-F238E27FC236}">
+                <a16:creationId xmlns="" xmlns:a16="http://schemas.microsoft.com/office/drawing/2014/main" id="{5B130C70-C338-1749-A692-7AEC28C31866}"/>
+              </a:ext>
+            </a:extLst>
+          </p:cNvPr>
+          <p:cNvSpPr txBox="1"/>
+          <p:nvPr/>
+        </p:nvSpPr>
+        <p:spPr>
+          <a:xfrm>
+            <a:off x="10910688" y="785121"/>
+            <a:ext cx="1117935" cy="646331"/>
+          </a:xfrm>
+          <a:prstGeom prst="rect">
+            <a:avLst/>
+          </a:prstGeom>
+          <a:noFill/>
+        </p:spPr>
+        <p:txBody>
+          <a:bodyPr wrap="none" rtlCol="0">
+            <a:spAutoFit/>
+          </a:bodyPr>
+          <a:lstStyle/>
+          <a:p>
+            <a:pPr algn="ctr"/>
+            <a:r>
+              <a:rPr lang="en-US" dirty="0"/>
+              <a:t>Less false </a:t>
+            </a:r>
+          </a:p>
+          <a:p>
+            <a:pPr algn="ctr"/>
+            <a:r>
+              <a:rPr lang="en-US" dirty="0"/>
+              <a:t>negatives</a:t>
+            </a:r>
+          </a:p>
+        </p:txBody>
+      </p:sp>
+      <p:cxnSp>
+        <p:nvCxnSpPr>
+          <p:cNvPr id="11" name="Straight Arrow Connector 6">
+            <a:extLst>
+              <a:ext uri="{FF2B5EF4-FFF2-40B4-BE49-F238E27FC236}">
+                <a16:creationId xmlns="" xmlns:a16="http://schemas.microsoft.com/office/drawing/2014/main" id="{691C899B-044B-0B46-851B-F8AB34F1D65D}"/>
+              </a:ext>
+            </a:extLst>
+          </p:cNvPr>
+          <p:cNvCxnSpPr>
+            <a:cxnSpLocks/>
+          </p:cNvCxnSpPr>
+          <p:nvPr/>
+        </p:nvCxnSpPr>
+        <p:spPr>
+          <a:xfrm flipH="1">
+            <a:off x="9893808" y="1492898"/>
+            <a:ext cx="1325880" cy="3060814"/>
+          </a:xfrm>
+          <a:prstGeom prst="straightConnector1">
+            <a:avLst/>
+          </a:prstGeom>
+          <a:ln w="28575">
+            <a:solidFill>
+              <a:schemeClr val="accent5">
+                <a:lumMod val="75000"/>
+              </a:schemeClr>
+            </a:solidFill>
+            <a:headEnd type="none" w="med" len="med"/>
+            <a:tailEnd type="triangle" w="lg" len="lg"/>
+          </a:ln>
+        </p:spPr>
+        <p:style>
+          <a:lnRef idx="1">
+            <a:schemeClr val="accent1"/>
+          </a:lnRef>
+          <a:fillRef idx="0">
+            <a:schemeClr val="accent1"/>
+          </a:fillRef>
+          <a:effectRef idx="0">
+            <a:schemeClr val="accent1"/>
+          </a:effectRef>
+          <a:fontRef idx="minor">
+            <a:schemeClr val="tx1"/>
+          </a:fontRef>
+        </p:style>
+      </p:cxnSp>
+    </p:spTree>
+    <p:extLst>
+      <p:ext uri="{BB962C8B-B14F-4D97-AF65-F5344CB8AC3E}">
+        <p14:creationId xmlns:p14="http://schemas.microsoft.com/office/powerpoint/2010/main" val="2467116748"/>
+      </p:ext>
+    </p:extLst>
+  </p:cSld>
+  <p:clrMapOvr>
+    <a:masterClrMapping/>
+  </p:clrMapOvr>
+</p:sld>
+</file>
+
+<file path=ppt/slides/slide11.xml><?xml version="1.0" encoding="utf-8"?>
+<p:sld xmlns:a="http://schemas.openxmlformats.org/drawingml/2006/main" xmlns:r="http://schemas.openxmlformats.org/officeDocument/2006/relationships" xmlns:p="http://schemas.openxmlformats.org/presentationml/2006/main">
+  <p:cSld>
+    <p:spTree>
+      <p:nvGrpSpPr>
+        <p:cNvPr id="1" name=""/>
+        <p:cNvGrpSpPr/>
+        <p:nvPr/>
+      </p:nvGrpSpPr>
+      <p:grpSpPr>
+        <a:xfrm>
+          <a:off x="0" y="0"/>
+          <a:ext cx="0" cy="0"/>
+          <a:chOff x="0" y="0"/>
+          <a:chExt cx="0" cy="0"/>
+        </a:xfrm>
+      </p:grpSpPr>
+      <p:pic>
+        <p:nvPicPr>
           <p:cNvPr id="4" name="Imagen 3"/>
           <p:cNvPicPr>
             <a:picLocks noChangeAspect="1"/>
@@ -3115,7 +3467,7 @@
           <p:cNvPr id="2" name="Title 1">
             <a:extLst>
               <a:ext uri="{FF2B5EF4-FFF2-40B4-BE49-F238E27FC236}">
-                <a16:creationId xmlns:a16="http://schemas.microsoft.com/office/drawing/2014/main" xmlns="" id="{3E46E269-ED81-D54B-8ACC-DB9E4BF1C28D}"/>
+                <a16:creationId xmlns="" xmlns:a16="http://schemas.microsoft.com/office/drawing/2014/main" id="{3E46E269-ED81-D54B-8ACC-DB9E4BF1C28D}"/>
               </a:ext>
             </a:extLst>
           </p:cNvPr>
@@ -3227,10 +3579,157 @@
           </a:p>
         </p:txBody>
       </p:sp>
+      <p:sp>
+        <p:nvSpPr>
+          <p:cNvPr id="8" name="CuadroTexto 7"/>
+          <p:cNvSpPr txBox="1"/>
+          <p:nvPr/>
+        </p:nvSpPr>
+        <p:spPr>
+          <a:xfrm>
+            <a:off x="9155395" y="5907024"/>
+            <a:ext cx="1568058" cy="369332"/>
+          </a:xfrm>
+          <a:prstGeom prst="rect">
+            <a:avLst/>
+          </a:prstGeom>
+          <a:noFill/>
+        </p:spPr>
+        <p:txBody>
+          <a:bodyPr wrap="none" rtlCol="0">
+            <a:spAutoFit/>
+          </a:bodyPr>
+          <a:lstStyle/>
+          <a:p>
+            <a:r>
+              <a:rPr lang="es-CO" dirty="0" err="1" smtClean="0">
+                <a:sym typeface="Symbol" panose="05050102010706020507" pitchFamily="18" charset="2"/>
+              </a:rPr>
+              <a:t>Good</a:t>
+            </a:r>
+            <a:r>
+              <a:rPr lang="es-CO" dirty="0" smtClean="0">
+                <a:sym typeface="Symbol" panose="05050102010706020507" pitchFamily="18" charset="2"/>
+              </a:rPr>
+              <a:t> </a:t>
+            </a:r>
+            <a:r>
+              <a:rPr lang="es-CO" dirty="0" err="1" smtClean="0">
+                <a:sym typeface="Symbol" panose="05050102010706020507" pitchFamily="18" charset="2"/>
+              </a:rPr>
+              <a:t>enough</a:t>
+            </a:r>
+            <a:r>
+              <a:rPr lang="es-CO" dirty="0" smtClean="0">
+                <a:sym typeface="Symbol" panose="05050102010706020507" pitchFamily="18" charset="2"/>
+              </a:rPr>
+              <a:t>?</a:t>
+            </a:r>
+            <a:endParaRPr lang="es-CO" dirty="0"/>
+          </a:p>
+        </p:txBody>
+      </p:sp>
     </p:spTree>
     <p:extLst>
       <p:ext uri="{BB962C8B-B14F-4D97-AF65-F5344CB8AC3E}">
         <p14:creationId xmlns:p14="http://schemas.microsoft.com/office/powerpoint/2010/main" val="3875116952"/>
+      </p:ext>
+    </p:extLst>
+  </p:cSld>
+  <p:clrMapOvr>
+    <a:masterClrMapping/>
+  </p:clrMapOvr>
+</p:sld>
+</file>
+
+<file path=ppt/slides/slide12.xml><?xml version="1.0" encoding="utf-8"?>
+<p:sld xmlns:a="http://schemas.openxmlformats.org/drawingml/2006/main" xmlns:r="http://schemas.openxmlformats.org/officeDocument/2006/relationships" xmlns:p="http://schemas.openxmlformats.org/presentationml/2006/main">
+  <p:cSld>
+    <p:spTree>
+      <p:nvGrpSpPr>
+        <p:cNvPr id="1" name=""/>
+        <p:cNvGrpSpPr/>
+        <p:nvPr/>
+      </p:nvGrpSpPr>
+      <p:grpSpPr>
+        <a:xfrm>
+          <a:off x="0" y="0"/>
+          <a:ext cx="0" cy="0"/>
+          <a:chOff x="0" y="0"/>
+          <a:chExt cx="0" cy="0"/>
+        </a:xfrm>
+      </p:grpSpPr>
+      <p:sp>
+        <p:nvSpPr>
+          <p:cNvPr id="2" name="Título 1"/>
+          <p:cNvSpPr>
+            <a:spLocks noGrp="1"/>
+          </p:cNvSpPr>
+          <p:nvPr>
+            <p:ph type="title"/>
+          </p:nvPr>
+        </p:nvSpPr>
+        <p:spPr/>
+        <p:txBody>
+          <a:bodyPr/>
+          <a:lstStyle/>
+          <a:p>
+            <a:r>
+              <a:rPr lang="es-CO" dirty="0" err="1" smtClean="0"/>
+              <a:t>Model</a:t>
+            </a:r>
+            <a:r>
+              <a:rPr lang="es-CO" dirty="0" smtClean="0"/>
+              <a:t> </a:t>
+            </a:r>
+            <a:r>
+              <a:rPr lang="es-CO" dirty="0" err="1" smtClean="0"/>
+              <a:t>recovery</a:t>
+            </a:r>
+            <a:r>
+              <a:rPr lang="es-CO" dirty="0" smtClean="0"/>
+              <a:t> (</a:t>
+            </a:r>
+            <a:r>
+              <a:rPr lang="es-CO" dirty="0" err="1" smtClean="0"/>
+              <a:t>corrected</a:t>
+            </a:r>
+            <a:r>
+              <a:rPr lang="es-CO" dirty="0" smtClean="0"/>
+              <a:t> data)</a:t>
+            </a:r>
+            <a:endParaRPr lang="es-CO" dirty="0"/>
+          </a:p>
+        </p:txBody>
+      </p:sp>
+      <p:pic>
+        <p:nvPicPr>
+          <p:cNvPr id="4" name="Imagen 3"/>
+          <p:cNvPicPr>
+            <a:picLocks noChangeAspect="1"/>
+          </p:cNvPicPr>
+          <p:nvPr/>
+        </p:nvPicPr>
+        <p:blipFill>
+          <a:blip r:embed="rId2"/>
+          <a:stretch>
+            <a:fillRect/>
+          </a:stretch>
+        </p:blipFill>
+        <p:spPr>
+          <a:xfrm>
+            <a:off x="1782649" y="1505619"/>
+            <a:ext cx="8352381" cy="5352381"/>
+          </a:xfrm>
+          <a:prstGeom prst="rect">
+            <a:avLst/>
+          </a:prstGeom>
+        </p:spPr>
+      </p:pic>
+    </p:spTree>
+    <p:extLst>
+      <p:ext uri="{BB962C8B-B14F-4D97-AF65-F5344CB8AC3E}">
+        <p14:creationId xmlns:p14="http://schemas.microsoft.com/office/powerpoint/2010/main" val="536905199"/>
       </p:ext>
     </p:extLst>
   </p:cSld>
@@ -3273,15 +3772,19 @@
           <a:lstStyle/>
           <a:p>
             <a:r>
+              <a:rPr lang="es-CO" dirty="0" smtClean="0"/>
+              <a:t>Full </a:t>
+            </a:r>
+            <a:r>
               <a:rPr lang="es-CO" dirty="0"/>
-              <a:t>No corrections – Full data</a:t>
+              <a:t>data</a:t>
             </a:r>
           </a:p>
         </p:txBody>
       </p:sp>
       <p:pic>
         <p:nvPicPr>
-          <p:cNvPr id="4" name="Imagen 3"/>
+          <p:cNvPr id="3" name="Imagen 2"/>
           <p:cNvPicPr>
             <a:picLocks noChangeAspect="1"/>
           </p:cNvPicPr>
@@ -3295,8 +3798,8 @@
         </p:blipFill>
         <p:spPr>
           <a:xfrm>
-            <a:off x="1505524" y="1756656"/>
-            <a:ext cx="9180952" cy="5019048"/>
+            <a:off x="1919809" y="1505619"/>
+            <a:ext cx="8352381" cy="5352381"/>
           </a:xfrm>
           <a:prstGeom prst="rect">
             <a:avLst/>
@@ -3333,6 +3836,41 @@
           <a:chExt cx="0" cy="0"/>
         </a:xfrm>
       </p:grpSpPr>
+      <p:sp>
+        <p:nvSpPr>
+          <p:cNvPr id="2" name="Título 1"/>
+          <p:cNvSpPr>
+            <a:spLocks noGrp="1"/>
+          </p:cNvSpPr>
+          <p:nvPr>
+            <p:ph type="title"/>
+          </p:nvPr>
+        </p:nvSpPr>
+        <p:spPr/>
+        <p:txBody>
+          <a:bodyPr/>
+          <a:lstStyle/>
+          <a:p>
+            <a:r>
+              <a:rPr lang="es-CO" dirty="0" err="1" smtClean="0"/>
+              <a:t>Model</a:t>
+            </a:r>
+            <a:r>
+              <a:rPr lang="es-CO" dirty="0" smtClean="0"/>
+              <a:t> </a:t>
+            </a:r>
+            <a:r>
+              <a:rPr lang="es-CO" dirty="0" err="1" smtClean="0"/>
+              <a:t>recovery</a:t>
+            </a:r>
+            <a:r>
+              <a:rPr lang="es-CO" dirty="0" smtClean="0"/>
+              <a:t> full data</a:t>
+            </a:r>
+            <a:endParaRPr lang="es-CO" dirty="0"/>
+          </a:p>
+        </p:txBody>
+      </p:sp>
       <p:pic>
         <p:nvPicPr>
           <p:cNvPr id="7" name="Imagen 6"/>
@@ -3349,20 +3887,322 @@
         </p:blipFill>
         <p:spPr>
           <a:xfrm>
-            <a:off x="1505524" y="1757849"/>
-            <a:ext cx="9180952" cy="5019048"/>
+            <a:off x="6688616" y="2688197"/>
+            <a:ext cx="5166250" cy="3548011"/>
           </a:xfrm>
           <a:prstGeom prst="rect">
             <a:avLst/>
           </a:prstGeom>
         </p:spPr>
       </p:pic>
+      <p:pic>
+        <p:nvPicPr>
+          <p:cNvPr id="8" name="Imagen 7"/>
+          <p:cNvPicPr>
+            <a:picLocks noChangeAspect="1"/>
+          </p:cNvPicPr>
+          <p:nvPr/>
+        </p:nvPicPr>
+        <p:blipFill>
+          <a:blip r:embed="rId3"/>
+          <a:stretch>
+            <a:fillRect/>
+          </a:stretch>
+        </p:blipFill>
+        <p:spPr>
+          <a:xfrm>
+            <a:off x="371933" y="2432304"/>
+            <a:ext cx="6232481" cy="3318594"/>
+          </a:xfrm>
+          <a:prstGeom prst="rect">
+            <a:avLst/>
+          </a:prstGeom>
+        </p:spPr>
+      </p:pic>
+      <p:sp>
+        <p:nvSpPr>
+          <p:cNvPr id="9" name="CuadroTexto 8"/>
+          <p:cNvSpPr txBox="1"/>
+          <p:nvPr/>
+        </p:nvSpPr>
+        <p:spPr>
+          <a:xfrm>
+            <a:off x="7562171" y="1757888"/>
+            <a:ext cx="2616422" cy="369332"/>
+          </a:xfrm>
+          <a:prstGeom prst="rect">
+            <a:avLst/>
+          </a:prstGeom>
+          <a:noFill/>
+        </p:spPr>
+        <p:txBody>
+          <a:bodyPr wrap="none" rtlCol="0">
+            <a:spAutoFit/>
+          </a:bodyPr>
+          <a:lstStyle/>
+          <a:p>
+            <a:r>
+              <a:rPr lang="es-CO" smtClean="0"/>
+              <a:t>Behavior</a:t>
+            </a:r>
+            <a:r>
+              <a:rPr lang="es-CO" dirty="0" smtClean="0"/>
+              <a:t> at </a:t>
+            </a:r>
+            <a:r>
+              <a:rPr lang="es-CO" dirty="0" err="1" smtClean="0"/>
+              <a:t>the</a:t>
+            </a:r>
+            <a:r>
+              <a:rPr lang="es-CO" dirty="0" smtClean="0"/>
+              <a:t> </a:t>
+            </a:r>
+            <a:r>
+              <a:rPr lang="es-CO" dirty="0" err="1" smtClean="0"/>
+              <a:t>dyad</a:t>
+            </a:r>
+            <a:r>
+              <a:rPr lang="es-CO" dirty="0" smtClean="0"/>
+              <a:t> </a:t>
+            </a:r>
+            <a:r>
+              <a:rPr lang="es-CO" dirty="0" err="1" smtClean="0"/>
+              <a:t>level</a:t>
+            </a:r>
+            <a:endParaRPr lang="es-CO" dirty="0"/>
+          </a:p>
+        </p:txBody>
+      </p:sp>
+      <p:sp>
+        <p:nvSpPr>
+          <p:cNvPr id="10" name="CuadroTexto 9"/>
+          <p:cNvSpPr txBox="1"/>
+          <p:nvPr/>
+        </p:nvSpPr>
+        <p:spPr>
+          <a:xfrm>
+            <a:off x="1873944" y="1757888"/>
+            <a:ext cx="3075137" cy="369332"/>
+          </a:xfrm>
+          <a:prstGeom prst="rect">
+            <a:avLst/>
+          </a:prstGeom>
+          <a:noFill/>
+        </p:spPr>
+        <p:txBody>
+          <a:bodyPr wrap="none" rtlCol="0">
+            <a:spAutoFit/>
+          </a:bodyPr>
+          <a:lstStyle/>
+          <a:p>
+            <a:r>
+              <a:rPr lang="es-CO" dirty="0" err="1" smtClean="0"/>
+              <a:t>Behavior</a:t>
+            </a:r>
+            <a:r>
+              <a:rPr lang="es-CO" dirty="0" smtClean="0"/>
+              <a:t> at </a:t>
+            </a:r>
+            <a:r>
+              <a:rPr lang="es-CO" dirty="0" err="1" smtClean="0"/>
+              <a:t>the</a:t>
+            </a:r>
+            <a:r>
+              <a:rPr lang="es-CO" dirty="0" smtClean="0"/>
+              <a:t> individual </a:t>
+            </a:r>
+            <a:r>
+              <a:rPr lang="es-CO" dirty="0" err="1" smtClean="0"/>
+              <a:t>level</a:t>
+            </a:r>
+            <a:endParaRPr lang="es-CO" dirty="0"/>
+          </a:p>
+        </p:txBody>
+      </p:sp>
+    </p:spTree>
+    <p:extLst>
+      <p:ext uri="{BB962C8B-B14F-4D97-AF65-F5344CB8AC3E}">
+        <p14:creationId xmlns:p14="http://schemas.microsoft.com/office/powerpoint/2010/main" val="4232231660"/>
+      </p:ext>
+    </p:extLst>
+  </p:cSld>
+  <p:clrMapOvr>
+    <a:masterClrMapping/>
+  </p:clrMapOvr>
+  <p:timing>
+    <p:tnLst>
+      <p:par>
+        <p:cTn id="1" dur="indefinite" restart="never" nodeType="tmRoot">
+          <p:childTnLst>
+            <p:seq concurrent="1" nextAc="seek">
+              <p:cTn id="2" dur="indefinite" nodeType="mainSeq">
+                <p:childTnLst>
+                  <p:par>
+                    <p:cTn id="3" fill="hold">
+                      <p:stCondLst>
+                        <p:cond delay="indefinite"/>
+                      </p:stCondLst>
+                      <p:childTnLst>
+                        <p:par>
+                          <p:cTn id="4" fill="hold">
+                            <p:stCondLst>
+                              <p:cond delay="0"/>
+                            </p:stCondLst>
+                            <p:childTnLst>
+                              <p:par>
+                                <p:cTn id="5" presetID="1" presetClass="entr" presetSubtype="0" fill="hold" grpId="0" nodeType="clickEffect">
+                                  <p:stCondLst>
+                                    <p:cond delay="0"/>
+                                  </p:stCondLst>
+                                  <p:childTnLst>
+                                    <p:set>
+                                      <p:cBhvr>
+                                        <p:cTn id="6" dur="1" fill="hold">
+                                          <p:stCondLst>
+                                            <p:cond delay="0"/>
+                                          </p:stCondLst>
+                                        </p:cTn>
+                                        <p:tgtEl>
+                                          <p:spTgt spid="9"/>
+                                        </p:tgtEl>
+                                        <p:attrNameLst>
+                                          <p:attrName>style.visibility</p:attrName>
+                                        </p:attrNameLst>
+                                      </p:cBhvr>
+                                      <p:to>
+                                        <p:strVal val="visible"/>
+                                      </p:to>
+                                    </p:set>
+                                  </p:childTnLst>
+                                </p:cTn>
+                              </p:par>
+                            </p:childTnLst>
+                          </p:cTn>
+                        </p:par>
+                      </p:childTnLst>
+                    </p:cTn>
+                  </p:par>
+                  <p:par>
+                    <p:cTn id="7" fill="hold">
+                      <p:stCondLst>
+                        <p:cond delay="indefinite"/>
+                      </p:stCondLst>
+                      <p:childTnLst>
+                        <p:par>
+                          <p:cTn id="8" fill="hold">
+                            <p:stCondLst>
+                              <p:cond delay="0"/>
+                            </p:stCondLst>
+                            <p:childTnLst>
+                              <p:par>
+                                <p:cTn id="9" presetID="1" presetClass="entr" presetSubtype="0" fill="hold" grpId="0" nodeType="clickEffect">
+                                  <p:stCondLst>
+                                    <p:cond delay="0"/>
+                                  </p:stCondLst>
+                                  <p:childTnLst>
+                                    <p:set>
+                                      <p:cBhvr>
+                                        <p:cTn id="10" dur="1" fill="hold">
+                                          <p:stCondLst>
+                                            <p:cond delay="0"/>
+                                          </p:stCondLst>
+                                        </p:cTn>
+                                        <p:tgtEl>
+                                          <p:spTgt spid="10"/>
+                                        </p:tgtEl>
+                                        <p:attrNameLst>
+                                          <p:attrName>style.visibility</p:attrName>
+                                        </p:attrNameLst>
+                                      </p:cBhvr>
+                                      <p:to>
+                                        <p:strVal val="visible"/>
+                                      </p:to>
+                                    </p:set>
+                                  </p:childTnLst>
+                                </p:cTn>
+                              </p:par>
+                            </p:childTnLst>
+                          </p:cTn>
+                        </p:par>
+                      </p:childTnLst>
+                    </p:cTn>
+                  </p:par>
+                </p:childTnLst>
+              </p:cTn>
+              <p:prevCondLst>
+                <p:cond evt="onPrev" delay="0">
+                  <p:tgtEl>
+                    <p:sldTgt/>
+                  </p:tgtEl>
+                </p:cond>
+              </p:prevCondLst>
+              <p:nextCondLst>
+                <p:cond evt="onNext" delay="0">
+                  <p:tgtEl>
+                    <p:sldTgt/>
+                  </p:tgtEl>
+                </p:cond>
+              </p:nextCondLst>
+            </p:seq>
+          </p:childTnLst>
+        </p:cTn>
+      </p:par>
+    </p:tnLst>
+    <p:bldLst>
+      <p:bldP spid="9" grpId="0"/>
+      <p:bldP spid="10" grpId="0"/>
+    </p:bldLst>
+  </p:timing>
+</p:sld>
+</file>
+
+<file path=ppt/slides/slide4.xml><?xml version="1.0" encoding="utf-8"?>
+<p:sld xmlns:a="http://schemas.openxmlformats.org/drawingml/2006/main" xmlns:r="http://schemas.openxmlformats.org/officeDocument/2006/relationships" xmlns:p="http://schemas.openxmlformats.org/presentationml/2006/main">
+  <p:cSld>
+    <p:spTree>
+      <p:nvGrpSpPr>
+        <p:cNvPr id="1" name=""/>
+        <p:cNvGrpSpPr/>
+        <p:nvPr/>
+      </p:nvGrpSpPr>
+      <p:grpSpPr>
+        <a:xfrm>
+          <a:off x="0" y="0"/>
+          <a:ext cx="0" cy="0"/>
+          <a:chOff x="0" y="0"/>
+          <a:chExt cx="0" cy="0"/>
+        </a:xfrm>
+      </p:grpSpPr>
+      <p:pic>
+        <p:nvPicPr>
+          <p:cNvPr id="3" name="Imagen 2"/>
+          <p:cNvPicPr>
+            <a:picLocks noChangeAspect="1"/>
+          </p:cNvPicPr>
+          <p:nvPr/>
+        </p:nvPicPr>
+        <p:blipFill>
+          <a:blip r:embed="rId2"/>
+          <a:stretch>
+            <a:fillRect/>
+          </a:stretch>
+        </p:blipFill>
+        <p:spPr>
+          <a:xfrm>
+            <a:off x="1919809" y="1505619"/>
+            <a:ext cx="8352381" cy="5352381"/>
+          </a:xfrm>
+          <a:prstGeom prst="rect">
+            <a:avLst/>
+          </a:prstGeom>
+        </p:spPr>
+      </p:pic>
       <p:sp>
         <p:nvSpPr>
           <p:cNvPr id="2" name="Title 1">
             <a:extLst>
               <a:ext uri="{FF2B5EF4-FFF2-40B4-BE49-F238E27FC236}">
-                <a16:creationId xmlns:a16="http://schemas.microsoft.com/office/drawing/2014/main" xmlns="" id="{D232E6B4-C860-6E4B-A678-30C4A534D1CE}"/>
+                <a16:creationId xmlns="" xmlns:a16="http://schemas.microsoft.com/office/drawing/2014/main" id="{D232E6B4-C860-6E4B-A678-30C4A534D1CE}"/>
               </a:ext>
             </a:extLst>
           </p:cNvPr>
@@ -3379,8 +4219,12 @@
           <a:lstStyle/>
           <a:p>
             <a:r>
+              <a:rPr lang="en-US" dirty="0" smtClean="0"/>
+              <a:t>Only </a:t>
+            </a:r>
+            <a:r>
               <a:rPr lang="en-US" dirty="0"/>
-              <a:t>No corrections – Only Unicorn Absent</a:t>
+              <a:t>Unicorn Absent</a:t>
             </a:r>
           </a:p>
         </p:txBody>
@@ -3390,7 +4234,7 @@
           <p:cNvPr id="5" name="Straight Arrow Connector 4">
             <a:extLst>
               <a:ext uri="{FF2B5EF4-FFF2-40B4-BE49-F238E27FC236}">
-                <a16:creationId xmlns:a16="http://schemas.microsoft.com/office/drawing/2014/main" xmlns="" id="{99F2F860-FFFE-A444-9DBE-C9E99267503F}"/>
+                <a16:creationId xmlns="" xmlns:a16="http://schemas.microsoft.com/office/drawing/2014/main" id="{99F2F860-FFFE-A444-9DBE-C9E99267503F}"/>
               </a:ext>
             </a:extLst>
           </p:cNvPr>
@@ -3401,8 +4245,8 @@
         </p:nvCxnSpPr>
         <p:spPr>
           <a:xfrm flipH="1">
-            <a:off x="10506456" y="1492898"/>
-            <a:ext cx="615634" cy="1661782"/>
+            <a:off x="10076688" y="1492898"/>
+            <a:ext cx="1045402" cy="1488046"/>
           </a:xfrm>
           <a:prstGeom prst="straightConnector1">
             <a:avLst/>
@@ -3435,7 +4279,7 @@
           <p:cNvPr id="8" name="Straight Arrow Connector 7">
             <a:extLst>
               <a:ext uri="{FF2B5EF4-FFF2-40B4-BE49-F238E27FC236}">
-                <a16:creationId xmlns:a16="http://schemas.microsoft.com/office/drawing/2014/main" xmlns="" id="{8B3B9B68-0DFD-6749-A842-9F4CBBB3F1ED}"/>
+                <a16:creationId xmlns="" xmlns:a16="http://schemas.microsoft.com/office/drawing/2014/main" id="{8B3B9B68-0DFD-6749-A842-9F4CBBB3F1ED}"/>
               </a:ext>
             </a:extLst>
           </p:cNvPr>
@@ -3446,8 +4290,8 @@
         </p:nvCxnSpPr>
         <p:spPr>
           <a:xfrm flipH="1" flipV="1">
-            <a:off x="9610344" y="5138928"/>
-            <a:ext cx="1250490" cy="683375"/>
+            <a:off x="9235440" y="5486400"/>
+            <a:ext cx="1625394" cy="335904"/>
           </a:xfrm>
           <a:prstGeom prst="straightConnector1">
             <a:avLst/>
@@ -3480,7 +4324,7 @@
           <p:cNvPr id="13" name="TextBox 12">
             <a:extLst>
               <a:ext uri="{FF2B5EF4-FFF2-40B4-BE49-F238E27FC236}">
-                <a16:creationId xmlns:a16="http://schemas.microsoft.com/office/drawing/2014/main" xmlns="" id="{2C88622C-E091-B944-94AC-EDD910C7C058}"/>
+                <a16:creationId xmlns="" xmlns:a16="http://schemas.microsoft.com/office/drawing/2014/main" id="{2C88622C-E091-B944-94AC-EDD910C7C058}"/>
               </a:ext>
             </a:extLst>
           </p:cNvPr>
@@ -3523,7 +4367,7 @@
           <p:cNvPr id="14" name="TextBox 13">
             <a:extLst>
               <a:ext uri="{FF2B5EF4-FFF2-40B4-BE49-F238E27FC236}">
-                <a16:creationId xmlns:a16="http://schemas.microsoft.com/office/drawing/2014/main" xmlns="" id="{03402B4F-9461-A241-B50B-10605174EFE5}"/>
+                <a16:creationId xmlns="" xmlns:a16="http://schemas.microsoft.com/office/drawing/2014/main" id="{03402B4F-9461-A241-B50B-10605174EFE5}"/>
               </a:ext>
             </a:extLst>
           </p:cNvPr>
@@ -3566,7 +4410,7 @@
           <p:cNvPr id="15" name="Straight Arrow Connector 4">
             <a:extLst>
               <a:ext uri="{FF2B5EF4-FFF2-40B4-BE49-F238E27FC236}">
-                <a16:creationId xmlns:a16="http://schemas.microsoft.com/office/drawing/2014/main" xmlns="" id="{99F2F860-FFFE-A444-9DBE-C9E99267503F}"/>
+                <a16:creationId xmlns="" xmlns:a16="http://schemas.microsoft.com/office/drawing/2014/main" id="{99F2F860-FFFE-A444-9DBE-C9E99267503F}"/>
               </a:ext>
             </a:extLst>
           </p:cNvPr>
@@ -3577,8 +4421,8 @@
         </p:nvCxnSpPr>
         <p:spPr>
           <a:xfrm flipH="1">
-            <a:off x="10235589" y="1492898"/>
-            <a:ext cx="1173044" cy="3337766"/>
+            <a:off x="9829800" y="1492898"/>
+            <a:ext cx="1578833" cy="3216262"/>
           </a:xfrm>
           <a:prstGeom prst="straightConnector1">
             <a:avLst/>
@@ -3619,7 +4463,7 @@
 </p:sld>
 </file>
 
-<file path=ppt/slides/slide4.xml><?xml version="1.0" encoding="utf-8"?>
+<file path=ppt/slides/slide5.xml><?xml version="1.0" encoding="utf-8"?>
 <p:sld xmlns:a="http://schemas.openxmlformats.org/drawingml/2006/main" xmlns:r="http://schemas.openxmlformats.org/officeDocument/2006/relationships" xmlns:p="http://schemas.openxmlformats.org/presentationml/2006/main">
   <p:cSld>
     <p:spTree>
@@ -3665,7 +4509,7 @@
           <p:cNvPr id="2" name="Title 1">
             <a:extLst>
               <a:ext uri="{FF2B5EF4-FFF2-40B4-BE49-F238E27FC236}">
-                <a16:creationId xmlns:a16="http://schemas.microsoft.com/office/drawing/2014/main" xmlns="" id="{3E46E269-ED81-D54B-8ACC-DB9E4BF1C28D}"/>
+                <a16:creationId xmlns="" xmlns:a16="http://schemas.microsoft.com/office/drawing/2014/main" id="{3E46E269-ED81-D54B-8ACC-DB9E4BF1C28D}"/>
               </a:ext>
             </a:extLst>
           </p:cNvPr>
@@ -3937,7 +4781,88 @@
 </p:sld>
 </file>
 
-<file path=ppt/slides/slide5.xml><?xml version="1.0" encoding="utf-8"?>
+<file path=ppt/slides/slide6.xml><?xml version="1.0" encoding="utf-8"?>
+<p:sld xmlns:a="http://schemas.openxmlformats.org/drawingml/2006/main" xmlns:r="http://schemas.openxmlformats.org/officeDocument/2006/relationships" xmlns:p="http://schemas.openxmlformats.org/presentationml/2006/main">
+  <p:cSld>
+    <p:spTree>
+      <p:nvGrpSpPr>
+        <p:cNvPr id="1" name=""/>
+        <p:cNvGrpSpPr/>
+        <p:nvPr/>
+      </p:nvGrpSpPr>
+      <p:grpSpPr>
+        <a:xfrm>
+          <a:off x="0" y="0"/>
+          <a:ext cx="0" cy="0"/>
+          <a:chOff x="0" y="0"/>
+          <a:chExt cx="0" cy="0"/>
+        </a:xfrm>
+      </p:grpSpPr>
+      <p:sp>
+        <p:nvSpPr>
+          <p:cNvPr id="2" name="Título 1"/>
+          <p:cNvSpPr>
+            <a:spLocks noGrp="1"/>
+          </p:cNvSpPr>
+          <p:nvPr>
+            <p:ph type="title"/>
+          </p:nvPr>
+        </p:nvSpPr>
+        <p:spPr/>
+        <p:txBody>
+          <a:bodyPr/>
+          <a:lstStyle/>
+          <a:p>
+            <a:r>
+              <a:rPr lang="es-CO" dirty="0" smtClean="0"/>
+              <a:t>Score </a:t>
+            </a:r>
+            <a:r>
+              <a:rPr lang="es-CO" dirty="0" err="1" smtClean="0"/>
+              <a:t>correction</a:t>
+            </a:r>
+            <a:endParaRPr lang="es-CO" dirty="0"/>
+          </a:p>
+        </p:txBody>
+      </p:sp>
+      <p:pic>
+        <p:nvPicPr>
+          <p:cNvPr id="4" name="Imagen 3"/>
+          <p:cNvPicPr>
+            <a:picLocks noChangeAspect="1"/>
+          </p:cNvPicPr>
+          <p:nvPr/>
+        </p:nvPicPr>
+        <p:blipFill>
+          <a:blip r:embed="rId2"/>
+          <a:stretch>
+            <a:fillRect/>
+          </a:stretch>
+        </p:blipFill>
+        <p:spPr>
+          <a:xfrm>
+            <a:off x="1557337" y="2347531"/>
+            <a:ext cx="9077325" cy="3095625"/>
+          </a:xfrm>
+          <a:prstGeom prst="rect">
+            <a:avLst/>
+          </a:prstGeom>
+        </p:spPr>
+      </p:pic>
+    </p:spTree>
+    <p:extLst>
+      <p:ext uri="{BB962C8B-B14F-4D97-AF65-F5344CB8AC3E}">
+        <p14:creationId xmlns:p14="http://schemas.microsoft.com/office/powerpoint/2010/main" val="2040814099"/>
+      </p:ext>
+    </p:extLst>
+  </p:cSld>
+  <p:clrMapOvr>
+    <a:masterClrMapping/>
+  </p:clrMapOvr>
+</p:sld>
+</file>
+
+<file path=ppt/slides/slide7.xml><?xml version="1.0" encoding="utf-8"?>
 <p:sld xmlns:a="http://schemas.openxmlformats.org/drawingml/2006/main" xmlns:r="http://schemas.openxmlformats.org/officeDocument/2006/relationships" xmlns:p="http://schemas.openxmlformats.org/presentationml/2006/main">
   <p:cSld>
     <p:spTree>
@@ -3956,7 +4881,7 @@
       </p:grpSpPr>
       <p:pic>
         <p:nvPicPr>
-          <p:cNvPr id="7" name="Imagen 6"/>
+          <p:cNvPr id="5" name="Imagen 4"/>
           <p:cNvPicPr>
             <a:picLocks noChangeAspect="1"/>
           </p:cNvPicPr>
@@ -3970,8 +4895,8 @@
         </p:blipFill>
         <p:spPr>
           <a:xfrm>
-            <a:off x="1505524" y="1757849"/>
-            <a:ext cx="9180952" cy="5019048"/>
+            <a:off x="1919809" y="1505619"/>
+            <a:ext cx="8352381" cy="5352381"/>
           </a:xfrm>
           <a:prstGeom prst="rect">
             <a:avLst/>
@@ -3980,38 +4905,37 @@
       </p:pic>
       <p:sp>
         <p:nvSpPr>
-          <p:cNvPr id="2" name="Title 1">
+          <p:cNvPr id="2" name="Título 1"/>
+          <p:cNvSpPr>
+            <a:spLocks noGrp="1"/>
+          </p:cNvSpPr>
+          <p:nvPr>
+            <p:ph type="title"/>
+          </p:nvPr>
+        </p:nvSpPr>
+        <p:spPr/>
+        <p:txBody>
+          <a:bodyPr/>
+          <a:lstStyle/>
+          <a:p>
+            <a:r>
+              <a:rPr lang="es-CO" dirty="0"/>
+              <a:t>Score </a:t>
+            </a:r>
+            <a:r>
+              <a:rPr lang="es-CO" dirty="0" err="1" smtClean="0"/>
+              <a:t>correction</a:t>
+            </a:r>
+            <a:endParaRPr lang="es-CO" dirty="0"/>
+          </a:p>
+        </p:txBody>
+      </p:sp>
+      <p:cxnSp>
+        <p:nvCxnSpPr>
+          <p:cNvPr id="4" name="Straight Arrow Connector 3">
             <a:extLst>
               <a:ext uri="{FF2B5EF4-FFF2-40B4-BE49-F238E27FC236}">
-                <a16:creationId xmlns:a16="http://schemas.microsoft.com/office/drawing/2014/main" xmlns="" id="{D232E6B4-C860-6E4B-A678-30C4A534D1CE}"/>
-              </a:ext>
-            </a:extLst>
-          </p:cNvPr>
-          <p:cNvSpPr>
-            <a:spLocks noGrp="1"/>
-          </p:cNvSpPr>
-          <p:nvPr>
-            <p:ph type="title"/>
-          </p:nvPr>
-        </p:nvSpPr>
-        <p:spPr/>
-        <p:txBody>
-          <a:bodyPr/>
-          <a:lstStyle/>
-          <a:p>
-            <a:r>
-              <a:rPr lang="en-US" dirty="0"/>
-              <a:t>No corrections – Only Unicorn Absent</a:t>
-            </a:r>
-          </a:p>
-        </p:txBody>
-      </p:sp>
-      <p:cxnSp>
-        <p:nvCxnSpPr>
-          <p:cNvPr id="5" name="Straight Arrow Connector 4">
-            <a:extLst>
-              <a:ext uri="{FF2B5EF4-FFF2-40B4-BE49-F238E27FC236}">
-                <a16:creationId xmlns:a16="http://schemas.microsoft.com/office/drawing/2014/main" xmlns="" id="{99F2F860-FFFE-A444-9DBE-C9E99267503F}"/>
+                <a16:creationId xmlns="" xmlns:a16="http://schemas.microsoft.com/office/drawing/2014/main" id="{E7FE2886-F566-8A46-9120-E43BADA9966C}"/>
               </a:ext>
             </a:extLst>
           </p:cNvPr>
@@ -4021,9 +4945,9 @@
           <p:nvPr/>
         </p:nvCxnSpPr>
         <p:spPr>
-          <a:xfrm flipH="1">
-            <a:off x="10506456" y="1492898"/>
-            <a:ext cx="615634" cy="1661782"/>
+          <a:xfrm flipH="1" flipV="1">
+            <a:off x="9322961" y="4910981"/>
+            <a:ext cx="1306286" cy="1361219"/>
           </a:xfrm>
           <a:prstGeom prst="straightConnector1">
             <a:avLst/>
@@ -4051,12 +4975,69 @@
           </a:fontRef>
         </p:style>
       </p:cxnSp>
+      <p:sp>
+        <p:nvSpPr>
+          <p:cNvPr id="6" name="TextBox 5">
+            <a:extLst>
+              <a:ext uri="{FF2B5EF4-FFF2-40B4-BE49-F238E27FC236}">
+                <a16:creationId xmlns="" xmlns:a16="http://schemas.microsoft.com/office/drawing/2014/main" id="{789D0C48-B5D0-2A42-9713-CB6873CF10CC}"/>
+              </a:ext>
+            </a:extLst>
+          </p:cNvPr>
+          <p:cNvSpPr txBox="1"/>
+          <p:nvPr/>
+        </p:nvSpPr>
+        <p:spPr>
+          <a:xfrm>
+            <a:off x="10133045" y="5559996"/>
+            <a:ext cx="1735494" cy="1200329"/>
+          </a:xfrm>
+          <a:prstGeom prst="rect">
+            <a:avLst/>
+          </a:prstGeom>
+          <a:noFill/>
+        </p:spPr>
+        <p:txBody>
+          <a:bodyPr wrap="square" rtlCol="0">
+            <a:spAutoFit/>
+          </a:bodyPr>
+          <a:lstStyle/>
+          <a:p>
+            <a:pPr algn="ctr"/>
+            <a:r>
+              <a:rPr lang="en-US" dirty="0"/>
+              <a:t>False </a:t>
+            </a:r>
+          </a:p>
+          <a:p>
+            <a:pPr algn="ctr"/>
+            <a:r>
+              <a:rPr lang="en-US" dirty="0"/>
+              <a:t>Negatives</a:t>
+            </a:r>
+          </a:p>
+          <a:p>
+            <a:pPr algn="ctr"/>
+            <a:r>
+              <a:rPr lang="en-US" dirty="0"/>
+              <a:t>and </a:t>
+            </a:r>
+          </a:p>
+          <a:p>
+            <a:pPr algn="ctr"/>
+            <a:r>
+              <a:rPr lang="en-US" dirty="0"/>
+              <a:t>insufficient data</a:t>
+            </a:r>
+          </a:p>
+        </p:txBody>
+      </p:sp>
       <p:cxnSp>
         <p:nvCxnSpPr>
           <p:cNvPr id="8" name="Straight Arrow Connector 7">
             <a:extLst>
               <a:ext uri="{FF2B5EF4-FFF2-40B4-BE49-F238E27FC236}">
-                <a16:creationId xmlns:a16="http://schemas.microsoft.com/office/drawing/2014/main" xmlns="" id="{8B3B9B68-0DFD-6749-A842-9F4CBBB3F1ED}"/>
+                <a16:creationId xmlns="" xmlns:a16="http://schemas.microsoft.com/office/drawing/2014/main" id="{9D307967-B0D0-8D4D-8067-34149EAE5024}"/>
               </a:ext>
             </a:extLst>
           </p:cNvPr>
@@ -4066,9 +5047,9 @@
           <p:nvPr/>
         </p:nvCxnSpPr>
         <p:spPr>
-          <a:xfrm flipH="1" flipV="1">
-            <a:off x="9610344" y="5138928"/>
-            <a:ext cx="1250490" cy="683375"/>
+          <a:xfrm flipH="1">
+            <a:off x="8467344" y="1432574"/>
+            <a:ext cx="2654746" cy="396226"/>
           </a:xfrm>
           <a:prstGeom prst="straightConnector1">
             <a:avLst/>
@@ -4098,10 +5079,10 @@
       </p:cxnSp>
       <p:sp>
         <p:nvSpPr>
-          <p:cNvPr id="13" name="TextBox 12">
+          <p:cNvPr id="9" name="TextBox 8">
             <a:extLst>
               <a:ext uri="{FF2B5EF4-FFF2-40B4-BE49-F238E27FC236}">
-                <a16:creationId xmlns:a16="http://schemas.microsoft.com/office/drawing/2014/main" xmlns="" id="{2C88622C-E091-B944-94AC-EDD910C7C058}"/>
+                <a16:creationId xmlns="" xmlns:a16="http://schemas.microsoft.com/office/drawing/2014/main" id="{2FC1F1EF-FC6E-7540-9E06-C4999F813FC3}"/>
               </a:ext>
             </a:extLst>
           </p:cNvPr>
@@ -4139,55 +5120,12 @@
           </a:p>
         </p:txBody>
       </p:sp>
-      <p:sp>
-        <p:nvSpPr>
-          <p:cNvPr id="14" name="TextBox 13">
+      <p:cxnSp>
+        <p:nvCxnSpPr>
+          <p:cNvPr id="10" name="Straight Arrow Connector 9">
             <a:extLst>
               <a:ext uri="{FF2B5EF4-FFF2-40B4-BE49-F238E27FC236}">
-                <a16:creationId xmlns:a16="http://schemas.microsoft.com/office/drawing/2014/main" xmlns="" id="{03402B4F-9461-A241-B50B-10605174EFE5}"/>
-              </a:ext>
-            </a:extLst>
-          </p:cNvPr>
-          <p:cNvSpPr txBox="1"/>
-          <p:nvPr/>
-        </p:nvSpPr>
-        <p:spPr>
-          <a:xfrm>
-            <a:off x="10318474" y="5822302"/>
-            <a:ext cx="1230273" cy="646331"/>
-          </a:xfrm>
-          <a:prstGeom prst="rect">
-            <a:avLst/>
-          </a:prstGeom>
-          <a:noFill/>
-        </p:spPr>
-        <p:txBody>
-          <a:bodyPr wrap="none" rtlCol="0">
-            <a:spAutoFit/>
-          </a:bodyPr>
-          <a:lstStyle/>
-          <a:p>
-            <a:pPr algn="ctr"/>
-            <a:r>
-              <a:rPr lang="en-US" dirty="0"/>
-              <a:t>Insufficient</a:t>
-            </a:r>
-          </a:p>
-          <a:p>
-            <a:pPr algn="ctr"/>
-            <a:r>
-              <a:rPr lang="en-US" dirty="0"/>
-              <a:t>data</a:t>
-            </a:r>
-          </a:p>
-        </p:txBody>
-      </p:sp>
-      <p:cxnSp>
-        <p:nvCxnSpPr>
-          <p:cNvPr id="15" name="Straight Arrow Connector 4">
-            <a:extLst>
-              <a:ext uri="{FF2B5EF4-FFF2-40B4-BE49-F238E27FC236}">
-                <a16:creationId xmlns:a16="http://schemas.microsoft.com/office/drawing/2014/main" xmlns="" id="{99F2F860-FFFE-A444-9DBE-C9E99267503F}"/>
+                <a16:creationId xmlns="" xmlns:a16="http://schemas.microsoft.com/office/drawing/2014/main" id="{D9FED2B4-98DB-A044-AA0C-01DDE072259C}"/>
               </a:ext>
             </a:extLst>
           </p:cNvPr>
@@ -4197,16 +5135,18 @@
           <p:nvPr/>
         </p:nvCxnSpPr>
         <p:spPr>
-          <a:xfrm flipH="1">
-            <a:off x="10235589" y="1492898"/>
-            <a:ext cx="1173044" cy="3337766"/>
+          <a:xfrm flipH="1" flipV="1">
+            <a:off x="10133045" y="3075805"/>
+            <a:ext cx="1103604" cy="807616"/>
           </a:xfrm>
           <a:prstGeom prst="straightConnector1">
             <a:avLst/>
           </a:prstGeom>
           <a:ln w="28575">
             <a:solidFill>
-              <a:srgbClr val="FF0000"/>
+              <a:schemeClr val="accent5">
+                <a:lumMod val="75000"/>
+              </a:schemeClr>
             </a:solidFill>
             <a:headEnd type="none" w="med" len="med"/>
             <a:tailEnd type="triangle" w="lg" len="lg"/>
@@ -4227,10 +5167,51 @@
           </a:fontRef>
         </p:style>
       </p:cxnSp>
+      <p:sp>
+        <p:nvSpPr>
+          <p:cNvPr id="13" name="TextBox 12">
+            <a:extLst>
+              <a:ext uri="{FF2B5EF4-FFF2-40B4-BE49-F238E27FC236}">
+                <a16:creationId xmlns="" xmlns:a16="http://schemas.microsoft.com/office/drawing/2014/main" id="{777A7566-2F7B-9746-90A3-C8CA66F1755A}"/>
+              </a:ext>
+            </a:extLst>
+          </p:cNvPr>
+          <p:cNvSpPr txBox="1"/>
+          <p:nvPr/>
+        </p:nvSpPr>
+        <p:spPr>
+          <a:xfrm>
+            <a:off x="10933611" y="3875611"/>
+            <a:ext cx="1065035" cy="646331"/>
+          </a:xfrm>
+          <a:prstGeom prst="rect">
+            <a:avLst/>
+          </a:prstGeom>
+          <a:noFill/>
+        </p:spPr>
+        <p:txBody>
+          <a:bodyPr wrap="none" rtlCol="0">
+            <a:spAutoFit/>
+          </a:bodyPr>
+          <a:lstStyle/>
+          <a:p>
+            <a:r>
+              <a:rPr lang="en-US" dirty="0"/>
+              <a:t>Less false</a:t>
+            </a:r>
+          </a:p>
+          <a:p>
+            <a:r>
+              <a:rPr lang="en-US" dirty="0"/>
+              <a:t>negatives</a:t>
+            </a:r>
+          </a:p>
+        </p:txBody>
+      </p:sp>
     </p:spTree>
     <p:extLst>
       <p:ext uri="{BB962C8B-B14F-4D97-AF65-F5344CB8AC3E}">
-        <p14:creationId xmlns:p14="http://schemas.microsoft.com/office/powerpoint/2010/main" val="3721116030"/>
+        <p14:creationId xmlns:p14="http://schemas.microsoft.com/office/powerpoint/2010/main" val="2016186426"/>
       </p:ext>
     </p:extLst>
   </p:cSld>
@@ -4240,7 +5221,7 @@
 </p:sld>
 </file>
 
-<file path=ppt/slides/slide6.xml><?xml version="1.0" encoding="utf-8"?>
+<file path=ppt/slides/slide8.xml><?xml version="1.0" encoding="utf-8"?>
 <p:sld xmlns:a="http://schemas.openxmlformats.org/drawingml/2006/main" xmlns:r="http://schemas.openxmlformats.org/officeDocument/2006/relationships" xmlns:p="http://schemas.openxmlformats.org/presentationml/2006/main">
   <p:cSld>
     <p:spTree>
@@ -4273,360 +5254,6 @@
         </p:blipFill>
         <p:spPr>
           <a:xfrm>
-            <a:off x="1474693" y="1780777"/>
-            <a:ext cx="8834597" cy="4836000"/>
-          </a:xfrm>
-          <a:prstGeom prst="rect">
-            <a:avLst/>
-          </a:prstGeom>
-        </p:spPr>
-      </p:pic>
-      <p:sp>
-        <p:nvSpPr>
-          <p:cNvPr id="2" name="Título 1"/>
-          <p:cNvSpPr>
-            <a:spLocks noGrp="1"/>
-          </p:cNvSpPr>
-          <p:nvPr>
-            <p:ph type="title"/>
-          </p:nvPr>
-        </p:nvSpPr>
-        <p:spPr/>
-        <p:txBody>
-          <a:bodyPr/>
-          <a:lstStyle/>
-          <a:p>
-            <a:r>
-              <a:rPr lang="es-CO" dirty="0"/>
-              <a:t>Score correction only</a:t>
-            </a:r>
-          </a:p>
-        </p:txBody>
-      </p:sp>
-      <p:cxnSp>
-        <p:nvCxnSpPr>
-          <p:cNvPr id="4" name="Straight Arrow Connector 3">
-            <a:extLst>
-              <a:ext uri="{FF2B5EF4-FFF2-40B4-BE49-F238E27FC236}">
-                <a16:creationId xmlns:a16="http://schemas.microsoft.com/office/drawing/2014/main" xmlns="" id="{E7FE2886-F566-8A46-9120-E43BADA9966C}"/>
-              </a:ext>
-            </a:extLst>
-          </p:cNvPr>
-          <p:cNvCxnSpPr>
-            <a:cxnSpLocks/>
-          </p:cNvCxnSpPr>
-          <p:nvPr/>
-        </p:nvCxnSpPr>
-        <p:spPr>
-          <a:xfrm flipH="1" flipV="1">
-            <a:off x="9322961" y="4910981"/>
-            <a:ext cx="1306286" cy="1361219"/>
-          </a:xfrm>
-          <a:prstGeom prst="straightConnector1">
-            <a:avLst/>
-          </a:prstGeom>
-          <a:ln w="28575">
-            <a:solidFill>
-              <a:srgbClr val="FF0000"/>
-            </a:solidFill>
-            <a:headEnd type="none" w="med" len="med"/>
-            <a:tailEnd type="triangle" w="lg" len="lg"/>
-          </a:ln>
-        </p:spPr>
-        <p:style>
-          <a:lnRef idx="1">
-            <a:schemeClr val="accent1"/>
-          </a:lnRef>
-          <a:fillRef idx="0">
-            <a:schemeClr val="accent1"/>
-          </a:fillRef>
-          <a:effectRef idx="0">
-            <a:schemeClr val="accent1"/>
-          </a:effectRef>
-          <a:fontRef idx="minor">
-            <a:schemeClr val="tx1"/>
-          </a:fontRef>
-        </p:style>
-      </p:cxnSp>
-      <p:sp>
-        <p:nvSpPr>
-          <p:cNvPr id="6" name="TextBox 5">
-            <a:extLst>
-              <a:ext uri="{FF2B5EF4-FFF2-40B4-BE49-F238E27FC236}">
-                <a16:creationId xmlns:a16="http://schemas.microsoft.com/office/drawing/2014/main" xmlns="" id="{789D0C48-B5D0-2A42-9713-CB6873CF10CC}"/>
-              </a:ext>
-            </a:extLst>
-          </p:cNvPr>
-          <p:cNvSpPr txBox="1"/>
-          <p:nvPr/>
-        </p:nvSpPr>
-        <p:spPr>
-          <a:xfrm>
-            <a:off x="10133045" y="5559996"/>
-            <a:ext cx="1735494" cy="1200329"/>
-          </a:xfrm>
-          <a:prstGeom prst="rect">
-            <a:avLst/>
-          </a:prstGeom>
-          <a:noFill/>
-        </p:spPr>
-        <p:txBody>
-          <a:bodyPr wrap="square" rtlCol="0">
-            <a:spAutoFit/>
-          </a:bodyPr>
-          <a:lstStyle/>
-          <a:p>
-            <a:pPr algn="ctr"/>
-            <a:r>
-              <a:rPr lang="en-US" dirty="0"/>
-              <a:t>False </a:t>
-            </a:r>
-          </a:p>
-          <a:p>
-            <a:pPr algn="ctr"/>
-            <a:r>
-              <a:rPr lang="en-US" dirty="0"/>
-              <a:t>Negatives</a:t>
-            </a:r>
-          </a:p>
-          <a:p>
-            <a:pPr algn="ctr"/>
-            <a:r>
-              <a:rPr lang="en-US" dirty="0"/>
-              <a:t>and </a:t>
-            </a:r>
-          </a:p>
-          <a:p>
-            <a:pPr algn="ctr"/>
-            <a:r>
-              <a:rPr lang="en-US" dirty="0"/>
-              <a:t>insufficient data</a:t>
-            </a:r>
-          </a:p>
-        </p:txBody>
-      </p:sp>
-      <p:cxnSp>
-        <p:nvCxnSpPr>
-          <p:cNvPr id="8" name="Straight Arrow Connector 7">
-            <a:extLst>
-              <a:ext uri="{FF2B5EF4-FFF2-40B4-BE49-F238E27FC236}">
-                <a16:creationId xmlns:a16="http://schemas.microsoft.com/office/drawing/2014/main" xmlns="" id="{9D307967-B0D0-8D4D-8067-34149EAE5024}"/>
-              </a:ext>
-            </a:extLst>
-          </p:cNvPr>
-          <p:cNvCxnSpPr>
-            <a:cxnSpLocks/>
-          </p:cNvCxnSpPr>
-          <p:nvPr/>
-        </p:nvCxnSpPr>
-        <p:spPr>
-          <a:xfrm flipH="1">
-            <a:off x="8528698" y="1432574"/>
-            <a:ext cx="2593392" cy="650551"/>
-          </a:xfrm>
-          <a:prstGeom prst="straightConnector1">
-            <a:avLst/>
-          </a:prstGeom>
-          <a:ln w="28575">
-            <a:solidFill>
-              <a:srgbClr val="FF0000"/>
-            </a:solidFill>
-            <a:headEnd type="none" w="med" len="med"/>
-            <a:tailEnd type="triangle" w="lg" len="lg"/>
-          </a:ln>
-        </p:spPr>
-        <p:style>
-          <a:lnRef idx="1">
-            <a:schemeClr val="accent1"/>
-          </a:lnRef>
-          <a:fillRef idx="0">
-            <a:schemeClr val="accent1"/>
-          </a:fillRef>
-          <a:effectRef idx="0">
-            <a:schemeClr val="accent1"/>
-          </a:effectRef>
-          <a:fontRef idx="minor">
-            <a:schemeClr val="tx1"/>
-          </a:fontRef>
-        </p:style>
-      </p:cxnSp>
-      <p:sp>
-        <p:nvSpPr>
-          <p:cNvPr id="9" name="TextBox 8">
-            <a:extLst>
-              <a:ext uri="{FF2B5EF4-FFF2-40B4-BE49-F238E27FC236}">
-                <a16:creationId xmlns:a16="http://schemas.microsoft.com/office/drawing/2014/main" xmlns="" id="{2FC1F1EF-FC6E-7540-9E06-C4999F813FC3}"/>
-              </a:ext>
-            </a:extLst>
-          </p:cNvPr>
-          <p:cNvSpPr txBox="1"/>
-          <p:nvPr/>
-        </p:nvSpPr>
-        <p:spPr>
-          <a:xfrm>
-            <a:off x="10933611" y="785121"/>
-            <a:ext cx="1072088" cy="646331"/>
-          </a:xfrm>
-          <a:prstGeom prst="rect">
-            <a:avLst/>
-          </a:prstGeom>
-          <a:noFill/>
-        </p:spPr>
-        <p:txBody>
-          <a:bodyPr wrap="none" rtlCol="0">
-            <a:spAutoFit/>
-          </a:bodyPr>
-          <a:lstStyle/>
-          <a:p>
-            <a:pPr algn="ctr"/>
-            <a:r>
-              <a:rPr lang="en-US" dirty="0"/>
-              <a:t>False </a:t>
-            </a:r>
-          </a:p>
-          <a:p>
-            <a:pPr algn="ctr"/>
-            <a:r>
-              <a:rPr lang="en-US" dirty="0"/>
-              <a:t>negatives</a:t>
-            </a:r>
-          </a:p>
-        </p:txBody>
-      </p:sp>
-      <p:cxnSp>
-        <p:nvCxnSpPr>
-          <p:cNvPr id="10" name="Straight Arrow Connector 9">
-            <a:extLst>
-              <a:ext uri="{FF2B5EF4-FFF2-40B4-BE49-F238E27FC236}">
-                <a16:creationId xmlns:a16="http://schemas.microsoft.com/office/drawing/2014/main" xmlns="" id="{D9FED2B4-98DB-A044-AA0C-01DDE072259C}"/>
-              </a:ext>
-            </a:extLst>
-          </p:cNvPr>
-          <p:cNvCxnSpPr>
-            <a:cxnSpLocks/>
-          </p:cNvCxnSpPr>
-          <p:nvPr/>
-        </p:nvCxnSpPr>
-        <p:spPr>
-          <a:xfrm flipH="1" flipV="1">
-            <a:off x="10133045" y="3075805"/>
-            <a:ext cx="1103604" cy="807616"/>
-          </a:xfrm>
-          <a:prstGeom prst="straightConnector1">
-            <a:avLst/>
-          </a:prstGeom>
-          <a:ln w="28575">
-            <a:solidFill>
-              <a:schemeClr val="accent5">
-                <a:lumMod val="75000"/>
-              </a:schemeClr>
-            </a:solidFill>
-            <a:headEnd type="none" w="med" len="med"/>
-            <a:tailEnd type="triangle" w="lg" len="lg"/>
-          </a:ln>
-        </p:spPr>
-        <p:style>
-          <a:lnRef idx="1">
-            <a:schemeClr val="accent1"/>
-          </a:lnRef>
-          <a:fillRef idx="0">
-            <a:schemeClr val="accent1"/>
-          </a:fillRef>
-          <a:effectRef idx="0">
-            <a:schemeClr val="accent1"/>
-          </a:effectRef>
-          <a:fontRef idx="minor">
-            <a:schemeClr val="tx1"/>
-          </a:fontRef>
-        </p:style>
-      </p:cxnSp>
-      <p:sp>
-        <p:nvSpPr>
-          <p:cNvPr id="13" name="TextBox 12">
-            <a:extLst>
-              <a:ext uri="{FF2B5EF4-FFF2-40B4-BE49-F238E27FC236}">
-                <a16:creationId xmlns:a16="http://schemas.microsoft.com/office/drawing/2014/main" xmlns="" id="{777A7566-2F7B-9746-90A3-C8CA66F1755A}"/>
-              </a:ext>
-            </a:extLst>
-          </p:cNvPr>
-          <p:cNvSpPr txBox="1"/>
-          <p:nvPr/>
-        </p:nvSpPr>
-        <p:spPr>
-          <a:xfrm>
-            <a:off x="10933611" y="3875611"/>
-            <a:ext cx="1065035" cy="646331"/>
-          </a:xfrm>
-          <a:prstGeom prst="rect">
-            <a:avLst/>
-          </a:prstGeom>
-          <a:noFill/>
-        </p:spPr>
-        <p:txBody>
-          <a:bodyPr wrap="none" rtlCol="0">
-            <a:spAutoFit/>
-          </a:bodyPr>
-          <a:lstStyle/>
-          <a:p>
-            <a:r>
-              <a:rPr lang="en-US" dirty="0"/>
-              <a:t>Less false</a:t>
-            </a:r>
-          </a:p>
-          <a:p>
-            <a:r>
-              <a:rPr lang="en-US" dirty="0"/>
-              <a:t>negatives</a:t>
-            </a:r>
-          </a:p>
-        </p:txBody>
-      </p:sp>
-    </p:spTree>
-    <p:extLst>
-      <p:ext uri="{BB962C8B-B14F-4D97-AF65-F5344CB8AC3E}">
-        <p14:creationId xmlns:p14="http://schemas.microsoft.com/office/powerpoint/2010/main" val="2016186426"/>
-      </p:ext>
-    </p:extLst>
-  </p:cSld>
-  <p:clrMapOvr>
-    <a:masterClrMapping/>
-  </p:clrMapOvr>
-</p:sld>
-</file>
-
-<file path=ppt/slides/slide7.xml><?xml version="1.0" encoding="utf-8"?>
-<p:sld xmlns:a="http://schemas.openxmlformats.org/drawingml/2006/main" xmlns:r="http://schemas.openxmlformats.org/officeDocument/2006/relationships" xmlns:p="http://schemas.openxmlformats.org/presentationml/2006/main">
-  <p:cSld>
-    <p:spTree>
-      <p:nvGrpSpPr>
-        <p:cNvPr id="1" name=""/>
-        <p:cNvGrpSpPr/>
-        <p:nvPr/>
-      </p:nvGrpSpPr>
-      <p:grpSpPr>
-        <a:xfrm>
-          <a:off x="0" y="0"/>
-          <a:ext cx="0" cy="0"/>
-          <a:chOff x="0" y="0"/>
-          <a:chExt cx="0" cy="0"/>
-        </a:xfrm>
-      </p:grpSpPr>
-      <p:pic>
-        <p:nvPicPr>
-          <p:cNvPr id="3" name="Imagen 2"/>
-          <p:cNvPicPr>
-            <a:picLocks noChangeAspect="1"/>
-          </p:cNvPicPr>
-          <p:nvPr/>
-        </p:nvPicPr>
-        <p:blipFill>
-          <a:blip r:embed="rId2"/>
-          <a:stretch>
-            <a:fillRect/>
-          </a:stretch>
-        </p:blipFill>
-        <p:spPr>
-          <a:xfrm>
             <a:off x="5861304" y="2262140"/>
             <a:ext cx="6081601" cy="3329028"/>
           </a:xfrm>
@@ -4664,7 +5291,7 @@
           <p:cNvPr id="2" name="Title 1">
             <a:extLst>
               <a:ext uri="{FF2B5EF4-FFF2-40B4-BE49-F238E27FC236}">
-                <a16:creationId xmlns:a16="http://schemas.microsoft.com/office/drawing/2014/main" xmlns="" id="{3E46E269-ED81-D54B-8ACC-DB9E4BF1C28D}"/>
+                <a16:creationId xmlns="" xmlns:a16="http://schemas.microsoft.com/office/drawing/2014/main" id="{3E46E269-ED81-D54B-8ACC-DB9E4BF1C28D}"/>
               </a:ext>
             </a:extLst>
           </p:cNvPr>
@@ -4908,309 +5535,6 @@
     <p:extLst>
       <p:ext uri="{BB962C8B-B14F-4D97-AF65-F5344CB8AC3E}">
         <p14:creationId xmlns:p14="http://schemas.microsoft.com/office/powerpoint/2010/main" val="1631991408"/>
-      </p:ext>
-    </p:extLst>
-  </p:cSld>
-  <p:clrMapOvr>
-    <a:masterClrMapping/>
-  </p:clrMapOvr>
-</p:sld>
-</file>
-
-<file path=ppt/slides/slide8.xml><?xml version="1.0" encoding="utf-8"?>
-<p:sld xmlns:a="http://schemas.openxmlformats.org/drawingml/2006/main" xmlns:r="http://schemas.openxmlformats.org/officeDocument/2006/relationships" xmlns:p="http://schemas.openxmlformats.org/presentationml/2006/main">
-  <p:cSld>
-    <p:spTree>
-      <p:nvGrpSpPr>
-        <p:cNvPr id="1" name=""/>
-        <p:cNvGrpSpPr/>
-        <p:nvPr/>
-      </p:nvGrpSpPr>
-      <p:grpSpPr>
-        <a:xfrm>
-          <a:off x="0" y="0"/>
-          <a:ext cx="0" cy="0"/>
-          <a:chOff x="0" y="0"/>
-          <a:chExt cx="0" cy="0"/>
-        </a:xfrm>
-      </p:grpSpPr>
-      <p:pic>
-        <p:nvPicPr>
-          <p:cNvPr id="7" name="Imagen 6"/>
-          <p:cNvPicPr>
-            <a:picLocks noChangeAspect="1"/>
-          </p:cNvPicPr>
-          <p:nvPr/>
-        </p:nvPicPr>
-        <p:blipFill>
-          <a:blip r:embed="rId2"/>
-          <a:stretch>
-            <a:fillRect/>
-          </a:stretch>
-        </p:blipFill>
-        <p:spPr>
-          <a:xfrm>
-            <a:off x="1505524" y="1757849"/>
-            <a:ext cx="9180952" cy="5019048"/>
-          </a:xfrm>
-          <a:prstGeom prst="rect">
-            <a:avLst/>
-          </a:prstGeom>
-        </p:spPr>
-      </p:pic>
-      <p:sp>
-        <p:nvSpPr>
-          <p:cNvPr id="2" name="Title 1">
-            <a:extLst>
-              <a:ext uri="{FF2B5EF4-FFF2-40B4-BE49-F238E27FC236}">
-                <a16:creationId xmlns:a16="http://schemas.microsoft.com/office/drawing/2014/main" xmlns="" id="{D232E6B4-C860-6E4B-A678-30C4A534D1CE}"/>
-              </a:ext>
-            </a:extLst>
-          </p:cNvPr>
-          <p:cNvSpPr>
-            <a:spLocks noGrp="1"/>
-          </p:cNvSpPr>
-          <p:nvPr>
-            <p:ph type="title"/>
-          </p:nvPr>
-        </p:nvSpPr>
-        <p:spPr/>
-        <p:txBody>
-          <a:bodyPr/>
-          <a:lstStyle/>
-          <a:p>
-            <a:r>
-              <a:rPr lang="en-US" dirty="0"/>
-              <a:t>No corrections – Only Unicorn Absent</a:t>
-            </a:r>
-          </a:p>
-        </p:txBody>
-      </p:sp>
-      <p:cxnSp>
-        <p:nvCxnSpPr>
-          <p:cNvPr id="5" name="Straight Arrow Connector 4">
-            <a:extLst>
-              <a:ext uri="{FF2B5EF4-FFF2-40B4-BE49-F238E27FC236}">
-                <a16:creationId xmlns:a16="http://schemas.microsoft.com/office/drawing/2014/main" xmlns="" id="{99F2F860-FFFE-A444-9DBE-C9E99267503F}"/>
-              </a:ext>
-            </a:extLst>
-          </p:cNvPr>
-          <p:cNvCxnSpPr>
-            <a:cxnSpLocks/>
-          </p:cNvCxnSpPr>
-          <p:nvPr/>
-        </p:nvCxnSpPr>
-        <p:spPr>
-          <a:xfrm flipH="1">
-            <a:off x="10506456" y="1492898"/>
-            <a:ext cx="615634" cy="1661782"/>
-          </a:xfrm>
-          <a:prstGeom prst="straightConnector1">
-            <a:avLst/>
-          </a:prstGeom>
-          <a:ln w="28575">
-            <a:solidFill>
-              <a:srgbClr val="FF0000"/>
-            </a:solidFill>
-            <a:headEnd type="none" w="med" len="med"/>
-            <a:tailEnd type="triangle" w="lg" len="lg"/>
-          </a:ln>
-        </p:spPr>
-        <p:style>
-          <a:lnRef idx="1">
-            <a:schemeClr val="accent1"/>
-          </a:lnRef>
-          <a:fillRef idx="0">
-            <a:schemeClr val="accent1"/>
-          </a:fillRef>
-          <a:effectRef idx="0">
-            <a:schemeClr val="accent1"/>
-          </a:effectRef>
-          <a:fontRef idx="minor">
-            <a:schemeClr val="tx1"/>
-          </a:fontRef>
-        </p:style>
-      </p:cxnSp>
-      <p:cxnSp>
-        <p:nvCxnSpPr>
-          <p:cNvPr id="8" name="Straight Arrow Connector 7">
-            <a:extLst>
-              <a:ext uri="{FF2B5EF4-FFF2-40B4-BE49-F238E27FC236}">
-                <a16:creationId xmlns:a16="http://schemas.microsoft.com/office/drawing/2014/main" xmlns="" id="{8B3B9B68-0DFD-6749-A842-9F4CBBB3F1ED}"/>
-              </a:ext>
-            </a:extLst>
-          </p:cNvPr>
-          <p:cNvCxnSpPr>
-            <a:cxnSpLocks/>
-          </p:cNvCxnSpPr>
-          <p:nvPr/>
-        </p:nvCxnSpPr>
-        <p:spPr>
-          <a:xfrm flipH="1" flipV="1">
-            <a:off x="9610344" y="5138928"/>
-            <a:ext cx="1250490" cy="683375"/>
-          </a:xfrm>
-          <a:prstGeom prst="straightConnector1">
-            <a:avLst/>
-          </a:prstGeom>
-          <a:ln w="28575">
-            <a:solidFill>
-              <a:srgbClr val="FF0000"/>
-            </a:solidFill>
-            <a:headEnd type="none" w="med" len="med"/>
-            <a:tailEnd type="triangle" w="lg" len="lg"/>
-          </a:ln>
-        </p:spPr>
-        <p:style>
-          <a:lnRef idx="1">
-            <a:schemeClr val="accent1"/>
-          </a:lnRef>
-          <a:fillRef idx="0">
-            <a:schemeClr val="accent1"/>
-          </a:fillRef>
-          <a:effectRef idx="0">
-            <a:schemeClr val="accent1"/>
-          </a:effectRef>
-          <a:fontRef idx="minor">
-            <a:schemeClr val="tx1"/>
-          </a:fontRef>
-        </p:style>
-      </p:cxnSp>
-      <p:sp>
-        <p:nvSpPr>
-          <p:cNvPr id="13" name="TextBox 12">
-            <a:extLst>
-              <a:ext uri="{FF2B5EF4-FFF2-40B4-BE49-F238E27FC236}">
-                <a16:creationId xmlns:a16="http://schemas.microsoft.com/office/drawing/2014/main" xmlns="" id="{2C88622C-E091-B944-94AC-EDD910C7C058}"/>
-              </a:ext>
-            </a:extLst>
-          </p:cNvPr>
-          <p:cNvSpPr txBox="1"/>
-          <p:nvPr/>
-        </p:nvSpPr>
-        <p:spPr>
-          <a:xfrm>
-            <a:off x="10933611" y="785121"/>
-            <a:ext cx="1072088" cy="646331"/>
-          </a:xfrm>
-          <a:prstGeom prst="rect">
-            <a:avLst/>
-          </a:prstGeom>
-          <a:noFill/>
-        </p:spPr>
-        <p:txBody>
-          <a:bodyPr wrap="none" rtlCol="0">
-            <a:spAutoFit/>
-          </a:bodyPr>
-          <a:lstStyle/>
-          <a:p>
-            <a:pPr algn="ctr"/>
-            <a:r>
-              <a:rPr lang="en-US" dirty="0"/>
-              <a:t>False </a:t>
-            </a:r>
-          </a:p>
-          <a:p>
-            <a:pPr algn="ctr"/>
-            <a:r>
-              <a:rPr lang="en-US" dirty="0"/>
-              <a:t>negatives</a:t>
-            </a:r>
-          </a:p>
-        </p:txBody>
-      </p:sp>
-      <p:sp>
-        <p:nvSpPr>
-          <p:cNvPr id="14" name="TextBox 13">
-            <a:extLst>
-              <a:ext uri="{FF2B5EF4-FFF2-40B4-BE49-F238E27FC236}">
-                <a16:creationId xmlns:a16="http://schemas.microsoft.com/office/drawing/2014/main" xmlns="" id="{03402B4F-9461-A241-B50B-10605174EFE5}"/>
-              </a:ext>
-            </a:extLst>
-          </p:cNvPr>
-          <p:cNvSpPr txBox="1"/>
-          <p:nvPr/>
-        </p:nvSpPr>
-        <p:spPr>
-          <a:xfrm>
-            <a:off x="10318474" y="5822302"/>
-            <a:ext cx="1230273" cy="646331"/>
-          </a:xfrm>
-          <a:prstGeom prst="rect">
-            <a:avLst/>
-          </a:prstGeom>
-          <a:noFill/>
-        </p:spPr>
-        <p:txBody>
-          <a:bodyPr wrap="none" rtlCol="0">
-            <a:spAutoFit/>
-          </a:bodyPr>
-          <a:lstStyle/>
-          <a:p>
-            <a:pPr algn="ctr"/>
-            <a:r>
-              <a:rPr lang="en-US" dirty="0"/>
-              <a:t>Insufficient</a:t>
-            </a:r>
-          </a:p>
-          <a:p>
-            <a:pPr algn="ctr"/>
-            <a:r>
-              <a:rPr lang="en-US" dirty="0"/>
-              <a:t>data</a:t>
-            </a:r>
-          </a:p>
-        </p:txBody>
-      </p:sp>
-      <p:cxnSp>
-        <p:nvCxnSpPr>
-          <p:cNvPr id="15" name="Straight Arrow Connector 4">
-            <a:extLst>
-              <a:ext uri="{FF2B5EF4-FFF2-40B4-BE49-F238E27FC236}">
-                <a16:creationId xmlns:a16="http://schemas.microsoft.com/office/drawing/2014/main" xmlns="" id="{99F2F860-FFFE-A444-9DBE-C9E99267503F}"/>
-              </a:ext>
-            </a:extLst>
-          </p:cNvPr>
-          <p:cNvCxnSpPr>
-            <a:cxnSpLocks/>
-          </p:cNvCxnSpPr>
-          <p:nvPr/>
-        </p:nvCxnSpPr>
-        <p:spPr>
-          <a:xfrm flipH="1">
-            <a:off x="10235589" y="1492898"/>
-            <a:ext cx="1173044" cy="3337766"/>
-          </a:xfrm>
-          <a:prstGeom prst="straightConnector1">
-            <a:avLst/>
-          </a:prstGeom>
-          <a:ln w="28575">
-            <a:solidFill>
-              <a:srgbClr val="FF0000"/>
-            </a:solidFill>
-            <a:headEnd type="none" w="med" len="med"/>
-            <a:tailEnd type="triangle" w="lg" len="lg"/>
-          </a:ln>
-        </p:spPr>
-        <p:style>
-          <a:lnRef idx="1">
-            <a:schemeClr val="accent1"/>
-          </a:lnRef>
-          <a:fillRef idx="0">
-            <a:schemeClr val="accent1"/>
-          </a:fillRef>
-          <a:effectRef idx="0">
-            <a:schemeClr val="accent1"/>
-          </a:effectRef>
-          <a:fontRef idx="minor">
-            <a:schemeClr val="tx1"/>
-          </a:fontRef>
-        </p:style>
-      </p:cxnSp>
-    </p:spTree>
-    <p:extLst>
-      <p:ext uri="{BB962C8B-B14F-4D97-AF65-F5344CB8AC3E}">
-        <p14:creationId xmlns:p14="http://schemas.microsoft.com/office/powerpoint/2010/main" val="3166593787"/>
       </p:ext>
     </p:extLst>
   </p:cSld>
@@ -5237,9 +5561,56 @@
           <a:chExt cx="0" cy="0"/>
         </a:xfrm>
       </p:grpSpPr>
+      <p:sp>
+        <p:nvSpPr>
+          <p:cNvPr id="2" name="Título 1"/>
+          <p:cNvSpPr>
+            <a:spLocks noGrp="1"/>
+          </p:cNvSpPr>
+          <p:nvPr>
+            <p:ph type="title"/>
+          </p:nvPr>
+        </p:nvSpPr>
+        <p:spPr/>
+        <p:txBody>
+          <a:bodyPr/>
+          <a:lstStyle/>
+          <a:p>
+            <a:r>
+              <a:rPr lang="es-CO" dirty="0" err="1"/>
+              <a:t>Estimating</a:t>
+            </a:r>
+            <a:r>
+              <a:rPr lang="es-CO" dirty="0"/>
+              <a:t> </a:t>
+            </a:r>
+            <a:r>
+              <a:rPr lang="es-CO" dirty="0" err="1"/>
+              <a:t>Unicorn</a:t>
+            </a:r>
+            <a:r>
+              <a:rPr lang="es-CO" dirty="0"/>
+              <a:t>-</a:t>
+            </a:r>
+            <a:r>
+              <a:rPr lang="es-CO" dirty="0" err="1"/>
+              <a:t>Present</a:t>
+            </a:r>
+            <a:r>
+              <a:rPr lang="es-CO" dirty="0"/>
+              <a:t>-Blocks and score </a:t>
+            </a:r>
+            <a:r>
+              <a:rPr lang="es-CO" dirty="0" err="1"/>
+              <a:t>correction</a:t>
+            </a:r>
+            <a:endParaRPr lang="es-CO" dirty="0"/>
+          </a:p>
+        </p:txBody>
+      </p:sp>
       <p:pic>
         <p:nvPicPr>
-          <p:cNvPr id="3" name="Imagen 2"/>
+          <p:cNvPr id="4" name="Imagen 3"/>
           <p:cNvPicPr>
             <a:picLocks noChangeAspect="1"/>
           </p:cNvPicPr>
@@ -5253,267 +5624,18 @@
         </p:blipFill>
         <p:spPr>
           <a:xfrm>
-            <a:off x="1434661" y="1757849"/>
-            <a:ext cx="8755015" cy="4792437"/>
+            <a:off x="1552575" y="2389632"/>
+            <a:ext cx="9086850" cy="3048000"/>
           </a:xfrm>
           <a:prstGeom prst="rect">
             <a:avLst/>
           </a:prstGeom>
         </p:spPr>
       </p:pic>
-      <p:sp>
-        <p:nvSpPr>
-          <p:cNvPr id="2" name="Título 1"/>
-          <p:cNvSpPr>
-            <a:spLocks noGrp="1"/>
-          </p:cNvSpPr>
-          <p:nvPr>
-            <p:ph type="title"/>
-          </p:nvPr>
-        </p:nvSpPr>
-        <p:spPr/>
-        <p:txBody>
-          <a:bodyPr>
-            <a:normAutofit/>
-          </a:bodyPr>
-          <a:lstStyle/>
-          <a:p>
-            <a:r>
-              <a:rPr lang="es-CO" dirty="0"/>
-              <a:t>Estimating Unicorn-Present-Blocks and score correction</a:t>
-            </a:r>
-          </a:p>
-        </p:txBody>
-      </p:sp>
-      <p:cxnSp>
-        <p:nvCxnSpPr>
-          <p:cNvPr id="4" name="Straight Arrow Connector 3">
-            <a:extLst>
-              <a:ext uri="{FF2B5EF4-FFF2-40B4-BE49-F238E27FC236}">
-                <a16:creationId xmlns:a16="http://schemas.microsoft.com/office/drawing/2014/main" xmlns="" id="{6D938FC0-98E1-BE4B-92E7-3628D5F9891A}"/>
-              </a:ext>
-            </a:extLst>
-          </p:cNvPr>
-          <p:cNvCxnSpPr>
-            <a:cxnSpLocks/>
-          </p:cNvCxnSpPr>
-          <p:nvPr/>
-        </p:nvCxnSpPr>
-        <p:spPr>
-          <a:xfrm flipH="1" flipV="1">
-            <a:off x="9208008" y="5111496"/>
-            <a:ext cx="1652826" cy="710807"/>
-          </a:xfrm>
-          <a:prstGeom prst="straightConnector1">
-            <a:avLst/>
-          </a:prstGeom>
-          <a:ln w="28575">
-            <a:solidFill>
-              <a:srgbClr val="FF0000"/>
-            </a:solidFill>
-            <a:headEnd type="none" w="med" len="med"/>
-            <a:tailEnd type="triangle" w="lg" len="lg"/>
-          </a:ln>
-        </p:spPr>
-        <p:style>
-          <a:lnRef idx="1">
-            <a:schemeClr val="accent1"/>
-          </a:lnRef>
-          <a:fillRef idx="0">
-            <a:schemeClr val="accent1"/>
-          </a:fillRef>
-          <a:effectRef idx="0">
-            <a:schemeClr val="accent1"/>
-          </a:effectRef>
-          <a:fontRef idx="minor">
-            <a:schemeClr val="tx1"/>
-          </a:fontRef>
-        </p:style>
-      </p:cxnSp>
-      <p:sp>
-        <p:nvSpPr>
-          <p:cNvPr id="6" name="TextBox 5">
-            <a:extLst>
-              <a:ext uri="{FF2B5EF4-FFF2-40B4-BE49-F238E27FC236}">
-                <a16:creationId xmlns:a16="http://schemas.microsoft.com/office/drawing/2014/main" xmlns="" id="{7858C9E8-A3DE-8448-AF9A-E30BADCA89B8}"/>
-              </a:ext>
-            </a:extLst>
-          </p:cNvPr>
-          <p:cNvSpPr txBox="1"/>
-          <p:nvPr/>
-        </p:nvSpPr>
-        <p:spPr>
-          <a:xfrm>
-            <a:off x="10318474" y="5822302"/>
-            <a:ext cx="1230273" cy="646331"/>
-          </a:xfrm>
-          <a:prstGeom prst="rect">
-            <a:avLst/>
-          </a:prstGeom>
-          <a:noFill/>
-        </p:spPr>
-        <p:txBody>
-          <a:bodyPr wrap="none" rtlCol="0">
-            <a:spAutoFit/>
-          </a:bodyPr>
-          <a:lstStyle/>
-          <a:p>
-            <a:pPr algn="ctr"/>
-            <a:r>
-              <a:rPr lang="en-US" dirty="0"/>
-              <a:t>Insufficient</a:t>
-            </a:r>
-          </a:p>
-          <a:p>
-            <a:pPr algn="ctr"/>
-            <a:r>
-              <a:rPr lang="en-US" dirty="0"/>
-              <a:t>data</a:t>
-            </a:r>
-          </a:p>
-        </p:txBody>
-      </p:sp>
-      <p:cxnSp>
-        <p:nvCxnSpPr>
-          <p:cNvPr id="7" name="Straight Arrow Connector 6">
-            <a:extLst>
-              <a:ext uri="{FF2B5EF4-FFF2-40B4-BE49-F238E27FC236}">
-                <a16:creationId xmlns:a16="http://schemas.microsoft.com/office/drawing/2014/main" xmlns="" id="{691C899B-044B-0B46-851B-F8AB34F1D65D}"/>
-              </a:ext>
-            </a:extLst>
-          </p:cNvPr>
-          <p:cNvCxnSpPr>
-            <a:cxnSpLocks/>
-          </p:cNvCxnSpPr>
-          <p:nvPr/>
-        </p:nvCxnSpPr>
-        <p:spPr>
-          <a:xfrm flipH="1">
-            <a:off x="10030968" y="1492898"/>
-            <a:ext cx="1091122" cy="1469758"/>
-          </a:xfrm>
-          <a:prstGeom prst="straightConnector1">
-            <a:avLst/>
-          </a:prstGeom>
-          <a:ln w="28575">
-            <a:solidFill>
-              <a:schemeClr val="accent5">
-                <a:lumMod val="75000"/>
-              </a:schemeClr>
-            </a:solidFill>
-            <a:headEnd type="none" w="med" len="med"/>
-            <a:tailEnd type="triangle" w="lg" len="lg"/>
-          </a:ln>
-        </p:spPr>
-        <p:style>
-          <a:lnRef idx="1">
-            <a:schemeClr val="accent1"/>
-          </a:lnRef>
-          <a:fillRef idx="0">
-            <a:schemeClr val="accent1"/>
-          </a:fillRef>
-          <a:effectRef idx="0">
-            <a:schemeClr val="accent1"/>
-          </a:effectRef>
-          <a:fontRef idx="minor">
-            <a:schemeClr val="tx1"/>
-          </a:fontRef>
-        </p:style>
-      </p:cxnSp>
-      <p:cxnSp>
-        <p:nvCxnSpPr>
-          <p:cNvPr id="8" name="Straight Arrow Connector 7">
-            <a:extLst>
-              <a:ext uri="{FF2B5EF4-FFF2-40B4-BE49-F238E27FC236}">
-                <a16:creationId xmlns:a16="http://schemas.microsoft.com/office/drawing/2014/main" xmlns="" id="{810074C2-3355-854B-B2E6-3489185E20A3}"/>
-              </a:ext>
-            </a:extLst>
-          </p:cNvPr>
-          <p:cNvCxnSpPr>
-            <a:cxnSpLocks/>
-          </p:cNvCxnSpPr>
-          <p:nvPr/>
-        </p:nvCxnSpPr>
-        <p:spPr>
-          <a:xfrm flipH="1">
-            <a:off x="8528698" y="1432574"/>
-            <a:ext cx="2593392" cy="650551"/>
-          </a:xfrm>
-          <a:prstGeom prst="straightConnector1">
-            <a:avLst/>
-          </a:prstGeom>
-          <a:ln w="28575">
-            <a:solidFill>
-              <a:schemeClr val="accent5">
-                <a:lumMod val="75000"/>
-              </a:schemeClr>
-            </a:solidFill>
-            <a:headEnd type="none" w="med" len="med"/>
-            <a:tailEnd type="triangle" w="lg" len="lg"/>
-          </a:ln>
-        </p:spPr>
-        <p:style>
-          <a:lnRef idx="1">
-            <a:schemeClr val="accent1"/>
-          </a:lnRef>
-          <a:fillRef idx="0">
-            <a:schemeClr val="accent1"/>
-          </a:fillRef>
-          <a:effectRef idx="0">
-            <a:schemeClr val="accent1"/>
-          </a:effectRef>
-          <a:fontRef idx="minor">
-            <a:schemeClr val="tx1"/>
-          </a:fontRef>
-        </p:style>
-      </p:cxnSp>
-      <p:sp>
-        <p:nvSpPr>
-          <p:cNvPr id="9" name="TextBox 8">
-            <a:extLst>
-              <a:ext uri="{FF2B5EF4-FFF2-40B4-BE49-F238E27FC236}">
-                <a16:creationId xmlns:a16="http://schemas.microsoft.com/office/drawing/2014/main" xmlns="" id="{5B130C70-C338-1749-A692-7AEC28C31866}"/>
-              </a:ext>
-            </a:extLst>
-          </p:cNvPr>
-          <p:cNvSpPr txBox="1"/>
-          <p:nvPr/>
-        </p:nvSpPr>
-        <p:spPr>
-          <a:xfrm>
-            <a:off x="10910688" y="785121"/>
-            <a:ext cx="1117935" cy="646331"/>
-          </a:xfrm>
-          <a:prstGeom prst="rect">
-            <a:avLst/>
-          </a:prstGeom>
-          <a:noFill/>
-        </p:spPr>
-        <p:txBody>
-          <a:bodyPr wrap="none" rtlCol="0">
-            <a:spAutoFit/>
-          </a:bodyPr>
-          <a:lstStyle/>
-          <a:p>
-            <a:pPr algn="ctr"/>
-            <a:r>
-              <a:rPr lang="en-US" dirty="0"/>
-              <a:t>Less false </a:t>
-            </a:r>
-          </a:p>
-          <a:p>
-            <a:pPr algn="ctr"/>
-            <a:r>
-              <a:rPr lang="en-US" dirty="0"/>
-              <a:t>negatives</a:t>
-            </a:r>
-          </a:p>
-        </p:txBody>
-      </p:sp>
     </p:spTree>
     <p:extLst>
       <p:ext uri="{BB962C8B-B14F-4D97-AF65-F5344CB8AC3E}">
-        <p14:creationId xmlns:p14="http://schemas.microsoft.com/office/powerpoint/2010/main" val="2467116748"/>
+        <p14:creationId xmlns:p14="http://schemas.microsoft.com/office/powerpoint/2010/main" val="788016142"/>
       </p:ext>
     </p:extLst>
   </p:cSld>
